--- a/Courses/ML_Concepts/Module_02_Introduction_to_Unsupervised_Learning/Module_02_Unsupervised_Learning_K_means_Clustering.pptx
+++ b/Courses/ML_Concepts/Module_02_Introduction_to_Unsupervised_Learning/Module_02_Unsupervised_Learning_K_means_Clustering.pptx
@@ -8,29 +8,29 @@
     <p:notesMasterId r:id="rId43"/>
   </p:notesMasterIdLst>
   <p:sldIdLst>
-    <p:sldId id="257" r:id="rId2"/>
-    <p:sldId id="258" r:id="rId3"/>
+    <p:sldId id="298" r:id="rId2"/>
+    <p:sldId id="2018" r:id="rId3"/>
     <p:sldId id="259" r:id="rId4"/>
     <p:sldId id="260" r:id="rId5"/>
-    <p:sldId id="261" r:id="rId6"/>
-    <p:sldId id="262" r:id="rId7"/>
-    <p:sldId id="263" r:id="rId8"/>
-    <p:sldId id="264" r:id="rId9"/>
-    <p:sldId id="265" r:id="rId10"/>
-    <p:sldId id="266" r:id="rId11"/>
-    <p:sldId id="267" r:id="rId12"/>
-    <p:sldId id="268" r:id="rId13"/>
-    <p:sldId id="269" r:id="rId14"/>
-    <p:sldId id="270" r:id="rId15"/>
-    <p:sldId id="271" r:id="rId16"/>
-    <p:sldId id="272" r:id="rId17"/>
-    <p:sldId id="273" r:id="rId18"/>
-    <p:sldId id="274" r:id="rId19"/>
-    <p:sldId id="275" r:id="rId20"/>
-    <p:sldId id="276" r:id="rId21"/>
-    <p:sldId id="277" r:id="rId22"/>
-    <p:sldId id="278" r:id="rId23"/>
-    <p:sldId id="279" r:id="rId24"/>
+    <p:sldId id="263" r:id="rId6"/>
+    <p:sldId id="264" r:id="rId7"/>
+    <p:sldId id="2019" r:id="rId8"/>
+    <p:sldId id="265" r:id="rId9"/>
+    <p:sldId id="266" r:id="rId10"/>
+    <p:sldId id="267" r:id="rId11"/>
+    <p:sldId id="268" r:id="rId12"/>
+    <p:sldId id="269" r:id="rId13"/>
+    <p:sldId id="270" r:id="rId14"/>
+    <p:sldId id="271" r:id="rId15"/>
+    <p:sldId id="272" r:id="rId16"/>
+    <p:sldId id="273" r:id="rId17"/>
+    <p:sldId id="274" r:id="rId18"/>
+    <p:sldId id="275" r:id="rId19"/>
+    <p:sldId id="276" r:id="rId20"/>
+    <p:sldId id="277" r:id="rId21"/>
+    <p:sldId id="278" r:id="rId22"/>
+    <p:sldId id="279" r:id="rId23"/>
+    <p:sldId id="2020" r:id="rId24"/>
     <p:sldId id="280" r:id="rId25"/>
     <p:sldId id="281" r:id="rId26"/>
     <p:sldId id="282" r:id="rId27"/>
@@ -297,7 +297,7 @@
       </p15:sldGuideLst>
     </p:ext>
     <p:ext uri="http://customooxmlschemas.google.com/">
-      <go:slidesCustomData xmlns:go="http://customooxmlschemas.google.com/" xmlns:ahyp="http://schemas.microsoft.com/office/drawing/2018/hyperlinkcolor" xmlns:p15="http://schemas.microsoft.com/office/powerpoint/2012/main" xmlns:p14="http://schemas.microsoft.com/office/powerpoint/2010/main" xmlns:com="http://schemas.openxmlformats.org/drawingml/2006/compatibility" xmlns:pvml="urn:schemas-microsoft-com:office:powerpoint" xmlns:v="urn:schemas-microsoft-com:vml" xmlns:o="urn:schemas-microsoft-com:office:office" xmlns:dgm="http://schemas.openxmlformats.org/drawingml/2006/diagram" xmlns:c="http://schemas.openxmlformats.org/drawingml/2006/chart" xmlns:mv="urn:schemas-microsoft-com:mac:vml" xmlns:mc="http://schemas.openxmlformats.org/markup-compatibility/2006" xmlns="" r:id="rId48" roundtripDataSignature="AMtx7mhq4ECktJ9nbpNikg3v/peR6KBiog=="/>
+      <go:slidesCustomData xmlns="" xmlns:mc="http://schemas.openxmlformats.org/markup-compatibility/2006" xmlns:mv="urn:schemas-microsoft-com:mac:vml" xmlns:c="http://schemas.openxmlformats.org/drawingml/2006/chart" xmlns:dgm="http://schemas.openxmlformats.org/drawingml/2006/diagram" xmlns:o="urn:schemas-microsoft-com:office:office" xmlns:v="urn:schemas-microsoft-com:vml" xmlns:pvml="urn:schemas-microsoft-com:office:powerpoint" xmlns:com="http://schemas.openxmlformats.org/drawingml/2006/compatibility" xmlns:p14="http://schemas.microsoft.com/office/powerpoint/2010/main" xmlns:p15="http://schemas.microsoft.com/office/powerpoint/2012/main" xmlns:ahyp="http://schemas.microsoft.com/office/drawing/2018/hyperlinkcolor" xmlns:go="http://customooxmlschemas.google.com/" r:id="rId48" roundtripDataSignature="AMtx7mhq4ECktJ9nbpNikg3v/peR6KBiog=="/>
     </p:ext>
   </p:extLst>
 </p:presentation>
@@ -545,6 +545,11 @@
                 </a:contourClr>
               </a:sp3d>
             </c:spPr>
+            <c:extLst>
+              <c:ext xmlns:c16="http://schemas.microsoft.com/office/drawing/2014/chart" uri="{C3380CC4-5D6E-409C-BE32-E72D297353CC}">
+                <c16:uniqueId val="{00000007-3086-4D44-BD24-06F32B779C3B}"/>
+              </c:ext>
+            </c:extLst>
           </c:dPt>
           <c:dLbls>
             <c:delete val="1"/>
@@ -2766,7 +2771,7 @@
   <p:cSld>
     <p:spTree>
       <p:nvGrpSpPr>
-        <p:cNvPr id="1" name="Shape 91"/>
+        <p:cNvPr id="1" name="Shape 121"/>
         <p:cNvGrpSpPr/>
         <p:nvPr/>
       </p:nvGrpSpPr>
@@ -2780,7 +2785,527 @@
       </p:grpSpPr>
       <p:sp>
         <p:nvSpPr>
-          <p:cNvPr id="92" name="Google Shape;92;p2:notes"/>
+          <p:cNvPr id="122" name="Google Shape;122;p4:notes"/>
+          <p:cNvSpPr txBox="1">
+            <a:spLocks noGrp="1"/>
+          </p:cNvSpPr>
+          <p:nvPr>
+            <p:ph type="body" idx="1"/>
+          </p:nvPr>
+        </p:nvSpPr>
+        <p:spPr>
+          <a:xfrm>
+            <a:off x="685800" y="4400550"/>
+            <a:ext cx="5486400" cy="3600450"/>
+          </a:xfrm>
+          <a:prstGeom prst="rect">
+            <a:avLst/>
+          </a:prstGeom>
+        </p:spPr>
+        <p:txBody>
+          <a:bodyPr spcFirstLastPara="1" wrap="square" lIns="91425" tIns="45700" rIns="91425" bIns="45700" anchor="t" anchorCtr="0">
+            <a:noAutofit/>
+          </a:bodyPr>
+          <a:lstStyle/>
+          <a:p>
+            <a:pPr marL="0" lvl="0" indent="0" algn="l" rtl="0">
+              <a:spcBef>
+                <a:spcPts val="0"/>
+              </a:spcBef>
+              <a:spcAft>
+                <a:spcPts val="0"/>
+              </a:spcAft>
+              <a:buNone/>
+            </a:pPr>
+            <a:endParaRPr/>
+          </a:p>
+        </p:txBody>
+      </p:sp>
+      <p:sp>
+        <p:nvSpPr>
+          <p:cNvPr id="123" name="Google Shape;123;p4:notes"/>
+          <p:cNvSpPr>
+            <a:spLocks noGrp="1" noRot="1" noChangeAspect="1"/>
+          </p:cNvSpPr>
+          <p:nvPr>
+            <p:ph type="sldImg" idx="2"/>
+          </p:nvPr>
+        </p:nvSpPr>
+        <p:spPr>
+          <a:xfrm>
+            <a:off x="685800" y="1143000"/>
+            <a:ext cx="5486400" cy="3086100"/>
+          </a:xfrm>
+          <a:custGeom>
+            <a:avLst/>
+            <a:gdLst/>
+            <a:ahLst/>
+            <a:cxnLst/>
+            <a:rect l="l" t="t" r="r" b="b"/>
+            <a:pathLst>
+              <a:path w="120000" h="120000" extrusionOk="0">
+                <a:moveTo>
+                  <a:pt x="0" y="0"/>
+                </a:moveTo>
+                <a:lnTo>
+                  <a:pt x="120000" y="0"/>
+                </a:lnTo>
+                <a:lnTo>
+                  <a:pt x="120000" y="120000"/>
+                </a:lnTo>
+                <a:lnTo>
+                  <a:pt x="0" y="120000"/>
+                </a:lnTo>
+                <a:close/>
+              </a:path>
+            </a:pathLst>
+          </a:custGeom>
+        </p:spPr>
+      </p:sp>
+    </p:spTree>
+  </p:cSld>
+  <p:clrMapOvr>
+    <a:masterClrMapping/>
+  </p:clrMapOvr>
+</p:notes>
+</file>
+
+<file path=ppt/notesSlides/notesSlide10.xml><?xml version="1.0" encoding="utf-8"?>
+<p:notes xmlns:a="http://schemas.openxmlformats.org/drawingml/2006/main" xmlns:r="http://schemas.openxmlformats.org/officeDocument/2006/relationships" xmlns:p="http://schemas.openxmlformats.org/presentationml/2006/main" showMasterSp="0" showMasterPhAnim="0">
+  <p:cSld>
+    <p:spTree>
+      <p:nvGrpSpPr>
+        <p:cNvPr id="1" name="Shape 346"/>
+        <p:cNvGrpSpPr/>
+        <p:nvPr/>
+      </p:nvGrpSpPr>
+      <p:grpSpPr>
+        <a:xfrm>
+          <a:off x="0" y="0"/>
+          <a:ext cx="0" cy="0"/>
+          <a:chOff x="0" y="0"/>
+          <a:chExt cx="0" cy="0"/>
+        </a:xfrm>
+      </p:grpSpPr>
+      <p:sp>
+        <p:nvSpPr>
+          <p:cNvPr id="347" name="Google Shape;347;p15:notes"/>
+          <p:cNvSpPr txBox="1">
+            <a:spLocks noGrp="1"/>
+          </p:cNvSpPr>
+          <p:nvPr>
+            <p:ph type="body" idx="1"/>
+          </p:nvPr>
+        </p:nvSpPr>
+        <p:spPr>
+          <a:xfrm>
+            <a:off x="685800" y="4400550"/>
+            <a:ext cx="5486400" cy="3600450"/>
+          </a:xfrm>
+          <a:prstGeom prst="rect">
+            <a:avLst/>
+          </a:prstGeom>
+        </p:spPr>
+        <p:txBody>
+          <a:bodyPr spcFirstLastPara="1" wrap="square" lIns="91425" tIns="45700" rIns="91425" bIns="45700" anchor="t" anchorCtr="0">
+            <a:noAutofit/>
+          </a:bodyPr>
+          <a:lstStyle/>
+          <a:p>
+            <a:pPr marL="0" lvl="0" indent="0" algn="l" rtl="0">
+              <a:spcBef>
+                <a:spcPts val="0"/>
+              </a:spcBef>
+              <a:spcAft>
+                <a:spcPts val="0"/>
+              </a:spcAft>
+              <a:buNone/>
+            </a:pPr>
+            <a:endParaRPr/>
+          </a:p>
+        </p:txBody>
+      </p:sp>
+      <p:sp>
+        <p:nvSpPr>
+          <p:cNvPr id="348" name="Google Shape;348;p15:notes"/>
+          <p:cNvSpPr>
+            <a:spLocks noGrp="1" noRot="1" noChangeAspect="1"/>
+          </p:cNvSpPr>
+          <p:nvPr>
+            <p:ph type="sldImg" idx="2"/>
+          </p:nvPr>
+        </p:nvSpPr>
+        <p:spPr>
+          <a:xfrm>
+            <a:off x="685800" y="1143000"/>
+            <a:ext cx="5486400" cy="3086100"/>
+          </a:xfrm>
+          <a:custGeom>
+            <a:avLst/>
+            <a:gdLst/>
+            <a:ahLst/>
+            <a:cxnLst/>
+            <a:rect l="l" t="t" r="r" b="b"/>
+            <a:pathLst>
+              <a:path w="120000" h="120000" extrusionOk="0">
+                <a:moveTo>
+                  <a:pt x="0" y="0"/>
+                </a:moveTo>
+                <a:lnTo>
+                  <a:pt x="120000" y="0"/>
+                </a:lnTo>
+                <a:lnTo>
+                  <a:pt x="120000" y="120000"/>
+                </a:lnTo>
+                <a:lnTo>
+                  <a:pt x="0" y="120000"/>
+                </a:lnTo>
+                <a:close/>
+              </a:path>
+            </a:pathLst>
+          </a:custGeom>
+        </p:spPr>
+      </p:sp>
+    </p:spTree>
+  </p:cSld>
+  <p:clrMapOvr>
+    <a:masterClrMapping/>
+  </p:clrMapOvr>
+</p:notes>
+</file>
+
+<file path=ppt/notesSlides/notesSlide11.xml><?xml version="1.0" encoding="utf-8"?>
+<p:notes xmlns:a="http://schemas.openxmlformats.org/drawingml/2006/main" xmlns:r="http://schemas.openxmlformats.org/officeDocument/2006/relationships" xmlns:p="http://schemas.openxmlformats.org/presentationml/2006/main" showMasterSp="0" showMasterPhAnim="0">
+  <p:cSld>
+    <p:spTree>
+      <p:nvGrpSpPr>
+        <p:cNvPr id="1" name="Shape 359"/>
+        <p:cNvGrpSpPr/>
+        <p:nvPr/>
+      </p:nvGrpSpPr>
+      <p:grpSpPr>
+        <a:xfrm>
+          <a:off x="0" y="0"/>
+          <a:ext cx="0" cy="0"/>
+          <a:chOff x="0" y="0"/>
+          <a:chExt cx="0" cy="0"/>
+        </a:xfrm>
+      </p:grpSpPr>
+      <p:sp>
+        <p:nvSpPr>
+          <p:cNvPr id="360" name="Google Shape;360;p16:notes"/>
+          <p:cNvSpPr txBox="1">
+            <a:spLocks noGrp="1"/>
+          </p:cNvSpPr>
+          <p:nvPr>
+            <p:ph type="body" idx="1"/>
+          </p:nvPr>
+        </p:nvSpPr>
+        <p:spPr>
+          <a:xfrm>
+            <a:off x="685800" y="4400550"/>
+            <a:ext cx="5486400" cy="3600450"/>
+          </a:xfrm>
+          <a:prstGeom prst="rect">
+            <a:avLst/>
+          </a:prstGeom>
+        </p:spPr>
+        <p:txBody>
+          <a:bodyPr spcFirstLastPara="1" wrap="square" lIns="91425" tIns="45700" rIns="91425" bIns="45700" anchor="t" anchorCtr="0">
+            <a:noAutofit/>
+          </a:bodyPr>
+          <a:lstStyle/>
+          <a:p>
+            <a:pPr marL="0" lvl="0" indent="0" algn="l" rtl="0">
+              <a:spcBef>
+                <a:spcPts val="0"/>
+              </a:spcBef>
+              <a:spcAft>
+                <a:spcPts val="0"/>
+              </a:spcAft>
+              <a:buNone/>
+            </a:pPr>
+            <a:endParaRPr/>
+          </a:p>
+        </p:txBody>
+      </p:sp>
+      <p:sp>
+        <p:nvSpPr>
+          <p:cNvPr id="361" name="Google Shape;361;p16:notes"/>
+          <p:cNvSpPr>
+            <a:spLocks noGrp="1" noRot="1" noChangeAspect="1"/>
+          </p:cNvSpPr>
+          <p:nvPr>
+            <p:ph type="sldImg" idx="2"/>
+          </p:nvPr>
+        </p:nvSpPr>
+        <p:spPr>
+          <a:xfrm>
+            <a:off x="685800" y="1143000"/>
+            <a:ext cx="5486400" cy="3086100"/>
+          </a:xfrm>
+          <a:custGeom>
+            <a:avLst/>
+            <a:gdLst/>
+            <a:ahLst/>
+            <a:cxnLst/>
+            <a:rect l="l" t="t" r="r" b="b"/>
+            <a:pathLst>
+              <a:path w="120000" h="120000" extrusionOk="0">
+                <a:moveTo>
+                  <a:pt x="0" y="0"/>
+                </a:moveTo>
+                <a:lnTo>
+                  <a:pt x="120000" y="0"/>
+                </a:lnTo>
+                <a:lnTo>
+                  <a:pt x="120000" y="120000"/>
+                </a:lnTo>
+                <a:lnTo>
+                  <a:pt x="0" y="120000"/>
+                </a:lnTo>
+                <a:close/>
+              </a:path>
+            </a:pathLst>
+          </a:custGeom>
+        </p:spPr>
+      </p:sp>
+    </p:spTree>
+  </p:cSld>
+  <p:clrMapOvr>
+    <a:masterClrMapping/>
+  </p:clrMapOvr>
+</p:notes>
+</file>
+
+<file path=ppt/notesSlides/notesSlide12.xml><?xml version="1.0" encoding="utf-8"?>
+<p:notes xmlns:a="http://schemas.openxmlformats.org/drawingml/2006/main" xmlns:r="http://schemas.openxmlformats.org/officeDocument/2006/relationships" xmlns:p="http://schemas.openxmlformats.org/presentationml/2006/main" showMasterSp="0" showMasterPhAnim="0">
+  <p:cSld>
+    <p:spTree>
+      <p:nvGrpSpPr>
+        <p:cNvPr id="1" name="Shape 370"/>
+        <p:cNvGrpSpPr/>
+        <p:nvPr/>
+      </p:nvGrpSpPr>
+      <p:grpSpPr>
+        <a:xfrm>
+          <a:off x="0" y="0"/>
+          <a:ext cx="0" cy="0"/>
+          <a:chOff x="0" y="0"/>
+          <a:chExt cx="0" cy="0"/>
+        </a:xfrm>
+      </p:grpSpPr>
+      <p:sp>
+        <p:nvSpPr>
+          <p:cNvPr id="371" name="Google Shape;371;p17:notes"/>
+          <p:cNvSpPr txBox="1">
+            <a:spLocks noGrp="1"/>
+          </p:cNvSpPr>
+          <p:nvPr>
+            <p:ph type="body" idx="1"/>
+          </p:nvPr>
+        </p:nvSpPr>
+        <p:spPr>
+          <a:xfrm>
+            <a:off x="685800" y="4400550"/>
+            <a:ext cx="5486400" cy="3600450"/>
+          </a:xfrm>
+          <a:prstGeom prst="rect">
+            <a:avLst/>
+          </a:prstGeom>
+        </p:spPr>
+        <p:txBody>
+          <a:bodyPr spcFirstLastPara="1" wrap="square" lIns="91425" tIns="45700" rIns="91425" bIns="45700" anchor="t" anchorCtr="0">
+            <a:noAutofit/>
+          </a:bodyPr>
+          <a:lstStyle/>
+          <a:p>
+            <a:pPr marL="0" lvl="0" indent="0" algn="l" rtl="0">
+              <a:spcBef>
+                <a:spcPts val="0"/>
+              </a:spcBef>
+              <a:spcAft>
+                <a:spcPts val="0"/>
+              </a:spcAft>
+              <a:buNone/>
+            </a:pPr>
+            <a:endParaRPr/>
+          </a:p>
+        </p:txBody>
+      </p:sp>
+      <p:sp>
+        <p:nvSpPr>
+          <p:cNvPr id="372" name="Google Shape;372;p17:notes"/>
+          <p:cNvSpPr>
+            <a:spLocks noGrp="1" noRot="1" noChangeAspect="1"/>
+          </p:cNvSpPr>
+          <p:nvPr>
+            <p:ph type="sldImg" idx="2"/>
+          </p:nvPr>
+        </p:nvSpPr>
+        <p:spPr>
+          <a:xfrm>
+            <a:off x="685800" y="1143000"/>
+            <a:ext cx="5486400" cy="3086100"/>
+          </a:xfrm>
+          <a:custGeom>
+            <a:avLst/>
+            <a:gdLst/>
+            <a:ahLst/>
+            <a:cxnLst/>
+            <a:rect l="l" t="t" r="r" b="b"/>
+            <a:pathLst>
+              <a:path w="120000" h="120000" extrusionOk="0">
+                <a:moveTo>
+                  <a:pt x="0" y="0"/>
+                </a:moveTo>
+                <a:lnTo>
+                  <a:pt x="120000" y="0"/>
+                </a:lnTo>
+                <a:lnTo>
+                  <a:pt x="120000" y="120000"/>
+                </a:lnTo>
+                <a:lnTo>
+                  <a:pt x="0" y="120000"/>
+                </a:lnTo>
+                <a:close/>
+              </a:path>
+            </a:pathLst>
+          </a:custGeom>
+        </p:spPr>
+      </p:sp>
+    </p:spTree>
+  </p:cSld>
+  <p:clrMapOvr>
+    <a:masterClrMapping/>
+  </p:clrMapOvr>
+</p:notes>
+</file>
+
+<file path=ppt/notesSlides/notesSlide13.xml><?xml version="1.0" encoding="utf-8"?>
+<p:notes xmlns:a="http://schemas.openxmlformats.org/drawingml/2006/main" xmlns:r="http://schemas.openxmlformats.org/officeDocument/2006/relationships" xmlns:p="http://schemas.openxmlformats.org/presentationml/2006/main" showMasterSp="0" showMasterPhAnim="0">
+  <p:cSld>
+    <p:spTree>
+      <p:nvGrpSpPr>
+        <p:cNvPr id="1" name="Shape 381"/>
+        <p:cNvGrpSpPr/>
+        <p:nvPr/>
+      </p:nvGrpSpPr>
+      <p:grpSpPr>
+        <a:xfrm>
+          <a:off x="0" y="0"/>
+          <a:ext cx="0" cy="0"/>
+          <a:chOff x="0" y="0"/>
+          <a:chExt cx="0" cy="0"/>
+        </a:xfrm>
+      </p:grpSpPr>
+      <p:sp>
+        <p:nvSpPr>
+          <p:cNvPr id="382" name="Google Shape;382;p18:notes"/>
+          <p:cNvSpPr txBox="1">
+            <a:spLocks noGrp="1"/>
+          </p:cNvSpPr>
+          <p:nvPr>
+            <p:ph type="body" idx="1"/>
+          </p:nvPr>
+        </p:nvSpPr>
+        <p:spPr>
+          <a:xfrm>
+            <a:off x="685800" y="4400550"/>
+            <a:ext cx="5486400" cy="3600450"/>
+          </a:xfrm>
+          <a:prstGeom prst="rect">
+            <a:avLst/>
+          </a:prstGeom>
+        </p:spPr>
+        <p:txBody>
+          <a:bodyPr spcFirstLastPara="1" wrap="square" lIns="91425" tIns="45700" rIns="91425" bIns="45700" anchor="t" anchorCtr="0">
+            <a:noAutofit/>
+          </a:bodyPr>
+          <a:lstStyle/>
+          <a:p>
+            <a:pPr marL="0" lvl="0" indent="0" algn="l" rtl="0">
+              <a:spcBef>
+                <a:spcPts val="0"/>
+              </a:spcBef>
+              <a:spcAft>
+                <a:spcPts val="0"/>
+              </a:spcAft>
+              <a:buNone/>
+            </a:pPr>
+            <a:endParaRPr/>
+          </a:p>
+        </p:txBody>
+      </p:sp>
+      <p:sp>
+        <p:nvSpPr>
+          <p:cNvPr id="383" name="Google Shape;383;p18:notes"/>
+          <p:cNvSpPr>
+            <a:spLocks noGrp="1" noRot="1" noChangeAspect="1"/>
+          </p:cNvSpPr>
+          <p:nvPr>
+            <p:ph type="sldImg" idx="2"/>
+          </p:nvPr>
+        </p:nvSpPr>
+        <p:spPr>
+          <a:xfrm>
+            <a:off x="685800" y="1143000"/>
+            <a:ext cx="5486400" cy="3086100"/>
+          </a:xfrm>
+          <a:custGeom>
+            <a:avLst/>
+            <a:gdLst/>
+            <a:ahLst/>
+            <a:cxnLst/>
+            <a:rect l="l" t="t" r="r" b="b"/>
+            <a:pathLst>
+              <a:path w="120000" h="120000" extrusionOk="0">
+                <a:moveTo>
+                  <a:pt x="0" y="0"/>
+                </a:moveTo>
+                <a:lnTo>
+                  <a:pt x="120000" y="0"/>
+                </a:lnTo>
+                <a:lnTo>
+                  <a:pt x="120000" y="120000"/>
+                </a:lnTo>
+                <a:lnTo>
+                  <a:pt x="0" y="120000"/>
+                </a:lnTo>
+                <a:close/>
+              </a:path>
+            </a:pathLst>
+          </a:custGeom>
+        </p:spPr>
+      </p:sp>
+    </p:spTree>
+  </p:cSld>
+  <p:clrMapOvr>
+    <a:masterClrMapping/>
+  </p:clrMapOvr>
+</p:notes>
+</file>
+
+<file path=ppt/notesSlides/notesSlide14.xml><?xml version="1.0" encoding="utf-8"?>
+<p:notes xmlns:a="http://schemas.openxmlformats.org/drawingml/2006/main" xmlns:r="http://schemas.openxmlformats.org/officeDocument/2006/relationships" xmlns:p="http://schemas.openxmlformats.org/presentationml/2006/main" showMasterSp="0" showMasterPhAnim="0">
+  <p:cSld>
+    <p:spTree>
+      <p:nvGrpSpPr>
+        <p:cNvPr id="1" name="Shape 391"/>
+        <p:cNvGrpSpPr/>
+        <p:nvPr/>
+      </p:nvGrpSpPr>
+      <p:grpSpPr>
+        <a:xfrm>
+          <a:off x="0" y="0"/>
+          <a:ext cx="0" cy="0"/>
+          <a:chOff x="0" y="0"/>
+          <a:chExt cx="0" cy="0"/>
+        </a:xfrm>
+      </p:grpSpPr>
+      <p:sp>
+        <p:nvSpPr>
+          <p:cNvPr id="392" name="Google Shape;392;p19:notes"/>
           <p:cNvSpPr>
             <a:spLocks noGrp="1" noRot="1" noChangeAspect="1"/>
           </p:cNvSpPr>
@@ -2831,7 +3356,7 @@
       </p:sp>
       <p:sp>
         <p:nvSpPr>
-          <p:cNvPr id="93" name="Google Shape;93;p2:notes"/>
+          <p:cNvPr id="393" name="Google Shape;393;p19:notes"/>
           <p:cNvSpPr txBox="1">
             <a:spLocks noGrp="1"/>
           </p:cNvSpPr>
@@ -2867,13 +3392,17 @@
               </a:spcAft>
               <a:buNone/>
             </a:pPr>
+            <a:r>
+              <a:rPr lang="en-US"/>
+              <a:t>Get rid of the legacy points</a:t>
+            </a:r>
             <a:endParaRPr/>
           </a:p>
         </p:txBody>
       </p:sp>
       <p:sp>
         <p:nvSpPr>
-          <p:cNvPr id="94" name="Google Shape;94;p2:notes"/>
+          <p:cNvPr id="394" name="Google Shape;394;p19:notes"/>
           <p:cNvSpPr txBox="1">
             <a:spLocks noGrp="1"/>
           </p:cNvSpPr>
@@ -2911,531 +3440,11 @@
             </a:pPr>
             <a:fld id="{00000000-1234-1234-1234-123412341234}" type="slidenum">
               <a:rPr lang="en-US"/>
-              <a:t>1</a:t>
+              <a:t>17</a:t>
             </a:fld>
             <a:endParaRPr/>
           </a:p>
         </p:txBody>
-      </p:sp>
-    </p:spTree>
-  </p:cSld>
-  <p:clrMapOvr>
-    <a:masterClrMapping/>
-  </p:clrMapOvr>
-</p:notes>
-</file>
-
-<file path=ppt/notesSlides/notesSlide10.xml><?xml version="1.0" encoding="utf-8"?>
-<p:notes xmlns:a="http://schemas.openxmlformats.org/drawingml/2006/main" xmlns:r="http://schemas.openxmlformats.org/officeDocument/2006/relationships" xmlns:p="http://schemas.openxmlformats.org/presentationml/2006/main" showMasterSp="0" showMasterPhAnim="0">
-  <p:cSld>
-    <p:spTree>
-      <p:nvGrpSpPr>
-        <p:cNvPr id="1" name="Shape 312"/>
-        <p:cNvGrpSpPr/>
-        <p:nvPr/>
-      </p:nvGrpSpPr>
-      <p:grpSpPr>
-        <a:xfrm>
-          <a:off x="0" y="0"/>
-          <a:ext cx="0" cy="0"/>
-          <a:chOff x="0" y="0"/>
-          <a:chExt cx="0" cy="0"/>
-        </a:xfrm>
-      </p:grpSpPr>
-      <p:sp>
-        <p:nvSpPr>
-          <p:cNvPr id="313" name="Google Shape;313;p11:notes"/>
-          <p:cNvSpPr txBox="1">
-            <a:spLocks noGrp="1"/>
-          </p:cNvSpPr>
-          <p:nvPr>
-            <p:ph type="body" idx="1"/>
-          </p:nvPr>
-        </p:nvSpPr>
-        <p:spPr>
-          <a:xfrm>
-            <a:off x="685800" y="4400550"/>
-            <a:ext cx="5486400" cy="3600450"/>
-          </a:xfrm>
-          <a:prstGeom prst="rect">
-            <a:avLst/>
-          </a:prstGeom>
-        </p:spPr>
-        <p:txBody>
-          <a:bodyPr spcFirstLastPara="1" wrap="square" lIns="91425" tIns="45700" rIns="91425" bIns="45700" anchor="t" anchorCtr="0">
-            <a:noAutofit/>
-          </a:bodyPr>
-          <a:lstStyle/>
-          <a:p>
-            <a:pPr marL="0" lvl="0" indent="0" algn="l" rtl="0">
-              <a:spcBef>
-                <a:spcPts val="0"/>
-              </a:spcBef>
-              <a:spcAft>
-                <a:spcPts val="0"/>
-              </a:spcAft>
-              <a:buNone/>
-            </a:pPr>
-            <a:endParaRPr/>
-          </a:p>
-        </p:txBody>
-      </p:sp>
-      <p:sp>
-        <p:nvSpPr>
-          <p:cNvPr id="314" name="Google Shape;314;p11:notes"/>
-          <p:cNvSpPr>
-            <a:spLocks noGrp="1" noRot="1" noChangeAspect="1"/>
-          </p:cNvSpPr>
-          <p:nvPr>
-            <p:ph type="sldImg" idx="2"/>
-          </p:nvPr>
-        </p:nvSpPr>
-        <p:spPr>
-          <a:xfrm>
-            <a:off x="685800" y="1143000"/>
-            <a:ext cx="5486400" cy="3086100"/>
-          </a:xfrm>
-          <a:custGeom>
-            <a:avLst/>
-            <a:gdLst/>
-            <a:ahLst/>
-            <a:cxnLst/>
-            <a:rect l="l" t="t" r="r" b="b"/>
-            <a:pathLst>
-              <a:path w="120000" h="120000" extrusionOk="0">
-                <a:moveTo>
-                  <a:pt x="0" y="0"/>
-                </a:moveTo>
-                <a:lnTo>
-                  <a:pt x="120000" y="0"/>
-                </a:lnTo>
-                <a:lnTo>
-                  <a:pt x="120000" y="120000"/>
-                </a:lnTo>
-                <a:lnTo>
-                  <a:pt x="0" y="120000"/>
-                </a:lnTo>
-                <a:close/>
-              </a:path>
-            </a:pathLst>
-          </a:custGeom>
-        </p:spPr>
-      </p:sp>
-    </p:spTree>
-  </p:cSld>
-  <p:clrMapOvr>
-    <a:masterClrMapping/>
-  </p:clrMapOvr>
-</p:notes>
-</file>
-
-<file path=ppt/notesSlides/notesSlide11.xml><?xml version="1.0" encoding="utf-8"?>
-<p:notes xmlns:a="http://schemas.openxmlformats.org/drawingml/2006/main" xmlns:r="http://schemas.openxmlformats.org/officeDocument/2006/relationships" xmlns:p="http://schemas.openxmlformats.org/presentationml/2006/main" showMasterSp="0" showMasterPhAnim="0">
-  <p:cSld>
-    <p:spTree>
-      <p:nvGrpSpPr>
-        <p:cNvPr id="1" name="Shape 318"/>
-        <p:cNvGrpSpPr/>
-        <p:nvPr/>
-      </p:nvGrpSpPr>
-      <p:grpSpPr>
-        <a:xfrm>
-          <a:off x="0" y="0"/>
-          <a:ext cx="0" cy="0"/>
-          <a:chOff x="0" y="0"/>
-          <a:chExt cx="0" cy="0"/>
-        </a:xfrm>
-      </p:grpSpPr>
-      <p:sp>
-        <p:nvSpPr>
-          <p:cNvPr id="319" name="Google Shape;319;p12:notes"/>
-          <p:cNvSpPr txBox="1">
-            <a:spLocks noGrp="1"/>
-          </p:cNvSpPr>
-          <p:nvPr>
-            <p:ph type="body" idx="1"/>
-          </p:nvPr>
-        </p:nvSpPr>
-        <p:spPr>
-          <a:xfrm>
-            <a:off x="685800" y="4400550"/>
-            <a:ext cx="5486400" cy="3600450"/>
-          </a:xfrm>
-          <a:prstGeom prst="rect">
-            <a:avLst/>
-          </a:prstGeom>
-        </p:spPr>
-        <p:txBody>
-          <a:bodyPr spcFirstLastPara="1" wrap="square" lIns="91425" tIns="45700" rIns="91425" bIns="45700" anchor="t" anchorCtr="0">
-            <a:noAutofit/>
-          </a:bodyPr>
-          <a:lstStyle/>
-          <a:p>
-            <a:pPr marL="0" lvl="0" indent="0" algn="l" rtl="0">
-              <a:spcBef>
-                <a:spcPts val="0"/>
-              </a:spcBef>
-              <a:spcAft>
-                <a:spcPts val="0"/>
-              </a:spcAft>
-              <a:buNone/>
-            </a:pPr>
-            <a:endParaRPr/>
-          </a:p>
-        </p:txBody>
-      </p:sp>
-      <p:sp>
-        <p:nvSpPr>
-          <p:cNvPr id="320" name="Google Shape;320;p12:notes"/>
-          <p:cNvSpPr>
-            <a:spLocks noGrp="1" noRot="1" noChangeAspect="1"/>
-          </p:cNvSpPr>
-          <p:nvPr>
-            <p:ph type="sldImg" idx="2"/>
-          </p:nvPr>
-        </p:nvSpPr>
-        <p:spPr>
-          <a:xfrm>
-            <a:off x="685800" y="1143000"/>
-            <a:ext cx="5486400" cy="3086100"/>
-          </a:xfrm>
-          <a:custGeom>
-            <a:avLst/>
-            <a:gdLst/>
-            <a:ahLst/>
-            <a:cxnLst/>
-            <a:rect l="l" t="t" r="r" b="b"/>
-            <a:pathLst>
-              <a:path w="120000" h="120000" extrusionOk="0">
-                <a:moveTo>
-                  <a:pt x="0" y="0"/>
-                </a:moveTo>
-                <a:lnTo>
-                  <a:pt x="120000" y="0"/>
-                </a:lnTo>
-                <a:lnTo>
-                  <a:pt x="120000" y="120000"/>
-                </a:lnTo>
-                <a:lnTo>
-                  <a:pt x="0" y="120000"/>
-                </a:lnTo>
-                <a:close/>
-              </a:path>
-            </a:pathLst>
-          </a:custGeom>
-        </p:spPr>
-      </p:sp>
-    </p:spTree>
-  </p:cSld>
-  <p:clrMapOvr>
-    <a:masterClrMapping/>
-  </p:clrMapOvr>
-</p:notes>
-</file>
-
-<file path=ppt/notesSlides/notesSlide12.xml><?xml version="1.0" encoding="utf-8"?>
-<p:notes xmlns:a="http://schemas.openxmlformats.org/drawingml/2006/main" xmlns:r="http://schemas.openxmlformats.org/officeDocument/2006/relationships" xmlns:p="http://schemas.openxmlformats.org/presentationml/2006/main" showMasterSp="0" showMasterPhAnim="0">
-  <p:cSld>
-    <p:spTree>
-      <p:nvGrpSpPr>
-        <p:cNvPr id="1" name="Shape 324"/>
-        <p:cNvGrpSpPr/>
-        <p:nvPr/>
-      </p:nvGrpSpPr>
-      <p:grpSpPr>
-        <a:xfrm>
-          <a:off x="0" y="0"/>
-          <a:ext cx="0" cy="0"/>
-          <a:chOff x="0" y="0"/>
-          <a:chExt cx="0" cy="0"/>
-        </a:xfrm>
-      </p:grpSpPr>
-      <p:sp>
-        <p:nvSpPr>
-          <p:cNvPr id="325" name="Google Shape;325;p13:notes"/>
-          <p:cNvSpPr txBox="1">
-            <a:spLocks noGrp="1"/>
-          </p:cNvSpPr>
-          <p:nvPr>
-            <p:ph type="body" idx="1"/>
-          </p:nvPr>
-        </p:nvSpPr>
-        <p:spPr>
-          <a:xfrm>
-            <a:off x="685800" y="4400550"/>
-            <a:ext cx="5486400" cy="3600450"/>
-          </a:xfrm>
-          <a:prstGeom prst="rect">
-            <a:avLst/>
-          </a:prstGeom>
-        </p:spPr>
-        <p:txBody>
-          <a:bodyPr spcFirstLastPara="1" wrap="square" lIns="91425" tIns="45700" rIns="91425" bIns="45700" anchor="t" anchorCtr="0">
-            <a:noAutofit/>
-          </a:bodyPr>
-          <a:lstStyle/>
-          <a:p>
-            <a:pPr marL="0" lvl="0" indent="0" algn="l" rtl="0">
-              <a:spcBef>
-                <a:spcPts val="0"/>
-              </a:spcBef>
-              <a:spcAft>
-                <a:spcPts val="0"/>
-              </a:spcAft>
-              <a:buNone/>
-            </a:pPr>
-            <a:endParaRPr/>
-          </a:p>
-        </p:txBody>
-      </p:sp>
-      <p:sp>
-        <p:nvSpPr>
-          <p:cNvPr id="326" name="Google Shape;326;p13:notes"/>
-          <p:cNvSpPr>
-            <a:spLocks noGrp="1" noRot="1" noChangeAspect="1"/>
-          </p:cNvSpPr>
-          <p:nvPr>
-            <p:ph type="sldImg" idx="2"/>
-          </p:nvPr>
-        </p:nvSpPr>
-        <p:spPr>
-          <a:xfrm>
-            <a:off x="685800" y="1143000"/>
-            <a:ext cx="5486400" cy="3086100"/>
-          </a:xfrm>
-          <a:custGeom>
-            <a:avLst/>
-            <a:gdLst/>
-            <a:ahLst/>
-            <a:cxnLst/>
-            <a:rect l="l" t="t" r="r" b="b"/>
-            <a:pathLst>
-              <a:path w="120000" h="120000" extrusionOk="0">
-                <a:moveTo>
-                  <a:pt x="0" y="0"/>
-                </a:moveTo>
-                <a:lnTo>
-                  <a:pt x="120000" y="0"/>
-                </a:lnTo>
-                <a:lnTo>
-                  <a:pt x="120000" y="120000"/>
-                </a:lnTo>
-                <a:lnTo>
-                  <a:pt x="0" y="120000"/>
-                </a:lnTo>
-                <a:close/>
-              </a:path>
-            </a:pathLst>
-          </a:custGeom>
-        </p:spPr>
-      </p:sp>
-    </p:spTree>
-  </p:cSld>
-  <p:clrMapOvr>
-    <a:masterClrMapping/>
-  </p:clrMapOvr>
-</p:notes>
-</file>
-
-<file path=ppt/notesSlides/notesSlide13.xml><?xml version="1.0" encoding="utf-8"?>
-<p:notes xmlns:a="http://schemas.openxmlformats.org/drawingml/2006/main" xmlns:r="http://schemas.openxmlformats.org/officeDocument/2006/relationships" xmlns:p="http://schemas.openxmlformats.org/presentationml/2006/main" showMasterSp="0" showMasterPhAnim="0">
-  <p:cSld>
-    <p:spTree>
-      <p:nvGrpSpPr>
-        <p:cNvPr id="1" name="Shape 335"/>
-        <p:cNvGrpSpPr/>
-        <p:nvPr/>
-      </p:nvGrpSpPr>
-      <p:grpSpPr>
-        <a:xfrm>
-          <a:off x="0" y="0"/>
-          <a:ext cx="0" cy="0"/>
-          <a:chOff x="0" y="0"/>
-          <a:chExt cx="0" cy="0"/>
-        </a:xfrm>
-      </p:grpSpPr>
-      <p:sp>
-        <p:nvSpPr>
-          <p:cNvPr id="336" name="Google Shape;336;p14:notes"/>
-          <p:cNvSpPr txBox="1">
-            <a:spLocks noGrp="1"/>
-          </p:cNvSpPr>
-          <p:nvPr>
-            <p:ph type="body" idx="1"/>
-          </p:nvPr>
-        </p:nvSpPr>
-        <p:spPr>
-          <a:xfrm>
-            <a:off x="685800" y="4400550"/>
-            <a:ext cx="5486400" cy="3600450"/>
-          </a:xfrm>
-          <a:prstGeom prst="rect">
-            <a:avLst/>
-          </a:prstGeom>
-        </p:spPr>
-        <p:txBody>
-          <a:bodyPr spcFirstLastPara="1" wrap="square" lIns="91425" tIns="45700" rIns="91425" bIns="45700" anchor="t" anchorCtr="0">
-            <a:noAutofit/>
-          </a:bodyPr>
-          <a:lstStyle/>
-          <a:p>
-            <a:pPr marL="0" lvl="0" indent="0" algn="l" rtl="0">
-              <a:spcBef>
-                <a:spcPts val="0"/>
-              </a:spcBef>
-              <a:spcAft>
-                <a:spcPts val="0"/>
-              </a:spcAft>
-              <a:buNone/>
-            </a:pPr>
-            <a:endParaRPr/>
-          </a:p>
-        </p:txBody>
-      </p:sp>
-      <p:sp>
-        <p:nvSpPr>
-          <p:cNvPr id="337" name="Google Shape;337;p14:notes"/>
-          <p:cNvSpPr>
-            <a:spLocks noGrp="1" noRot="1" noChangeAspect="1"/>
-          </p:cNvSpPr>
-          <p:nvPr>
-            <p:ph type="sldImg" idx="2"/>
-          </p:nvPr>
-        </p:nvSpPr>
-        <p:spPr>
-          <a:xfrm>
-            <a:off x="685800" y="1143000"/>
-            <a:ext cx="5486400" cy="3086100"/>
-          </a:xfrm>
-          <a:custGeom>
-            <a:avLst/>
-            <a:gdLst/>
-            <a:ahLst/>
-            <a:cxnLst/>
-            <a:rect l="l" t="t" r="r" b="b"/>
-            <a:pathLst>
-              <a:path w="120000" h="120000" extrusionOk="0">
-                <a:moveTo>
-                  <a:pt x="0" y="0"/>
-                </a:moveTo>
-                <a:lnTo>
-                  <a:pt x="120000" y="0"/>
-                </a:lnTo>
-                <a:lnTo>
-                  <a:pt x="120000" y="120000"/>
-                </a:lnTo>
-                <a:lnTo>
-                  <a:pt x="0" y="120000"/>
-                </a:lnTo>
-                <a:close/>
-              </a:path>
-            </a:pathLst>
-          </a:custGeom>
-        </p:spPr>
-      </p:sp>
-    </p:spTree>
-  </p:cSld>
-  <p:clrMapOvr>
-    <a:masterClrMapping/>
-  </p:clrMapOvr>
-</p:notes>
-</file>
-
-<file path=ppt/notesSlides/notesSlide14.xml><?xml version="1.0" encoding="utf-8"?>
-<p:notes xmlns:a="http://schemas.openxmlformats.org/drawingml/2006/main" xmlns:r="http://schemas.openxmlformats.org/officeDocument/2006/relationships" xmlns:p="http://schemas.openxmlformats.org/presentationml/2006/main" showMasterSp="0" showMasterPhAnim="0">
-  <p:cSld>
-    <p:spTree>
-      <p:nvGrpSpPr>
-        <p:cNvPr id="1" name="Shape 346"/>
-        <p:cNvGrpSpPr/>
-        <p:nvPr/>
-      </p:nvGrpSpPr>
-      <p:grpSpPr>
-        <a:xfrm>
-          <a:off x="0" y="0"/>
-          <a:ext cx="0" cy="0"/>
-          <a:chOff x="0" y="0"/>
-          <a:chExt cx="0" cy="0"/>
-        </a:xfrm>
-      </p:grpSpPr>
-      <p:sp>
-        <p:nvSpPr>
-          <p:cNvPr id="347" name="Google Shape;347;p15:notes"/>
-          <p:cNvSpPr txBox="1">
-            <a:spLocks noGrp="1"/>
-          </p:cNvSpPr>
-          <p:nvPr>
-            <p:ph type="body" idx="1"/>
-          </p:nvPr>
-        </p:nvSpPr>
-        <p:spPr>
-          <a:xfrm>
-            <a:off x="685800" y="4400550"/>
-            <a:ext cx="5486400" cy="3600450"/>
-          </a:xfrm>
-          <a:prstGeom prst="rect">
-            <a:avLst/>
-          </a:prstGeom>
-        </p:spPr>
-        <p:txBody>
-          <a:bodyPr spcFirstLastPara="1" wrap="square" lIns="91425" tIns="45700" rIns="91425" bIns="45700" anchor="t" anchorCtr="0">
-            <a:noAutofit/>
-          </a:bodyPr>
-          <a:lstStyle/>
-          <a:p>
-            <a:pPr marL="0" lvl="0" indent="0" algn="l" rtl="0">
-              <a:spcBef>
-                <a:spcPts val="0"/>
-              </a:spcBef>
-              <a:spcAft>
-                <a:spcPts val="0"/>
-              </a:spcAft>
-              <a:buNone/>
-            </a:pPr>
-            <a:endParaRPr/>
-          </a:p>
-        </p:txBody>
-      </p:sp>
-      <p:sp>
-        <p:nvSpPr>
-          <p:cNvPr id="348" name="Google Shape;348;p15:notes"/>
-          <p:cNvSpPr>
-            <a:spLocks noGrp="1" noRot="1" noChangeAspect="1"/>
-          </p:cNvSpPr>
-          <p:nvPr>
-            <p:ph type="sldImg" idx="2"/>
-          </p:nvPr>
-        </p:nvSpPr>
-        <p:spPr>
-          <a:xfrm>
-            <a:off x="685800" y="1143000"/>
-            <a:ext cx="5486400" cy="3086100"/>
-          </a:xfrm>
-          <a:custGeom>
-            <a:avLst/>
-            <a:gdLst/>
-            <a:ahLst/>
-            <a:cxnLst/>
-            <a:rect l="l" t="t" r="r" b="b"/>
-            <a:pathLst>
-              <a:path w="120000" h="120000" extrusionOk="0">
-                <a:moveTo>
-                  <a:pt x="0" y="0"/>
-                </a:moveTo>
-                <a:lnTo>
-                  <a:pt x="120000" y="0"/>
-                </a:lnTo>
-                <a:lnTo>
-                  <a:pt x="120000" y="120000"/>
-                </a:lnTo>
-                <a:lnTo>
-                  <a:pt x="0" y="120000"/>
-                </a:lnTo>
-                <a:close/>
-              </a:path>
-            </a:pathLst>
-          </a:custGeom>
-        </p:spPr>
       </p:sp>
     </p:spTree>
   </p:cSld>
@@ -3450,7 +3459,7 @@
   <p:cSld>
     <p:spTree>
       <p:nvGrpSpPr>
-        <p:cNvPr id="1" name="Shape 359"/>
+        <p:cNvPr id="1" name="Shape 404"/>
         <p:cNvGrpSpPr/>
         <p:nvPr/>
       </p:nvGrpSpPr>
@@ -3464,319 +3473,7 @@
       </p:grpSpPr>
       <p:sp>
         <p:nvSpPr>
-          <p:cNvPr id="360" name="Google Shape;360;p16:notes"/>
-          <p:cNvSpPr txBox="1">
-            <a:spLocks noGrp="1"/>
-          </p:cNvSpPr>
-          <p:nvPr>
-            <p:ph type="body" idx="1"/>
-          </p:nvPr>
-        </p:nvSpPr>
-        <p:spPr>
-          <a:xfrm>
-            <a:off x="685800" y="4400550"/>
-            <a:ext cx="5486400" cy="3600450"/>
-          </a:xfrm>
-          <a:prstGeom prst="rect">
-            <a:avLst/>
-          </a:prstGeom>
-        </p:spPr>
-        <p:txBody>
-          <a:bodyPr spcFirstLastPara="1" wrap="square" lIns="91425" tIns="45700" rIns="91425" bIns="45700" anchor="t" anchorCtr="0">
-            <a:noAutofit/>
-          </a:bodyPr>
-          <a:lstStyle/>
-          <a:p>
-            <a:pPr marL="0" lvl="0" indent="0" algn="l" rtl="0">
-              <a:spcBef>
-                <a:spcPts val="0"/>
-              </a:spcBef>
-              <a:spcAft>
-                <a:spcPts val="0"/>
-              </a:spcAft>
-              <a:buNone/>
-            </a:pPr>
-            <a:endParaRPr/>
-          </a:p>
-        </p:txBody>
-      </p:sp>
-      <p:sp>
-        <p:nvSpPr>
-          <p:cNvPr id="361" name="Google Shape;361;p16:notes"/>
-          <p:cNvSpPr>
-            <a:spLocks noGrp="1" noRot="1" noChangeAspect="1"/>
-          </p:cNvSpPr>
-          <p:nvPr>
-            <p:ph type="sldImg" idx="2"/>
-          </p:nvPr>
-        </p:nvSpPr>
-        <p:spPr>
-          <a:xfrm>
-            <a:off x="685800" y="1143000"/>
-            <a:ext cx="5486400" cy="3086100"/>
-          </a:xfrm>
-          <a:custGeom>
-            <a:avLst/>
-            <a:gdLst/>
-            <a:ahLst/>
-            <a:cxnLst/>
-            <a:rect l="l" t="t" r="r" b="b"/>
-            <a:pathLst>
-              <a:path w="120000" h="120000" extrusionOk="0">
-                <a:moveTo>
-                  <a:pt x="0" y="0"/>
-                </a:moveTo>
-                <a:lnTo>
-                  <a:pt x="120000" y="0"/>
-                </a:lnTo>
-                <a:lnTo>
-                  <a:pt x="120000" y="120000"/>
-                </a:lnTo>
-                <a:lnTo>
-                  <a:pt x="0" y="120000"/>
-                </a:lnTo>
-                <a:close/>
-              </a:path>
-            </a:pathLst>
-          </a:custGeom>
-        </p:spPr>
-      </p:sp>
-    </p:spTree>
-  </p:cSld>
-  <p:clrMapOvr>
-    <a:masterClrMapping/>
-  </p:clrMapOvr>
-</p:notes>
-</file>
-
-<file path=ppt/notesSlides/notesSlide16.xml><?xml version="1.0" encoding="utf-8"?>
-<p:notes xmlns:a="http://schemas.openxmlformats.org/drawingml/2006/main" xmlns:r="http://schemas.openxmlformats.org/officeDocument/2006/relationships" xmlns:p="http://schemas.openxmlformats.org/presentationml/2006/main" showMasterSp="0" showMasterPhAnim="0">
-  <p:cSld>
-    <p:spTree>
-      <p:nvGrpSpPr>
-        <p:cNvPr id="1" name="Shape 370"/>
-        <p:cNvGrpSpPr/>
-        <p:nvPr/>
-      </p:nvGrpSpPr>
-      <p:grpSpPr>
-        <a:xfrm>
-          <a:off x="0" y="0"/>
-          <a:ext cx="0" cy="0"/>
-          <a:chOff x="0" y="0"/>
-          <a:chExt cx="0" cy="0"/>
-        </a:xfrm>
-      </p:grpSpPr>
-      <p:sp>
-        <p:nvSpPr>
-          <p:cNvPr id="371" name="Google Shape;371;p17:notes"/>
-          <p:cNvSpPr txBox="1">
-            <a:spLocks noGrp="1"/>
-          </p:cNvSpPr>
-          <p:nvPr>
-            <p:ph type="body" idx="1"/>
-          </p:nvPr>
-        </p:nvSpPr>
-        <p:spPr>
-          <a:xfrm>
-            <a:off x="685800" y="4400550"/>
-            <a:ext cx="5486400" cy="3600450"/>
-          </a:xfrm>
-          <a:prstGeom prst="rect">
-            <a:avLst/>
-          </a:prstGeom>
-        </p:spPr>
-        <p:txBody>
-          <a:bodyPr spcFirstLastPara="1" wrap="square" lIns="91425" tIns="45700" rIns="91425" bIns="45700" anchor="t" anchorCtr="0">
-            <a:noAutofit/>
-          </a:bodyPr>
-          <a:lstStyle/>
-          <a:p>
-            <a:pPr marL="0" lvl="0" indent="0" algn="l" rtl="0">
-              <a:spcBef>
-                <a:spcPts val="0"/>
-              </a:spcBef>
-              <a:spcAft>
-                <a:spcPts val="0"/>
-              </a:spcAft>
-              <a:buNone/>
-            </a:pPr>
-            <a:endParaRPr/>
-          </a:p>
-        </p:txBody>
-      </p:sp>
-      <p:sp>
-        <p:nvSpPr>
-          <p:cNvPr id="372" name="Google Shape;372;p17:notes"/>
-          <p:cNvSpPr>
-            <a:spLocks noGrp="1" noRot="1" noChangeAspect="1"/>
-          </p:cNvSpPr>
-          <p:nvPr>
-            <p:ph type="sldImg" idx="2"/>
-          </p:nvPr>
-        </p:nvSpPr>
-        <p:spPr>
-          <a:xfrm>
-            <a:off x="685800" y="1143000"/>
-            <a:ext cx="5486400" cy="3086100"/>
-          </a:xfrm>
-          <a:custGeom>
-            <a:avLst/>
-            <a:gdLst/>
-            <a:ahLst/>
-            <a:cxnLst/>
-            <a:rect l="l" t="t" r="r" b="b"/>
-            <a:pathLst>
-              <a:path w="120000" h="120000" extrusionOk="0">
-                <a:moveTo>
-                  <a:pt x="0" y="0"/>
-                </a:moveTo>
-                <a:lnTo>
-                  <a:pt x="120000" y="0"/>
-                </a:lnTo>
-                <a:lnTo>
-                  <a:pt x="120000" y="120000"/>
-                </a:lnTo>
-                <a:lnTo>
-                  <a:pt x="0" y="120000"/>
-                </a:lnTo>
-                <a:close/>
-              </a:path>
-            </a:pathLst>
-          </a:custGeom>
-        </p:spPr>
-      </p:sp>
-    </p:spTree>
-  </p:cSld>
-  <p:clrMapOvr>
-    <a:masterClrMapping/>
-  </p:clrMapOvr>
-</p:notes>
-</file>
-
-<file path=ppt/notesSlides/notesSlide17.xml><?xml version="1.0" encoding="utf-8"?>
-<p:notes xmlns:a="http://schemas.openxmlformats.org/drawingml/2006/main" xmlns:r="http://schemas.openxmlformats.org/officeDocument/2006/relationships" xmlns:p="http://schemas.openxmlformats.org/presentationml/2006/main" showMasterSp="0" showMasterPhAnim="0">
-  <p:cSld>
-    <p:spTree>
-      <p:nvGrpSpPr>
-        <p:cNvPr id="1" name="Shape 381"/>
-        <p:cNvGrpSpPr/>
-        <p:nvPr/>
-      </p:nvGrpSpPr>
-      <p:grpSpPr>
-        <a:xfrm>
-          <a:off x="0" y="0"/>
-          <a:ext cx="0" cy="0"/>
-          <a:chOff x="0" y="0"/>
-          <a:chExt cx="0" cy="0"/>
-        </a:xfrm>
-      </p:grpSpPr>
-      <p:sp>
-        <p:nvSpPr>
-          <p:cNvPr id="382" name="Google Shape;382;p18:notes"/>
-          <p:cNvSpPr txBox="1">
-            <a:spLocks noGrp="1"/>
-          </p:cNvSpPr>
-          <p:nvPr>
-            <p:ph type="body" idx="1"/>
-          </p:nvPr>
-        </p:nvSpPr>
-        <p:spPr>
-          <a:xfrm>
-            <a:off x="685800" y="4400550"/>
-            <a:ext cx="5486400" cy="3600450"/>
-          </a:xfrm>
-          <a:prstGeom prst="rect">
-            <a:avLst/>
-          </a:prstGeom>
-        </p:spPr>
-        <p:txBody>
-          <a:bodyPr spcFirstLastPara="1" wrap="square" lIns="91425" tIns="45700" rIns="91425" bIns="45700" anchor="t" anchorCtr="0">
-            <a:noAutofit/>
-          </a:bodyPr>
-          <a:lstStyle/>
-          <a:p>
-            <a:pPr marL="0" lvl="0" indent="0" algn="l" rtl="0">
-              <a:spcBef>
-                <a:spcPts val="0"/>
-              </a:spcBef>
-              <a:spcAft>
-                <a:spcPts val="0"/>
-              </a:spcAft>
-              <a:buNone/>
-            </a:pPr>
-            <a:endParaRPr/>
-          </a:p>
-        </p:txBody>
-      </p:sp>
-      <p:sp>
-        <p:nvSpPr>
-          <p:cNvPr id="383" name="Google Shape;383;p18:notes"/>
-          <p:cNvSpPr>
-            <a:spLocks noGrp="1" noRot="1" noChangeAspect="1"/>
-          </p:cNvSpPr>
-          <p:nvPr>
-            <p:ph type="sldImg" idx="2"/>
-          </p:nvPr>
-        </p:nvSpPr>
-        <p:spPr>
-          <a:xfrm>
-            <a:off x="685800" y="1143000"/>
-            <a:ext cx="5486400" cy="3086100"/>
-          </a:xfrm>
-          <a:custGeom>
-            <a:avLst/>
-            <a:gdLst/>
-            <a:ahLst/>
-            <a:cxnLst/>
-            <a:rect l="l" t="t" r="r" b="b"/>
-            <a:pathLst>
-              <a:path w="120000" h="120000" extrusionOk="0">
-                <a:moveTo>
-                  <a:pt x="0" y="0"/>
-                </a:moveTo>
-                <a:lnTo>
-                  <a:pt x="120000" y="0"/>
-                </a:lnTo>
-                <a:lnTo>
-                  <a:pt x="120000" y="120000"/>
-                </a:lnTo>
-                <a:lnTo>
-                  <a:pt x="0" y="120000"/>
-                </a:lnTo>
-                <a:close/>
-              </a:path>
-            </a:pathLst>
-          </a:custGeom>
-        </p:spPr>
-      </p:sp>
-    </p:spTree>
-  </p:cSld>
-  <p:clrMapOvr>
-    <a:masterClrMapping/>
-  </p:clrMapOvr>
-</p:notes>
-</file>
-
-<file path=ppt/notesSlides/notesSlide18.xml><?xml version="1.0" encoding="utf-8"?>
-<p:notes xmlns:a="http://schemas.openxmlformats.org/drawingml/2006/main" xmlns:r="http://schemas.openxmlformats.org/officeDocument/2006/relationships" xmlns:p="http://schemas.openxmlformats.org/presentationml/2006/main" showMasterSp="0" showMasterPhAnim="0">
-  <p:cSld>
-    <p:spTree>
-      <p:nvGrpSpPr>
-        <p:cNvPr id="1" name="Shape 391"/>
-        <p:cNvGrpSpPr/>
-        <p:nvPr/>
-      </p:nvGrpSpPr>
-      <p:grpSpPr>
-        <a:xfrm>
-          <a:off x="0" y="0"/>
-          <a:ext cx="0" cy="0"/>
-          <a:chOff x="0" y="0"/>
-          <a:chExt cx="0" cy="0"/>
-        </a:xfrm>
-      </p:grpSpPr>
-      <p:sp>
-        <p:nvSpPr>
-          <p:cNvPr id="392" name="Google Shape;392;p19:notes"/>
+          <p:cNvPr id="405" name="Google Shape;405;p20:notes"/>
           <p:cNvSpPr>
             <a:spLocks noGrp="1" noRot="1" noChangeAspect="1"/>
           </p:cNvSpPr>
@@ -3827,7 +3524,7 @@
       </p:sp>
       <p:sp>
         <p:nvSpPr>
-          <p:cNvPr id="393" name="Google Shape;393;p19:notes"/>
+          <p:cNvPr id="406" name="Google Shape;406;p20:notes"/>
           <p:cNvSpPr txBox="1">
             <a:spLocks noGrp="1"/>
           </p:cNvSpPr>
@@ -3873,7 +3570,7 @@
       </p:sp>
       <p:sp>
         <p:nvSpPr>
-          <p:cNvPr id="394" name="Google Shape;394;p19:notes"/>
+          <p:cNvPr id="407" name="Google Shape;407;p20:notes"/>
           <p:cNvSpPr txBox="1">
             <a:spLocks noGrp="1"/>
           </p:cNvSpPr>
@@ -3925,12 +3622,12 @@
 </p:notes>
 </file>
 
-<file path=ppt/notesSlides/notesSlide19.xml><?xml version="1.0" encoding="utf-8"?>
+<file path=ppt/notesSlides/notesSlide16.xml><?xml version="1.0" encoding="utf-8"?>
 <p:notes xmlns:a="http://schemas.openxmlformats.org/drawingml/2006/main" xmlns:r="http://schemas.openxmlformats.org/officeDocument/2006/relationships" xmlns:p="http://schemas.openxmlformats.org/presentationml/2006/main" showMasterSp="0" showMasterPhAnim="0">
   <p:cSld>
     <p:spTree>
       <p:nvGrpSpPr>
-        <p:cNvPr id="1" name="Shape 404"/>
+        <p:cNvPr id="1" name="Shape 415"/>
         <p:cNvGrpSpPr/>
         <p:nvPr/>
       </p:nvGrpSpPr>
@@ -3944,7 +3641,111 @@
       </p:grpSpPr>
       <p:sp>
         <p:nvSpPr>
-          <p:cNvPr id="405" name="Google Shape;405;p20:notes"/>
+          <p:cNvPr id="416" name="Google Shape;416;p21:notes"/>
+          <p:cNvSpPr txBox="1">
+            <a:spLocks noGrp="1"/>
+          </p:cNvSpPr>
+          <p:nvPr>
+            <p:ph type="body" idx="1"/>
+          </p:nvPr>
+        </p:nvSpPr>
+        <p:spPr>
+          <a:xfrm>
+            <a:off x="685800" y="4400550"/>
+            <a:ext cx="5486400" cy="3600450"/>
+          </a:xfrm>
+          <a:prstGeom prst="rect">
+            <a:avLst/>
+          </a:prstGeom>
+        </p:spPr>
+        <p:txBody>
+          <a:bodyPr spcFirstLastPara="1" wrap="square" lIns="91425" tIns="45700" rIns="91425" bIns="45700" anchor="t" anchorCtr="0">
+            <a:noAutofit/>
+          </a:bodyPr>
+          <a:lstStyle/>
+          <a:p>
+            <a:pPr marL="0" lvl="0" indent="0" algn="l" rtl="0">
+              <a:spcBef>
+                <a:spcPts val="0"/>
+              </a:spcBef>
+              <a:spcAft>
+                <a:spcPts val="0"/>
+              </a:spcAft>
+              <a:buNone/>
+            </a:pPr>
+            <a:endParaRPr/>
+          </a:p>
+        </p:txBody>
+      </p:sp>
+      <p:sp>
+        <p:nvSpPr>
+          <p:cNvPr id="417" name="Google Shape;417;p21:notes"/>
+          <p:cNvSpPr>
+            <a:spLocks noGrp="1" noRot="1" noChangeAspect="1"/>
+          </p:cNvSpPr>
+          <p:nvPr>
+            <p:ph type="sldImg" idx="2"/>
+          </p:nvPr>
+        </p:nvSpPr>
+        <p:spPr>
+          <a:xfrm>
+            <a:off x="685800" y="1143000"/>
+            <a:ext cx="5486400" cy="3086100"/>
+          </a:xfrm>
+          <a:custGeom>
+            <a:avLst/>
+            <a:gdLst/>
+            <a:ahLst/>
+            <a:cxnLst/>
+            <a:rect l="l" t="t" r="r" b="b"/>
+            <a:pathLst>
+              <a:path w="120000" h="120000" extrusionOk="0">
+                <a:moveTo>
+                  <a:pt x="0" y="0"/>
+                </a:moveTo>
+                <a:lnTo>
+                  <a:pt x="120000" y="0"/>
+                </a:lnTo>
+                <a:lnTo>
+                  <a:pt x="120000" y="120000"/>
+                </a:lnTo>
+                <a:lnTo>
+                  <a:pt x="0" y="120000"/>
+                </a:lnTo>
+                <a:close/>
+              </a:path>
+            </a:pathLst>
+          </a:custGeom>
+        </p:spPr>
+      </p:sp>
+    </p:spTree>
+  </p:cSld>
+  <p:clrMapOvr>
+    <a:masterClrMapping/>
+  </p:clrMapOvr>
+</p:notes>
+</file>
+
+<file path=ppt/notesSlides/notesSlide17.xml><?xml version="1.0" encoding="utf-8"?>
+<p:notes xmlns:a="http://schemas.openxmlformats.org/drawingml/2006/main" xmlns:r="http://schemas.openxmlformats.org/officeDocument/2006/relationships" xmlns:p="http://schemas.openxmlformats.org/presentationml/2006/main" showMasterSp="0" showMasterPhAnim="0">
+  <p:cSld>
+    <p:spTree>
+      <p:nvGrpSpPr>
+        <p:cNvPr id="1" name="Shape 421"/>
+        <p:cNvGrpSpPr/>
+        <p:nvPr/>
+      </p:nvGrpSpPr>
+      <p:grpSpPr>
+        <a:xfrm>
+          <a:off x="0" y="0"/>
+          <a:ext cx="0" cy="0"/>
+          <a:chOff x="0" y="0"/>
+          <a:chExt cx="0" cy="0"/>
+        </a:xfrm>
+      </p:grpSpPr>
+      <p:sp>
+        <p:nvSpPr>
+          <p:cNvPr id="422" name="Google Shape;422;p22:notes"/>
           <p:cNvSpPr>
             <a:spLocks noGrp="1" noRot="1" noChangeAspect="1"/>
           </p:cNvSpPr>
@@ -3995,7 +3796,7 @@
       </p:sp>
       <p:sp>
         <p:nvSpPr>
-          <p:cNvPr id="406" name="Google Shape;406;p20:notes"/>
+          <p:cNvPr id="423" name="Google Shape;423;p22:notes"/>
           <p:cNvSpPr txBox="1">
             <a:spLocks noGrp="1"/>
           </p:cNvSpPr>
@@ -4031,17 +3832,13 @@
               </a:spcAft>
               <a:buNone/>
             </a:pPr>
-            <a:r>
-              <a:rPr lang="en-US"/>
-              <a:t>Get rid of the legacy points</a:t>
-            </a:r>
             <a:endParaRPr/>
           </a:p>
         </p:txBody>
       </p:sp>
       <p:sp>
         <p:nvSpPr>
-          <p:cNvPr id="407" name="Google Shape;407;p20:notes"/>
+          <p:cNvPr id="424" name="Google Shape;424;p22:notes"/>
           <p:cNvSpPr txBox="1">
             <a:spLocks noGrp="1"/>
           </p:cNvSpPr>
@@ -4079,7 +3876,7 @@
             </a:pPr>
             <a:fld id="{00000000-1234-1234-1234-123412341234}" type="slidenum">
               <a:rPr lang="en-US"/>
-              <a:t>19</a:t>
+              <a:t>20</a:t>
             </a:fld>
             <a:endParaRPr/>
           </a:p>
@@ -4093,12 +3890,12 @@
 </p:notes>
 </file>
 
-<file path=ppt/notesSlides/notesSlide2.xml><?xml version="1.0" encoding="utf-8"?>
+<file path=ppt/notesSlides/notesSlide18.xml><?xml version="1.0" encoding="utf-8"?>
 <p:notes xmlns:a="http://schemas.openxmlformats.org/drawingml/2006/main" xmlns:r="http://schemas.openxmlformats.org/officeDocument/2006/relationships" xmlns:p="http://schemas.openxmlformats.org/presentationml/2006/main" showMasterSp="0" showMasterPhAnim="0">
   <p:cSld>
     <p:spTree>
       <p:nvGrpSpPr>
-        <p:cNvPr id="1" name="Shape 98"/>
+        <p:cNvPr id="1" name="Shape 428"/>
         <p:cNvGrpSpPr/>
         <p:nvPr/>
       </p:nvGrpSpPr>
@@ -4112,7 +3909,7 @@
       </p:grpSpPr>
       <p:sp>
         <p:nvSpPr>
-          <p:cNvPr id="99" name="Google Shape;99;p3:notes"/>
+          <p:cNvPr id="429" name="Google Shape;429;p23:notes"/>
           <p:cNvSpPr txBox="1">
             <a:spLocks noGrp="1"/>
           </p:cNvSpPr>
@@ -4150,7 +3947,7 @@
       </p:sp>
       <p:sp>
         <p:nvSpPr>
-          <p:cNvPr id="100" name="Google Shape;100;p3:notes"/>
+          <p:cNvPr id="430" name="Google Shape;430;p23:notes"/>
           <p:cNvSpPr>
             <a:spLocks noGrp="1" noRot="1" noChangeAspect="1"/>
           </p:cNvSpPr>
@@ -4197,12 +3994,12 @@
 </p:notes>
 </file>
 
-<file path=ppt/notesSlides/notesSlide20.xml><?xml version="1.0" encoding="utf-8"?>
+<file path=ppt/notesSlides/notesSlide19.xml><?xml version="1.0" encoding="utf-8"?>
 <p:notes xmlns:a="http://schemas.openxmlformats.org/drawingml/2006/main" xmlns:r="http://schemas.openxmlformats.org/officeDocument/2006/relationships" xmlns:p="http://schemas.openxmlformats.org/presentationml/2006/main" showMasterSp="0" showMasterPhAnim="0">
   <p:cSld>
     <p:spTree>
       <p:nvGrpSpPr>
-        <p:cNvPr id="1" name="Shape 415"/>
+        <p:cNvPr id="1" name="Shape 438"/>
         <p:cNvGrpSpPr/>
         <p:nvPr/>
       </p:nvGrpSpPr>
@@ -4216,111 +4013,7 @@
       </p:grpSpPr>
       <p:sp>
         <p:nvSpPr>
-          <p:cNvPr id="416" name="Google Shape;416;p21:notes"/>
-          <p:cNvSpPr txBox="1">
-            <a:spLocks noGrp="1"/>
-          </p:cNvSpPr>
-          <p:nvPr>
-            <p:ph type="body" idx="1"/>
-          </p:nvPr>
-        </p:nvSpPr>
-        <p:spPr>
-          <a:xfrm>
-            <a:off x="685800" y="4400550"/>
-            <a:ext cx="5486400" cy="3600450"/>
-          </a:xfrm>
-          <a:prstGeom prst="rect">
-            <a:avLst/>
-          </a:prstGeom>
-        </p:spPr>
-        <p:txBody>
-          <a:bodyPr spcFirstLastPara="1" wrap="square" lIns="91425" tIns="45700" rIns="91425" bIns="45700" anchor="t" anchorCtr="0">
-            <a:noAutofit/>
-          </a:bodyPr>
-          <a:lstStyle/>
-          <a:p>
-            <a:pPr marL="0" lvl="0" indent="0" algn="l" rtl="0">
-              <a:spcBef>
-                <a:spcPts val="0"/>
-              </a:spcBef>
-              <a:spcAft>
-                <a:spcPts val="0"/>
-              </a:spcAft>
-              <a:buNone/>
-            </a:pPr>
-            <a:endParaRPr/>
-          </a:p>
-        </p:txBody>
-      </p:sp>
-      <p:sp>
-        <p:nvSpPr>
-          <p:cNvPr id="417" name="Google Shape;417;p21:notes"/>
-          <p:cNvSpPr>
-            <a:spLocks noGrp="1" noRot="1" noChangeAspect="1"/>
-          </p:cNvSpPr>
-          <p:nvPr>
-            <p:ph type="sldImg" idx="2"/>
-          </p:nvPr>
-        </p:nvSpPr>
-        <p:spPr>
-          <a:xfrm>
-            <a:off x="685800" y="1143000"/>
-            <a:ext cx="5486400" cy="3086100"/>
-          </a:xfrm>
-          <a:custGeom>
-            <a:avLst/>
-            <a:gdLst/>
-            <a:ahLst/>
-            <a:cxnLst/>
-            <a:rect l="l" t="t" r="r" b="b"/>
-            <a:pathLst>
-              <a:path w="120000" h="120000" extrusionOk="0">
-                <a:moveTo>
-                  <a:pt x="0" y="0"/>
-                </a:moveTo>
-                <a:lnTo>
-                  <a:pt x="120000" y="0"/>
-                </a:lnTo>
-                <a:lnTo>
-                  <a:pt x="120000" y="120000"/>
-                </a:lnTo>
-                <a:lnTo>
-                  <a:pt x="0" y="120000"/>
-                </a:lnTo>
-                <a:close/>
-              </a:path>
-            </a:pathLst>
-          </a:custGeom>
-        </p:spPr>
-      </p:sp>
-    </p:spTree>
-  </p:cSld>
-  <p:clrMapOvr>
-    <a:masterClrMapping/>
-  </p:clrMapOvr>
-</p:notes>
-</file>
-
-<file path=ppt/notesSlides/notesSlide21.xml><?xml version="1.0" encoding="utf-8"?>
-<p:notes xmlns:a="http://schemas.openxmlformats.org/drawingml/2006/main" xmlns:r="http://schemas.openxmlformats.org/officeDocument/2006/relationships" xmlns:p="http://schemas.openxmlformats.org/presentationml/2006/main" showMasterSp="0" showMasterPhAnim="0">
-  <p:cSld>
-    <p:spTree>
-      <p:nvGrpSpPr>
-        <p:cNvPr id="1" name="Shape 421"/>
-        <p:cNvGrpSpPr/>
-        <p:nvPr/>
-      </p:nvGrpSpPr>
-      <p:grpSpPr>
-        <a:xfrm>
-          <a:off x="0" y="0"/>
-          <a:ext cx="0" cy="0"/>
-          <a:chOff x="0" y="0"/>
-          <a:chExt cx="0" cy="0"/>
-        </a:xfrm>
-      </p:grpSpPr>
-      <p:sp>
-        <p:nvSpPr>
-          <p:cNvPr id="422" name="Google Shape;422;p22:notes"/>
+          <p:cNvPr id="439" name="Google Shape;439;p24:notes"/>
           <p:cNvSpPr>
             <a:spLocks noGrp="1" noRot="1" noChangeAspect="1"/>
           </p:cNvSpPr>
@@ -4371,7 +4064,7 @@
       </p:sp>
       <p:sp>
         <p:nvSpPr>
-          <p:cNvPr id="423" name="Google Shape;423;p22:notes"/>
+          <p:cNvPr id="440" name="Google Shape;440;p24:notes"/>
           <p:cNvSpPr txBox="1">
             <a:spLocks noGrp="1"/>
           </p:cNvSpPr>
@@ -4413,7 +4106,7 @@
       </p:sp>
       <p:sp>
         <p:nvSpPr>
-          <p:cNvPr id="424" name="Google Shape;424;p22:notes"/>
+          <p:cNvPr id="441" name="Google Shape;441;p24:notes"/>
           <p:cNvSpPr txBox="1">
             <a:spLocks noGrp="1"/>
           </p:cNvSpPr>
@@ -4451,7 +4144,7 @@
             </a:pPr>
             <a:fld id="{00000000-1234-1234-1234-123412341234}" type="slidenum">
               <a:rPr lang="en-US"/>
-              <a:t>21</a:t>
+              <a:t>22</a:t>
             </a:fld>
             <a:endParaRPr/>
           </a:p>
@@ -4465,12 +4158,12 @@
 </p:notes>
 </file>
 
-<file path=ppt/notesSlides/notesSlide22.xml><?xml version="1.0" encoding="utf-8"?>
+<file path=ppt/notesSlides/notesSlide2.xml><?xml version="1.0" encoding="utf-8"?>
 <p:notes xmlns:a="http://schemas.openxmlformats.org/drawingml/2006/main" xmlns:r="http://schemas.openxmlformats.org/officeDocument/2006/relationships" xmlns:p="http://schemas.openxmlformats.org/presentationml/2006/main" showMasterSp="0" showMasterPhAnim="0">
   <p:cSld>
     <p:spTree>
       <p:nvGrpSpPr>
-        <p:cNvPr id="1" name="Shape 428"/>
+        <p:cNvPr id="1" name="Shape 127"/>
         <p:cNvGrpSpPr/>
         <p:nvPr/>
       </p:nvGrpSpPr>
@@ -4484,7 +4177,7 @@
       </p:grpSpPr>
       <p:sp>
         <p:nvSpPr>
-          <p:cNvPr id="429" name="Google Shape;429;p23:notes"/>
+          <p:cNvPr id="128" name="Google Shape;128;p5:notes"/>
           <p:cNvSpPr txBox="1">
             <a:spLocks noGrp="1"/>
           </p:cNvSpPr>
@@ -4522,7 +4215,7 @@
       </p:sp>
       <p:sp>
         <p:nvSpPr>
-          <p:cNvPr id="430" name="Google Shape;430;p23:notes"/>
+          <p:cNvPr id="129" name="Google Shape;129;p5:notes"/>
           <p:cNvSpPr>
             <a:spLocks noGrp="1" noRot="1" noChangeAspect="1"/>
           </p:cNvSpPr>
@@ -4569,12 +4262,12 @@
 </p:notes>
 </file>
 
-<file path=ppt/notesSlides/notesSlide23.xml><?xml version="1.0" encoding="utf-8"?>
+<file path=ppt/notesSlides/notesSlide20.xml><?xml version="1.0" encoding="utf-8"?>
 <p:notes xmlns:a="http://schemas.openxmlformats.org/drawingml/2006/main" xmlns:r="http://schemas.openxmlformats.org/officeDocument/2006/relationships" xmlns:p="http://schemas.openxmlformats.org/presentationml/2006/main" showMasterSp="0" showMasterPhAnim="0">
   <p:cSld>
     <p:spTree>
       <p:nvGrpSpPr>
-        <p:cNvPr id="1" name="Shape 438"/>
+        <p:cNvPr id="1" name="Shape 459"/>
         <p:cNvGrpSpPr/>
         <p:nvPr/>
       </p:nvGrpSpPr>
@@ -4588,7 +4281,7 @@
       </p:grpSpPr>
       <p:sp>
         <p:nvSpPr>
-          <p:cNvPr id="439" name="Google Shape;439;p24:notes"/>
+          <p:cNvPr id="460" name="Google Shape;460;p25:notes"/>
           <p:cNvSpPr>
             <a:spLocks noGrp="1" noRot="1" noChangeAspect="1"/>
           </p:cNvSpPr>
@@ -4639,7 +4332,7 @@
       </p:sp>
       <p:sp>
         <p:nvSpPr>
-          <p:cNvPr id="440" name="Google Shape;440;p24:notes"/>
+          <p:cNvPr id="461" name="Google Shape;461;p25:notes"/>
           <p:cNvSpPr txBox="1">
             <a:spLocks noGrp="1"/>
           </p:cNvSpPr>
@@ -4681,7 +4374,7 @@
       </p:sp>
       <p:sp>
         <p:nvSpPr>
-          <p:cNvPr id="441" name="Google Shape;441;p24:notes"/>
+          <p:cNvPr id="462" name="Google Shape;462;p25:notes"/>
           <p:cNvSpPr txBox="1">
             <a:spLocks noGrp="1"/>
           </p:cNvSpPr>
@@ -4719,7 +4412,7 @@
             </a:pPr>
             <a:fld id="{00000000-1234-1234-1234-123412341234}" type="slidenum">
               <a:rPr lang="en-US"/>
-              <a:t>23</a:t>
+              <a:t>24</a:t>
             </a:fld>
             <a:endParaRPr/>
           </a:p>
@@ -4733,12 +4426,12 @@
 </p:notes>
 </file>
 
-<file path=ppt/notesSlides/notesSlide24.xml><?xml version="1.0" encoding="utf-8"?>
+<file path=ppt/notesSlides/notesSlide21.xml><?xml version="1.0" encoding="utf-8"?>
 <p:notes xmlns:a="http://schemas.openxmlformats.org/drawingml/2006/main" xmlns:r="http://schemas.openxmlformats.org/officeDocument/2006/relationships" xmlns:p="http://schemas.openxmlformats.org/presentationml/2006/main" showMasterSp="0" showMasterPhAnim="0">
   <p:cSld>
     <p:spTree>
       <p:nvGrpSpPr>
-        <p:cNvPr id="1" name="Shape 459"/>
+        <p:cNvPr id="1" name="Shape 466"/>
         <p:cNvGrpSpPr/>
         <p:nvPr/>
       </p:nvGrpSpPr>
@@ -4752,7 +4445,7 @@
       </p:grpSpPr>
       <p:sp>
         <p:nvSpPr>
-          <p:cNvPr id="460" name="Google Shape;460;p25:notes"/>
+          <p:cNvPr id="467" name="Google Shape;467;p26:notes"/>
           <p:cNvSpPr>
             <a:spLocks noGrp="1" noRot="1" noChangeAspect="1"/>
           </p:cNvSpPr>
@@ -4803,7 +4496,7 @@
       </p:sp>
       <p:sp>
         <p:nvSpPr>
-          <p:cNvPr id="461" name="Google Shape;461;p25:notes"/>
+          <p:cNvPr id="468" name="Google Shape;468;p26:notes"/>
           <p:cNvSpPr txBox="1">
             <a:spLocks noGrp="1"/>
           </p:cNvSpPr>
@@ -4839,13 +4532,17 @@
               </a:spcAft>
               <a:buNone/>
             </a:pPr>
+            <a:r>
+              <a:rPr lang="en-US"/>
+              <a:t>Change numbers to LATEX as well</a:t>
+            </a:r>
             <a:endParaRPr/>
           </a:p>
         </p:txBody>
       </p:sp>
       <p:sp>
         <p:nvSpPr>
-          <p:cNvPr id="462" name="Google Shape;462;p25:notes"/>
+          <p:cNvPr id="469" name="Google Shape;469;p26:notes"/>
           <p:cNvSpPr txBox="1">
             <a:spLocks noGrp="1"/>
           </p:cNvSpPr>
@@ -4883,7 +4580,7 @@
             </a:pPr>
             <a:fld id="{00000000-1234-1234-1234-123412341234}" type="slidenum">
               <a:rPr lang="en-US"/>
-              <a:t>24</a:t>
+              <a:t>25</a:t>
             </a:fld>
             <a:endParaRPr/>
           </a:p>
@@ -4897,12 +4594,12 @@
 </p:notes>
 </file>
 
-<file path=ppt/notesSlides/notesSlide25.xml><?xml version="1.0" encoding="utf-8"?>
+<file path=ppt/notesSlides/notesSlide22.xml><?xml version="1.0" encoding="utf-8"?>
 <p:notes xmlns:a="http://schemas.openxmlformats.org/drawingml/2006/main" xmlns:r="http://schemas.openxmlformats.org/officeDocument/2006/relationships" xmlns:p="http://schemas.openxmlformats.org/presentationml/2006/main" showMasterSp="0" showMasterPhAnim="0">
   <p:cSld>
     <p:spTree>
       <p:nvGrpSpPr>
-        <p:cNvPr id="1" name="Shape 466"/>
+        <p:cNvPr id="1" name="Shape 486"/>
         <p:cNvGrpSpPr/>
         <p:nvPr/>
       </p:nvGrpSpPr>
@@ -4916,7 +4613,7 @@
       </p:grpSpPr>
       <p:sp>
         <p:nvSpPr>
-          <p:cNvPr id="467" name="Google Shape;467;p26:notes"/>
+          <p:cNvPr id="487" name="Google Shape;487;p27:notes"/>
           <p:cNvSpPr>
             <a:spLocks noGrp="1" noRot="1" noChangeAspect="1"/>
           </p:cNvSpPr>
@@ -4967,7 +4664,7 @@
       </p:sp>
       <p:sp>
         <p:nvSpPr>
-          <p:cNvPr id="468" name="Google Shape;468;p26:notes"/>
+          <p:cNvPr id="488" name="Google Shape;488;p27:notes"/>
           <p:cNvSpPr txBox="1">
             <a:spLocks noGrp="1"/>
           </p:cNvSpPr>
@@ -5003,17 +4700,13 @@
               </a:spcAft>
               <a:buNone/>
             </a:pPr>
-            <a:r>
-              <a:rPr lang="en-US"/>
-              <a:t>Change numbers to LATEX as well</a:t>
-            </a:r>
             <a:endParaRPr/>
           </a:p>
         </p:txBody>
       </p:sp>
       <p:sp>
         <p:nvSpPr>
-          <p:cNvPr id="469" name="Google Shape;469;p26:notes"/>
+          <p:cNvPr id="489" name="Google Shape;489;p27:notes"/>
           <p:cNvSpPr txBox="1">
             <a:spLocks noGrp="1"/>
           </p:cNvSpPr>
@@ -5051,7 +4744,7 @@
             </a:pPr>
             <a:fld id="{00000000-1234-1234-1234-123412341234}" type="slidenum">
               <a:rPr lang="en-US"/>
-              <a:t>25</a:t>
+              <a:t>26</a:t>
             </a:fld>
             <a:endParaRPr/>
           </a:p>
@@ -5065,12 +4758,12 @@
 </p:notes>
 </file>
 
-<file path=ppt/notesSlides/notesSlide26.xml><?xml version="1.0" encoding="utf-8"?>
+<file path=ppt/notesSlides/notesSlide23.xml><?xml version="1.0" encoding="utf-8"?>
 <p:notes xmlns:a="http://schemas.openxmlformats.org/drawingml/2006/main" xmlns:r="http://schemas.openxmlformats.org/officeDocument/2006/relationships" xmlns:p="http://schemas.openxmlformats.org/presentationml/2006/main" showMasterSp="0" showMasterPhAnim="0">
   <p:cSld>
     <p:spTree>
       <p:nvGrpSpPr>
-        <p:cNvPr id="1" name="Shape 486"/>
+        <p:cNvPr id="1" name="Shape 493"/>
         <p:cNvGrpSpPr/>
         <p:nvPr/>
       </p:nvGrpSpPr>
@@ -5084,7 +4777,7 @@
       </p:grpSpPr>
       <p:sp>
         <p:nvSpPr>
-          <p:cNvPr id="487" name="Google Shape;487;p27:notes"/>
+          <p:cNvPr id="494" name="Google Shape;494;p28:notes"/>
           <p:cNvSpPr>
             <a:spLocks noGrp="1" noRot="1" noChangeAspect="1"/>
           </p:cNvSpPr>
@@ -5135,7 +4828,7 @@
       </p:sp>
       <p:sp>
         <p:nvSpPr>
-          <p:cNvPr id="488" name="Google Shape;488;p27:notes"/>
+          <p:cNvPr id="495" name="Google Shape;495;p28:notes"/>
           <p:cNvSpPr txBox="1">
             <a:spLocks noGrp="1"/>
           </p:cNvSpPr>
@@ -5177,7 +4870,7 @@
       </p:sp>
       <p:sp>
         <p:nvSpPr>
-          <p:cNvPr id="489" name="Google Shape;489;p27:notes"/>
+          <p:cNvPr id="496" name="Google Shape;496;p28:notes"/>
           <p:cNvSpPr txBox="1">
             <a:spLocks noGrp="1"/>
           </p:cNvSpPr>
@@ -5215,7 +4908,7 @@
             </a:pPr>
             <a:fld id="{00000000-1234-1234-1234-123412341234}" type="slidenum">
               <a:rPr lang="en-US"/>
-              <a:t>26</a:t>
+              <a:t>27</a:t>
             </a:fld>
             <a:endParaRPr/>
           </a:p>
@@ -5229,12 +4922,12 @@
 </p:notes>
 </file>
 
-<file path=ppt/notesSlides/notesSlide27.xml><?xml version="1.0" encoding="utf-8"?>
+<file path=ppt/notesSlides/notesSlide24.xml><?xml version="1.0" encoding="utf-8"?>
 <p:notes xmlns:a="http://schemas.openxmlformats.org/drawingml/2006/main" xmlns:r="http://schemas.openxmlformats.org/officeDocument/2006/relationships" xmlns:p="http://schemas.openxmlformats.org/presentationml/2006/main" showMasterSp="0" showMasterPhAnim="0">
   <p:cSld>
     <p:spTree>
       <p:nvGrpSpPr>
-        <p:cNvPr id="1" name="Shape 493"/>
+        <p:cNvPr id="1" name="Shape 515"/>
         <p:cNvGrpSpPr/>
         <p:nvPr/>
       </p:nvGrpSpPr>
@@ -5248,7 +4941,7 @@
       </p:grpSpPr>
       <p:sp>
         <p:nvSpPr>
-          <p:cNvPr id="494" name="Google Shape;494;p28:notes"/>
+          <p:cNvPr id="516" name="Google Shape;516;p29:notes"/>
           <p:cNvSpPr>
             <a:spLocks noGrp="1" noRot="1" noChangeAspect="1"/>
           </p:cNvSpPr>
@@ -5299,7 +4992,7 @@
       </p:sp>
       <p:sp>
         <p:nvSpPr>
-          <p:cNvPr id="495" name="Google Shape;495;p28:notes"/>
+          <p:cNvPr id="517" name="Google Shape;517;p29:notes"/>
           <p:cNvSpPr txBox="1">
             <a:spLocks noGrp="1"/>
           </p:cNvSpPr>
@@ -5335,13 +5028,17 @@
               </a:spcAft>
               <a:buNone/>
             </a:pPr>
+            <a:r>
+              <a:rPr lang="en-US"/>
+              <a:t>LATEX font</a:t>
+            </a:r>
             <a:endParaRPr/>
           </a:p>
         </p:txBody>
       </p:sp>
       <p:sp>
         <p:nvSpPr>
-          <p:cNvPr id="496" name="Google Shape;496;p28:notes"/>
+          <p:cNvPr id="518" name="Google Shape;518;p29:notes"/>
           <p:cNvSpPr txBox="1">
             <a:spLocks noGrp="1"/>
           </p:cNvSpPr>
@@ -5379,11 +5076,323 @@
             </a:pPr>
             <a:fld id="{00000000-1234-1234-1234-123412341234}" type="slidenum">
               <a:rPr lang="en-US"/>
-              <a:t>27</a:t>
+              <a:t>28</a:t>
             </a:fld>
             <a:endParaRPr/>
           </a:p>
         </p:txBody>
+      </p:sp>
+    </p:spTree>
+  </p:cSld>
+  <p:clrMapOvr>
+    <a:masterClrMapping/>
+  </p:clrMapOvr>
+</p:notes>
+</file>
+
+<file path=ppt/notesSlides/notesSlide25.xml><?xml version="1.0" encoding="utf-8"?>
+<p:notes xmlns:a="http://schemas.openxmlformats.org/drawingml/2006/main" xmlns:r="http://schemas.openxmlformats.org/officeDocument/2006/relationships" xmlns:p="http://schemas.openxmlformats.org/presentationml/2006/main" showMasterSp="0" showMasterPhAnim="0">
+  <p:cSld>
+    <p:spTree>
+      <p:nvGrpSpPr>
+        <p:cNvPr id="1" name="Shape 557"/>
+        <p:cNvGrpSpPr/>
+        <p:nvPr/>
+      </p:nvGrpSpPr>
+      <p:grpSpPr>
+        <a:xfrm>
+          <a:off x="0" y="0"/>
+          <a:ext cx="0" cy="0"/>
+          <a:chOff x="0" y="0"/>
+          <a:chExt cx="0" cy="0"/>
+        </a:xfrm>
+      </p:grpSpPr>
+      <p:sp>
+        <p:nvSpPr>
+          <p:cNvPr id="558" name="Google Shape;558;p30:notes"/>
+          <p:cNvSpPr txBox="1">
+            <a:spLocks noGrp="1"/>
+          </p:cNvSpPr>
+          <p:nvPr>
+            <p:ph type="body" idx="1"/>
+          </p:nvPr>
+        </p:nvSpPr>
+        <p:spPr>
+          <a:xfrm>
+            <a:off x="685800" y="4400550"/>
+            <a:ext cx="5486400" cy="3600450"/>
+          </a:xfrm>
+          <a:prstGeom prst="rect">
+            <a:avLst/>
+          </a:prstGeom>
+        </p:spPr>
+        <p:txBody>
+          <a:bodyPr spcFirstLastPara="1" wrap="square" lIns="91425" tIns="45700" rIns="91425" bIns="45700" anchor="t" anchorCtr="0">
+            <a:noAutofit/>
+          </a:bodyPr>
+          <a:lstStyle/>
+          <a:p>
+            <a:pPr marL="0" lvl="0" indent="0" algn="l" rtl="0">
+              <a:spcBef>
+                <a:spcPts val="0"/>
+              </a:spcBef>
+              <a:spcAft>
+                <a:spcPts val="0"/>
+              </a:spcAft>
+              <a:buNone/>
+            </a:pPr>
+            <a:endParaRPr/>
+          </a:p>
+        </p:txBody>
+      </p:sp>
+      <p:sp>
+        <p:nvSpPr>
+          <p:cNvPr id="559" name="Google Shape;559;p30:notes"/>
+          <p:cNvSpPr>
+            <a:spLocks noGrp="1" noRot="1" noChangeAspect="1"/>
+          </p:cNvSpPr>
+          <p:nvPr>
+            <p:ph type="sldImg" idx="2"/>
+          </p:nvPr>
+        </p:nvSpPr>
+        <p:spPr>
+          <a:xfrm>
+            <a:off x="685800" y="1143000"/>
+            <a:ext cx="5486400" cy="3086100"/>
+          </a:xfrm>
+          <a:custGeom>
+            <a:avLst/>
+            <a:gdLst/>
+            <a:ahLst/>
+            <a:cxnLst/>
+            <a:rect l="l" t="t" r="r" b="b"/>
+            <a:pathLst>
+              <a:path w="120000" h="120000" extrusionOk="0">
+                <a:moveTo>
+                  <a:pt x="0" y="0"/>
+                </a:moveTo>
+                <a:lnTo>
+                  <a:pt x="120000" y="0"/>
+                </a:lnTo>
+                <a:lnTo>
+                  <a:pt x="120000" y="120000"/>
+                </a:lnTo>
+                <a:lnTo>
+                  <a:pt x="0" y="120000"/>
+                </a:lnTo>
+                <a:close/>
+              </a:path>
+            </a:pathLst>
+          </a:custGeom>
+        </p:spPr>
+      </p:sp>
+    </p:spTree>
+  </p:cSld>
+  <p:clrMapOvr>
+    <a:masterClrMapping/>
+  </p:clrMapOvr>
+</p:notes>
+</file>
+
+<file path=ppt/notesSlides/notesSlide26.xml><?xml version="1.0" encoding="utf-8"?>
+<p:notes xmlns:a="http://schemas.openxmlformats.org/drawingml/2006/main" xmlns:r="http://schemas.openxmlformats.org/officeDocument/2006/relationships" xmlns:p="http://schemas.openxmlformats.org/presentationml/2006/main" showMasterSp="0" showMasterPhAnim="0">
+  <p:cSld>
+    <p:spTree>
+      <p:nvGrpSpPr>
+        <p:cNvPr id="1" name="Shape 648"/>
+        <p:cNvGrpSpPr/>
+        <p:nvPr/>
+      </p:nvGrpSpPr>
+      <p:grpSpPr>
+        <a:xfrm>
+          <a:off x="0" y="0"/>
+          <a:ext cx="0" cy="0"/>
+          <a:chOff x="0" y="0"/>
+          <a:chExt cx="0" cy="0"/>
+        </a:xfrm>
+      </p:grpSpPr>
+      <p:sp>
+        <p:nvSpPr>
+          <p:cNvPr id="649" name="Google Shape;649;p31:notes"/>
+          <p:cNvSpPr txBox="1">
+            <a:spLocks noGrp="1"/>
+          </p:cNvSpPr>
+          <p:nvPr>
+            <p:ph type="body" idx="1"/>
+          </p:nvPr>
+        </p:nvSpPr>
+        <p:spPr>
+          <a:xfrm>
+            <a:off x="685800" y="4400550"/>
+            <a:ext cx="5486400" cy="3600450"/>
+          </a:xfrm>
+          <a:prstGeom prst="rect">
+            <a:avLst/>
+          </a:prstGeom>
+        </p:spPr>
+        <p:txBody>
+          <a:bodyPr spcFirstLastPara="1" wrap="square" lIns="91425" tIns="45700" rIns="91425" bIns="45700" anchor="t" anchorCtr="0">
+            <a:noAutofit/>
+          </a:bodyPr>
+          <a:lstStyle/>
+          <a:p>
+            <a:pPr marL="0" lvl="0" indent="0" algn="l" rtl="0">
+              <a:spcBef>
+                <a:spcPts val="0"/>
+              </a:spcBef>
+              <a:spcAft>
+                <a:spcPts val="0"/>
+              </a:spcAft>
+              <a:buNone/>
+            </a:pPr>
+            <a:endParaRPr/>
+          </a:p>
+        </p:txBody>
+      </p:sp>
+      <p:sp>
+        <p:nvSpPr>
+          <p:cNvPr id="650" name="Google Shape;650;p31:notes"/>
+          <p:cNvSpPr>
+            <a:spLocks noGrp="1" noRot="1" noChangeAspect="1"/>
+          </p:cNvSpPr>
+          <p:nvPr>
+            <p:ph type="sldImg" idx="2"/>
+          </p:nvPr>
+        </p:nvSpPr>
+        <p:spPr>
+          <a:xfrm>
+            <a:off x="685800" y="1143000"/>
+            <a:ext cx="5486400" cy="3086100"/>
+          </a:xfrm>
+          <a:custGeom>
+            <a:avLst/>
+            <a:gdLst/>
+            <a:ahLst/>
+            <a:cxnLst/>
+            <a:rect l="l" t="t" r="r" b="b"/>
+            <a:pathLst>
+              <a:path w="120000" h="120000" extrusionOk="0">
+                <a:moveTo>
+                  <a:pt x="0" y="0"/>
+                </a:moveTo>
+                <a:lnTo>
+                  <a:pt x="120000" y="0"/>
+                </a:lnTo>
+                <a:lnTo>
+                  <a:pt x="120000" y="120000"/>
+                </a:lnTo>
+                <a:lnTo>
+                  <a:pt x="0" y="120000"/>
+                </a:lnTo>
+                <a:close/>
+              </a:path>
+            </a:pathLst>
+          </a:custGeom>
+        </p:spPr>
+      </p:sp>
+    </p:spTree>
+  </p:cSld>
+  <p:clrMapOvr>
+    <a:masterClrMapping/>
+  </p:clrMapOvr>
+</p:notes>
+</file>
+
+<file path=ppt/notesSlides/notesSlide27.xml><?xml version="1.0" encoding="utf-8"?>
+<p:notes xmlns:a="http://schemas.openxmlformats.org/drawingml/2006/main" xmlns:r="http://schemas.openxmlformats.org/officeDocument/2006/relationships" xmlns:p="http://schemas.openxmlformats.org/presentationml/2006/main" showMasterSp="0" showMasterPhAnim="0">
+  <p:cSld>
+    <p:spTree>
+      <p:nvGrpSpPr>
+        <p:cNvPr id="1" name="Shape 658"/>
+        <p:cNvGrpSpPr/>
+        <p:nvPr/>
+      </p:nvGrpSpPr>
+      <p:grpSpPr>
+        <a:xfrm>
+          <a:off x="0" y="0"/>
+          <a:ext cx="0" cy="0"/>
+          <a:chOff x="0" y="0"/>
+          <a:chExt cx="0" cy="0"/>
+        </a:xfrm>
+      </p:grpSpPr>
+      <p:sp>
+        <p:nvSpPr>
+          <p:cNvPr id="659" name="Google Shape;659;p32:notes"/>
+          <p:cNvSpPr txBox="1">
+            <a:spLocks noGrp="1"/>
+          </p:cNvSpPr>
+          <p:nvPr>
+            <p:ph type="body" idx="1"/>
+          </p:nvPr>
+        </p:nvSpPr>
+        <p:spPr>
+          <a:xfrm>
+            <a:off x="685800" y="4400550"/>
+            <a:ext cx="5486400" cy="3600450"/>
+          </a:xfrm>
+          <a:prstGeom prst="rect">
+            <a:avLst/>
+          </a:prstGeom>
+        </p:spPr>
+        <p:txBody>
+          <a:bodyPr spcFirstLastPara="1" wrap="square" lIns="91425" tIns="45700" rIns="91425" bIns="45700" anchor="t" anchorCtr="0">
+            <a:noAutofit/>
+          </a:bodyPr>
+          <a:lstStyle/>
+          <a:p>
+            <a:pPr marL="0" lvl="0" indent="0" algn="l" rtl="0">
+              <a:spcBef>
+                <a:spcPts val="0"/>
+              </a:spcBef>
+              <a:spcAft>
+                <a:spcPts val="0"/>
+              </a:spcAft>
+              <a:buNone/>
+            </a:pPr>
+            <a:endParaRPr/>
+          </a:p>
+        </p:txBody>
+      </p:sp>
+      <p:sp>
+        <p:nvSpPr>
+          <p:cNvPr id="660" name="Google Shape;660;p32:notes"/>
+          <p:cNvSpPr>
+            <a:spLocks noGrp="1" noRot="1" noChangeAspect="1"/>
+          </p:cNvSpPr>
+          <p:nvPr>
+            <p:ph type="sldImg" idx="2"/>
+          </p:nvPr>
+        </p:nvSpPr>
+        <p:spPr>
+          <a:xfrm>
+            <a:off x="685800" y="1143000"/>
+            <a:ext cx="5486400" cy="3086100"/>
+          </a:xfrm>
+          <a:custGeom>
+            <a:avLst/>
+            <a:gdLst/>
+            <a:ahLst/>
+            <a:cxnLst/>
+            <a:rect l="l" t="t" r="r" b="b"/>
+            <a:pathLst>
+              <a:path w="120000" h="120000" extrusionOk="0">
+                <a:moveTo>
+                  <a:pt x="0" y="0"/>
+                </a:moveTo>
+                <a:lnTo>
+                  <a:pt x="120000" y="0"/>
+                </a:lnTo>
+                <a:lnTo>
+                  <a:pt x="120000" y="120000"/>
+                </a:lnTo>
+                <a:lnTo>
+                  <a:pt x="0" y="120000"/>
+                </a:lnTo>
+                <a:close/>
+              </a:path>
+            </a:pathLst>
+          </a:custGeom>
+        </p:spPr>
       </p:sp>
     </p:spTree>
   </p:cSld>
@@ -5398,7 +5407,7 @@
   <p:cSld>
     <p:spTree>
       <p:nvGrpSpPr>
-        <p:cNvPr id="1" name="Shape 515"/>
+        <p:cNvPr id="1" name="Shape 749"/>
         <p:cNvGrpSpPr/>
         <p:nvPr/>
       </p:nvGrpSpPr>
@@ -5412,7 +5421,7 @@
       </p:grpSpPr>
       <p:sp>
         <p:nvSpPr>
-          <p:cNvPr id="516" name="Google Shape;516;p29:notes"/>
+          <p:cNvPr id="750" name="Google Shape;750;p33:notes"/>
           <p:cNvSpPr>
             <a:spLocks noGrp="1" noRot="1" noChangeAspect="1"/>
           </p:cNvSpPr>
@@ -5463,7 +5472,7 @@
       </p:sp>
       <p:sp>
         <p:nvSpPr>
-          <p:cNvPr id="517" name="Google Shape;517;p29:notes"/>
+          <p:cNvPr id="751" name="Google Shape;751;p33:notes"/>
           <p:cNvSpPr txBox="1">
             <a:spLocks noGrp="1"/>
           </p:cNvSpPr>
@@ -5499,17 +5508,13 @@
               </a:spcAft>
               <a:buNone/>
             </a:pPr>
-            <a:r>
-              <a:rPr lang="en-US"/>
-              <a:t>LATEX font</a:t>
-            </a:r>
             <a:endParaRPr/>
           </a:p>
         </p:txBody>
       </p:sp>
       <p:sp>
         <p:nvSpPr>
-          <p:cNvPr id="518" name="Google Shape;518;p29:notes"/>
+          <p:cNvPr id="752" name="Google Shape;752;p33:notes"/>
           <p:cNvSpPr txBox="1">
             <a:spLocks noGrp="1"/>
           </p:cNvSpPr>
@@ -5547,7 +5552,7 @@
             </a:pPr>
             <a:fld id="{00000000-1234-1234-1234-123412341234}" type="slidenum">
               <a:rPr lang="en-US"/>
-              <a:t>28</a:t>
+              <a:t>32</a:t>
             </a:fld>
             <a:endParaRPr/>
           </a:p>
@@ -5566,7 +5571,7 @@
   <p:cSld>
     <p:spTree>
       <p:nvGrpSpPr>
-        <p:cNvPr id="1" name="Shape 557"/>
+        <p:cNvPr id="1" name="Shape 756"/>
         <p:cNvGrpSpPr/>
         <p:nvPr/>
       </p:nvGrpSpPr>
@@ -5580,7 +5585,7 @@
       </p:grpSpPr>
       <p:sp>
         <p:nvSpPr>
-          <p:cNvPr id="558" name="Google Shape;558;p30:notes"/>
+          <p:cNvPr id="757" name="Google Shape;757;p34:notes"/>
           <p:cNvSpPr txBox="1">
             <a:spLocks noGrp="1"/>
           </p:cNvSpPr>
@@ -5618,7 +5623,7 @@
       </p:sp>
       <p:sp>
         <p:nvSpPr>
-          <p:cNvPr id="559" name="Google Shape;559;p30:notes"/>
+          <p:cNvPr id="758" name="Google Shape;758;p34:notes"/>
           <p:cNvSpPr>
             <a:spLocks noGrp="1" noRot="1" noChangeAspect="1"/>
           </p:cNvSpPr>
@@ -5670,7 +5675,7 @@
   <p:cSld>
     <p:spTree>
       <p:nvGrpSpPr>
-        <p:cNvPr id="1" name="Shape 121"/>
+        <p:cNvPr id="1" name="Shape 218"/>
         <p:cNvGrpSpPr/>
         <p:nvPr/>
       </p:nvGrpSpPr>
@@ -5684,7 +5689,7 @@
       </p:grpSpPr>
       <p:sp>
         <p:nvSpPr>
-          <p:cNvPr id="122" name="Google Shape;122;p4:notes"/>
+          <p:cNvPr id="219" name="Google Shape;219;p8:notes"/>
           <p:cNvSpPr txBox="1">
             <a:spLocks noGrp="1"/>
           </p:cNvSpPr>
@@ -5722,7 +5727,7 @@
       </p:sp>
       <p:sp>
         <p:nvSpPr>
-          <p:cNvPr id="123" name="Google Shape;123;p4:notes"/>
+          <p:cNvPr id="220" name="Google Shape;220;p8:notes"/>
           <p:cNvSpPr>
             <a:spLocks noGrp="1" noRot="1" noChangeAspect="1"/>
           </p:cNvSpPr>
@@ -5774,7 +5779,7 @@
   <p:cSld>
     <p:spTree>
       <p:nvGrpSpPr>
-        <p:cNvPr id="1" name="Shape 648"/>
+        <p:cNvPr id="1" name="Shape 787"/>
         <p:cNvGrpSpPr/>
         <p:nvPr/>
       </p:nvGrpSpPr>
@@ -5788,7 +5793,7 @@
       </p:grpSpPr>
       <p:sp>
         <p:nvSpPr>
-          <p:cNvPr id="649" name="Google Shape;649;p31:notes"/>
+          <p:cNvPr id="788" name="Google Shape;788;p35:notes"/>
           <p:cNvSpPr txBox="1">
             <a:spLocks noGrp="1"/>
           </p:cNvSpPr>
@@ -5826,7 +5831,7 @@
       </p:sp>
       <p:sp>
         <p:nvSpPr>
-          <p:cNvPr id="650" name="Google Shape;650;p31:notes"/>
+          <p:cNvPr id="789" name="Google Shape;789;p35:notes"/>
           <p:cNvSpPr>
             <a:spLocks noGrp="1" noRot="1" noChangeAspect="1"/>
           </p:cNvSpPr>
@@ -5878,7 +5883,7 @@
   <p:cSld>
     <p:spTree>
       <p:nvGrpSpPr>
-        <p:cNvPr id="1" name="Shape 658"/>
+        <p:cNvPr id="1" name="Shape 817"/>
         <p:cNvGrpSpPr/>
         <p:nvPr/>
       </p:nvGrpSpPr>
@@ -5892,7 +5897,7 @@
       </p:grpSpPr>
       <p:sp>
         <p:nvSpPr>
-          <p:cNvPr id="659" name="Google Shape;659;p32:notes"/>
+          <p:cNvPr id="818" name="Google Shape;818;p36:notes"/>
           <p:cNvSpPr txBox="1">
             <a:spLocks noGrp="1"/>
           </p:cNvSpPr>
@@ -5930,7 +5935,7 @@
       </p:sp>
       <p:sp>
         <p:nvSpPr>
-          <p:cNvPr id="660" name="Google Shape;660;p32:notes"/>
+          <p:cNvPr id="819" name="Google Shape;819;p36:notes"/>
           <p:cNvSpPr>
             <a:spLocks noGrp="1" noRot="1" noChangeAspect="1"/>
           </p:cNvSpPr>
@@ -5982,7 +5987,7 @@
   <p:cSld>
     <p:spTree>
       <p:nvGrpSpPr>
-        <p:cNvPr id="1" name="Shape 749"/>
+        <p:cNvPr id="1" name="Shape 847"/>
         <p:cNvGrpSpPr/>
         <p:nvPr/>
       </p:nvGrpSpPr>
@@ -5996,7 +6001,631 @@
       </p:grpSpPr>
       <p:sp>
         <p:nvSpPr>
-          <p:cNvPr id="750" name="Google Shape;750;p33:notes"/>
+          <p:cNvPr id="848" name="Google Shape;848;p37:notes"/>
+          <p:cNvSpPr txBox="1">
+            <a:spLocks noGrp="1"/>
+          </p:cNvSpPr>
+          <p:nvPr>
+            <p:ph type="body" idx="1"/>
+          </p:nvPr>
+        </p:nvSpPr>
+        <p:spPr>
+          <a:xfrm>
+            <a:off x="685800" y="4400550"/>
+            <a:ext cx="5486400" cy="3600450"/>
+          </a:xfrm>
+          <a:prstGeom prst="rect">
+            <a:avLst/>
+          </a:prstGeom>
+        </p:spPr>
+        <p:txBody>
+          <a:bodyPr spcFirstLastPara="1" wrap="square" lIns="91425" tIns="45700" rIns="91425" bIns="45700" anchor="t" anchorCtr="0">
+            <a:noAutofit/>
+          </a:bodyPr>
+          <a:lstStyle/>
+          <a:p>
+            <a:pPr marL="0" lvl="0" indent="0" algn="l" rtl="0">
+              <a:spcBef>
+                <a:spcPts val="0"/>
+              </a:spcBef>
+              <a:spcAft>
+                <a:spcPts val="0"/>
+              </a:spcAft>
+              <a:buNone/>
+            </a:pPr>
+            <a:endParaRPr/>
+          </a:p>
+        </p:txBody>
+      </p:sp>
+      <p:sp>
+        <p:nvSpPr>
+          <p:cNvPr id="849" name="Google Shape;849;p37:notes"/>
+          <p:cNvSpPr>
+            <a:spLocks noGrp="1" noRot="1" noChangeAspect="1"/>
+          </p:cNvSpPr>
+          <p:nvPr>
+            <p:ph type="sldImg" idx="2"/>
+          </p:nvPr>
+        </p:nvSpPr>
+        <p:spPr>
+          <a:xfrm>
+            <a:off x="685800" y="1143000"/>
+            <a:ext cx="5486400" cy="3086100"/>
+          </a:xfrm>
+          <a:custGeom>
+            <a:avLst/>
+            <a:gdLst/>
+            <a:ahLst/>
+            <a:cxnLst/>
+            <a:rect l="l" t="t" r="r" b="b"/>
+            <a:pathLst>
+              <a:path w="120000" h="120000" extrusionOk="0">
+                <a:moveTo>
+                  <a:pt x="0" y="0"/>
+                </a:moveTo>
+                <a:lnTo>
+                  <a:pt x="120000" y="0"/>
+                </a:lnTo>
+                <a:lnTo>
+                  <a:pt x="120000" y="120000"/>
+                </a:lnTo>
+                <a:lnTo>
+                  <a:pt x="0" y="120000"/>
+                </a:lnTo>
+                <a:close/>
+              </a:path>
+            </a:pathLst>
+          </a:custGeom>
+        </p:spPr>
+      </p:sp>
+    </p:spTree>
+  </p:cSld>
+  <p:clrMapOvr>
+    <a:masterClrMapping/>
+  </p:clrMapOvr>
+</p:notes>
+</file>
+
+<file path=ppt/notesSlides/notesSlide33.xml><?xml version="1.0" encoding="utf-8"?>
+<p:notes xmlns:a="http://schemas.openxmlformats.org/drawingml/2006/main" xmlns:r="http://schemas.openxmlformats.org/officeDocument/2006/relationships" xmlns:p="http://schemas.openxmlformats.org/presentationml/2006/main" showMasterSp="0" showMasterPhAnim="0">
+  <p:cSld>
+    <p:spTree>
+      <p:nvGrpSpPr>
+        <p:cNvPr id="1" name="Shape 877"/>
+        <p:cNvGrpSpPr/>
+        <p:nvPr/>
+      </p:nvGrpSpPr>
+      <p:grpSpPr>
+        <a:xfrm>
+          <a:off x="0" y="0"/>
+          <a:ext cx="0" cy="0"/>
+          <a:chOff x="0" y="0"/>
+          <a:chExt cx="0" cy="0"/>
+        </a:xfrm>
+      </p:grpSpPr>
+      <p:sp>
+        <p:nvSpPr>
+          <p:cNvPr id="878" name="Google Shape;878;p38:notes"/>
+          <p:cNvSpPr txBox="1">
+            <a:spLocks noGrp="1"/>
+          </p:cNvSpPr>
+          <p:nvPr>
+            <p:ph type="body" idx="1"/>
+          </p:nvPr>
+        </p:nvSpPr>
+        <p:spPr>
+          <a:xfrm>
+            <a:off x="685800" y="4400550"/>
+            <a:ext cx="5486400" cy="3600450"/>
+          </a:xfrm>
+          <a:prstGeom prst="rect">
+            <a:avLst/>
+          </a:prstGeom>
+        </p:spPr>
+        <p:txBody>
+          <a:bodyPr spcFirstLastPara="1" wrap="square" lIns="91425" tIns="45700" rIns="91425" bIns="45700" anchor="t" anchorCtr="0">
+            <a:noAutofit/>
+          </a:bodyPr>
+          <a:lstStyle/>
+          <a:p>
+            <a:pPr marL="0" lvl="0" indent="0" algn="l" rtl="0">
+              <a:spcBef>
+                <a:spcPts val="0"/>
+              </a:spcBef>
+              <a:spcAft>
+                <a:spcPts val="0"/>
+              </a:spcAft>
+              <a:buNone/>
+            </a:pPr>
+            <a:endParaRPr/>
+          </a:p>
+        </p:txBody>
+      </p:sp>
+      <p:sp>
+        <p:nvSpPr>
+          <p:cNvPr id="879" name="Google Shape;879;p38:notes"/>
+          <p:cNvSpPr>
+            <a:spLocks noGrp="1" noRot="1" noChangeAspect="1"/>
+          </p:cNvSpPr>
+          <p:nvPr>
+            <p:ph type="sldImg" idx="2"/>
+          </p:nvPr>
+        </p:nvSpPr>
+        <p:spPr>
+          <a:xfrm>
+            <a:off x="685800" y="1143000"/>
+            <a:ext cx="5486400" cy="3086100"/>
+          </a:xfrm>
+          <a:custGeom>
+            <a:avLst/>
+            <a:gdLst/>
+            <a:ahLst/>
+            <a:cxnLst/>
+            <a:rect l="l" t="t" r="r" b="b"/>
+            <a:pathLst>
+              <a:path w="120000" h="120000" extrusionOk="0">
+                <a:moveTo>
+                  <a:pt x="0" y="0"/>
+                </a:moveTo>
+                <a:lnTo>
+                  <a:pt x="120000" y="0"/>
+                </a:lnTo>
+                <a:lnTo>
+                  <a:pt x="120000" y="120000"/>
+                </a:lnTo>
+                <a:lnTo>
+                  <a:pt x="0" y="120000"/>
+                </a:lnTo>
+                <a:close/>
+              </a:path>
+            </a:pathLst>
+          </a:custGeom>
+        </p:spPr>
+      </p:sp>
+    </p:spTree>
+  </p:cSld>
+  <p:clrMapOvr>
+    <a:masterClrMapping/>
+  </p:clrMapOvr>
+</p:notes>
+</file>
+
+<file path=ppt/notesSlides/notesSlide34.xml><?xml version="1.0" encoding="utf-8"?>
+<p:notes xmlns:a="http://schemas.openxmlformats.org/drawingml/2006/main" xmlns:r="http://schemas.openxmlformats.org/officeDocument/2006/relationships" xmlns:p="http://schemas.openxmlformats.org/presentationml/2006/main" showMasterSp="0" showMasterPhAnim="0">
+  <p:cSld>
+    <p:spTree>
+      <p:nvGrpSpPr>
+        <p:cNvPr id="1" name="Shape 908"/>
+        <p:cNvGrpSpPr/>
+        <p:nvPr/>
+      </p:nvGrpSpPr>
+      <p:grpSpPr>
+        <a:xfrm>
+          <a:off x="0" y="0"/>
+          <a:ext cx="0" cy="0"/>
+          <a:chOff x="0" y="0"/>
+          <a:chExt cx="0" cy="0"/>
+        </a:xfrm>
+      </p:grpSpPr>
+      <p:sp>
+        <p:nvSpPr>
+          <p:cNvPr id="909" name="Google Shape;909;p39:notes"/>
+          <p:cNvSpPr txBox="1">
+            <a:spLocks noGrp="1"/>
+          </p:cNvSpPr>
+          <p:nvPr>
+            <p:ph type="body" idx="1"/>
+          </p:nvPr>
+        </p:nvSpPr>
+        <p:spPr>
+          <a:xfrm>
+            <a:off x="685800" y="4400550"/>
+            <a:ext cx="5486400" cy="3600450"/>
+          </a:xfrm>
+          <a:prstGeom prst="rect">
+            <a:avLst/>
+          </a:prstGeom>
+        </p:spPr>
+        <p:txBody>
+          <a:bodyPr spcFirstLastPara="1" wrap="square" lIns="91425" tIns="45700" rIns="91425" bIns="45700" anchor="t" anchorCtr="0">
+            <a:noAutofit/>
+          </a:bodyPr>
+          <a:lstStyle/>
+          <a:p>
+            <a:pPr marL="0" lvl="0" indent="0" algn="l" rtl="0">
+              <a:spcBef>
+                <a:spcPts val="0"/>
+              </a:spcBef>
+              <a:spcAft>
+                <a:spcPts val="0"/>
+              </a:spcAft>
+              <a:buNone/>
+            </a:pPr>
+            <a:endParaRPr/>
+          </a:p>
+        </p:txBody>
+      </p:sp>
+      <p:sp>
+        <p:nvSpPr>
+          <p:cNvPr id="910" name="Google Shape;910;p39:notes"/>
+          <p:cNvSpPr>
+            <a:spLocks noGrp="1" noRot="1" noChangeAspect="1"/>
+          </p:cNvSpPr>
+          <p:nvPr>
+            <p:ph type="sldImg" idx="2"/>
+          </p:nvPr>
+        </p:nvSpPr>
+        <p:spPr>
+          <a:xfrm>
+            <a:off x="685800" y="1143000"/>
+            <a:ext cx="5486400" cy="3086100"/>
+          </a:xfrm>
+          <a:custGeom>
+            <a:avLst/>
+            <a:gdLst/>
+            <a:ahLst/>
+            <a:cxnLst/>
+            <a:rect l="l" t="t" r="r" b="b"/>
+            <a:pathLst>
+              <a:path w="120000" h="120000" extrusionOk="0">
+                <a:moveTo>
+                  <a:pt x="0" y="0"/>
+                </a:moveTo>
+                <a:lnTo>
+                  <a:pt x="120000" y="0"/>
+                </a:lnTo>
+                <a:lnTo>
+                  <a:pt x="120000" y="120000"/>
+                </a:lnTo>
+                <a:lnTo>
+                  <a:pt x="0" y="120000"/>
+                </a:lnTo>
+                <a:close/>
+              </a:path>
+            </a:pathLst>
+          </a:custGeom>
+        </p:spPr>
+      </p:sp>
+    </p:spTree>
+  </p:cSld>
+  <p:clrMapOvr>
+    <a:masterClrMapping/>
+  </p:clrMapOvr>
+</p:notes>
+</file>
+
+<file path=ppt/notesSlides/notesSlide35.xml><?xml version="1.0" encoding="utf-8"?>
+<p:notes xmlns:a="http://schemas.openxmlformats.org/drawingml/2006/main" xmlns:r="http://schemas.openxmlformats.org/officeDocument/2006/relationships" xmlns:p="http://schemas.openxmlformats.org/presentationml/2006/main" showMasterSp="0" showMasterPhAnim="0">
+  <p:cSld>
+    <p:spTree>
+      <p:nvGrpSpPr>
+        <p:cNvPr id="1" name="Shape 928"/>
+        <p:cNvGrpSpPr/>
+        <p:nvPr/>
+      </p:nvGrpSpPr>
+      <p:grpSpPr>
+        <a:xfrm>
+          <a:off x="0" y="0"/>
+          <a:ext cx="0" cy="0"/>
+          <a:chOff x="0" y="0"/>
+          <a:chExt cx="0" cy="0"/>
+        </a:xfrm>
+      </p:grpSpPr>
+      <p:sp>
+        <p:nvSpPr>
+          <p:cNvPr id="929" name="Google Shape;929;p40:notes"/>
+          <p:cNvSpPr txBox="1">
+            <a:spLocks noGrp="1"/>
+          </p:cNvSpPr>
+          <p:nvPr>
+            <p:ph type="body" idx="1"/>
+          </p:nvPr>
+        </p:nvSpPr>
+        <p:spPr>
+          <a:xfrm>
+            <a:off x="685800" y="4400550"/>
+            <a:ext cx="5486400" cy="3600450"/>
+          </a:xfrm>
+          <a:prstGeom prst="rect">
+            <a:avLst/>
+          </a:prstGeom>
+        </p:spPr>
+        <p:txBody>
+          <a:bodyPr spcFirstLastPara="1" wrap="square" lIns="91425" tIns="45700" rIns="91425" bIns="45700" anchor="t" anchorCtr="0">
+            <a:noAutofit/>
+          </a:bodyPr>
+          <a:lstStyle/>
+          <a:p>
+            <a:pPr marL="0" lvl="0" indent="0" algn="l" rtl="0">
+              <a:spcBef>
+                <a:spcPts val="0"/>
+              </a:spcBef>
+              <a:spcAft>
+                <a:spcPts val="0"/>
+              </a:spcAft>
+              <a:buNone/>
+            </a:pPr>
+            <a:endParaRPr/>
+          </a:p>
+        </p:txBody>
+      </p:sp>
+      <p:sp>
+        <p:nvSpPr>
+          <p:cNvPr id="930" name="Google Shape;930;p40:notes"/>
+          <p:cNvSpPr>
+            <a:spLocks noGrp="1" noRot="1" noChangeAspect="1"/>
+          </p:cNvSpPr>
+          <p:nvPr>
+            <p:ph type="sldImg" idx="2"/>
+          </p:nvPr>
+        </p:nvSpPr>
+        <p:spPr>
+          <a:xfrm>
+            <a:off x="685800" y="1143000"/>
+            <a:ext cx="5486400" cy="3086100"/>
+          </a:xfrm>
+          <a:custGeom>
+            <a:avLst/>
+            <a:gdLst/>
+            <a:ahLst/>
+            <a:cxnLst/>
+            <a:rect l="l" t="t" r="r" b="b"/>
+            <a:pathLst>
+              <a:path w="120000" h="120000" extrusionOk="0">
+                <a:moveTo>
+                  <a:pt x="0" y="0"/>
+                </a:moveTo>
+                <a:lnTo>
+                  <a:pt x="120000" y="0"/>
+                </a:lnTo>
+                <a:lnTo>
+                  <a:pt x="120000" y="120000"/>
+                </a:lnTo>
+                <a:lnTo>
+                  <a:pt x="0" y="120000"/>
+                </a:lnTo>
+                <a:close/>
+              </a:path>
+            </a:pathLst>
+          </a:custGeom>
+        </p:spPr>
+      </p:sp>
+    </p:spTree>
+  </p:cSld>
+  <p:clrMapOvr>
+    <a:masterClrMapping/>
+  </p:clrMapOvr>
+</p:notes>
+</file>
+
+<file path=ppt/notesSlides/notesSlide36.xml><?xml version="1.0" encoding="utf-8"?>
+<p:notes xmlns:a="http://schemas.openxmlformats.org/drawingml/2006/main" xmlns:r="http://schemas.openxmlformats.org/officeDocument/2006/relationships" xmlns:p="http://schemas.openxmlformats.org/presentationml/2006/main" showMasterSp="0" showMasterPhAnim="0">
+  <p:cSld>
+    <p:spTree>
+      <p:nvGrpSpPr>
+        <p:cNvPr id="1" name="Shape 934"/>
+        <p:cNvGrpSpPr/>
+        <p:nvPr/>
+      </p:nvGrpSpPr>
+      <p:grpSpPr>
+        <a:xfrm>
+          <a:off x="0" y="0"/>
+          <a:ext cx="0" cy="0"/>
+          <a:chOff x="0" y="0"/>
+          <a:chExt cx="0" cy="0"/>
+        </a:xfrm>
+      </p:grpSpPr>
+      <p:sp>
+        <p:nvSpPr>
+          <p:cNvPr id="935" name="Google Shape;935;p41:notes"/>
+          <p:cNvSpPr txBox="1">
+            <a:spLocks noGrp="1"/>
+          </p:cNvSpPr>
+          <p:nvPr>
+            <p:ph type="body" idx="1"/>
+          </p:nvPr>
+        </p:nvSpPr>
+        <p:spPr>
+          <a:xfrm>
+            <a:off x="685800" y="4400550"/>
+            <a:ext cx="5486400" cy="3600450"/>
+          </a:xfrm>
+          <a:prstGeom prst="rect">
+            <a:avLst/>
+          </a:prstGeom>
+        </p:spPr>
+        <p:txBody>
+          <a:bodyPr spcFirstLastPara="1" wrap="square" lIns="91425" tIns="45700" rIns="91425" bIns="45700" anchor="t" anchorCtr="0">
+            <a:noAutofit/>
+          </a:bodyPr>
+          <a:lstStyle/>
+          <a:p>
+            <a:pPr marL="0" lvl="0" indent="0" algn="l" rtl="0">
+              <a:spcBef>
+                <a:spcPts val="0"/>
+              </a:spcBef>
+              <a:spcAft>
+                <a:spcPts val="0"/>
+              </a:spcAft>
+              <a:buNone/>
+            </a:pPr>
+            <a:endParaRPr/>
+          </a:p>
+        </p:txBody>
+      </p:sp>
+      <p:sp>
+        <p:nvSpPr>
+          <p:cNvPr id="936" name="Google Shape;936;p41:notes"/>
+          <p:cNvSpPr>
+            <a:spLocks noGrp="1" noRot="1" noChangeAspect="1"/>
+          </p:cNvSpPr>
+          <p:nvPr>
+            <p:ph type="sldImg" idx="2"/>
+          </p:nvPr>
+        </p:nvSpPr>
+        <p:spPr>
+          <a:xfrm>
+            <a:off x="685800" y="1143000"/>
+            <a:ext cx="5486400" cy="3086100"/>
+          </a:xfrm>
+          <a:custGeom>
+            <a:avLst/>
+            <a:gdLst/>
+            <a:ahLst/>
+            <a:cxnLst/>
+            <a:rect l="l" t="t" r="r" b="b"/>
+            <a:pathLst>
+              <a:path w="120000" h="120000" extrusionOk="0">
+                <a:moveTo>
+                  <a:pt x="0" y="0"/>
+                </a:moveTo>
+                <a:lnTo>
+                  <a:pt x="120000" y="0"/>
+                </a:lnTo>
+                <a:lnTo>
+                  <a:pt x="120000" y="120000"/>
+                </a:lnTo>
+                <a:lnTo>
+                  <a:pt x="0" y="120000"/>
+                </a:lnTo>
+                <a:close/>
+              </a:path>
+            </a:pathLst>
+          </a:custGeom>
+        </p:spPr>
+      </p:sp>
+    </p:spTree>
+  </p:cSld>
+  <p:clrMapOvr>
+    <a:masterClrMapping/>
+  </p:clrMapOvr>
+</p:notes>
+</file>
+
+<file path=ppt/notesSlides/notesSlide37.xml><?xml version="1.0" encoding="utf-8"?>
+<p:notes xmlns:a="http://schemas.openxmlformats.org/drawingml/2006/main" xmlns:r="http://schemas.openxmlformats.org/officeDocument/2006/relationships" xmlns:p="http://schemas.openxmlformats.org/presentationml/2006/main" showMasterSp="0" showMasterPhAnim="0">
+  <p:cSld>
+    <p:spTree>
+      <p:nvGrpSpPr>
+        <p:cNvPr id="1" name="Shape 1013"/>
+        <p:cNvGrpSpPr/>
+        <p:nvPr/>
+      </p:nvGrpSpPr>
+      <p:grpSpPr>
+        <a:xfrm>
+          <a:off x="0" y="0"/>
+          <a:ext cx="0" cy="0"/>
+          <a:chOff x="0" y="0"/>
+          <a:chExt cx="0" cy="0"/>
+        </a:xfrm>
+      </p:grpSpPr>
+      <p:sp>
+        <p:nvSpPr>
+          <p:cNvPr id="1014" name="Google Shape;1014;p42:notes"/>
+          <p:cNvSpPr txBox="1">
+            <a:spLocks noGrp="1"/>
+          </p:cNvSpPr>
+          <p:nvPr>
+            <p:ph type="body" idx="1"/>
+          </p:nvPr>
+        </p:nvSpPr>
+        <p:spPr>
+          <a:xfrm>
+            <a:off x="685800" y="4400550"/>
+            <a:ext cx="5486400" cy="3600450"/>
+          </a:xfrm>
+          <a:prstGeom prst="rect">
+            <a:avLst/>
+          </a:prstGeom>
+        </p:spPr>
+        <p:txBody>
+          <a:bodyPr spcFirstLastPara="1" wrap="square" lIns="91425" tIns="45700" rIns="91425" bIns="45700" anchor="t" anchorCtr="0">
+            <a:noAutofit/>
+          </a:bodyPr>
+          <a:lstStyle/>
+          <a:p>
+            <a:pPr marL="0" lvl="0" indent="0" algn="l" rtl="0">
+              <a:spcBef>
+                <a:spcPts val="0"/>
+              </a:spcBef>
+              <a:spcAft>
+                <a:spcPts val="0"/>
+              </a:spcAft>
+              <a:buNone/>
+            </a:pPr>
+            <a:endParaRPr/>
+          </a:p>
+        </p:txBody>
+      </p:sp>
+      <p:sp>
+        <p:nvSpPr>
+          <p:cNvPr id="1015" name="Google Shape;1015;p42:notes"/>
+          <p:cNvSpPr>
+            <a:spLocks noGrp="1" noRot="1" noChangeAspect="1"/>
+          </p:cNvSpPr>
+          <p:nvPr>
+            <p:ph type="sldImg" idx="2"/>
+          </p:nvPr>
+        </p:nvSpPr>
+        <p:spPr>
+          <a:xfrm>
+            <a:off x="685800" y="1143000"/>
+            <a:ext cx="5486400" cy="3086100"/>
+          </a:xfrm>
+          <a:custGeom>
+            <a:avLst/>
+            <a:gdLst/>
+            <a:ahLst/>
+            <a:cxnLst/>
+            <a:rect l="l" t="t" r="r" b="b"/>
+            <a:pathLst>
+              <a:path w="120000" h="120000" extrusionOk="0">
+                <a:moveTo>
+                  <a:pt x="0" y="0"/>
+                </a:moveTo>
+                <a:lnTo>
+                  <a:pt x="120000" y="0"/>
+                </a:lnTo>
+                <a:lnTo>
+                  <a:pt x="120000" y="120000"/>
+                </a:lnTo>
+                <a:lnTo>
+                  <a:pt x="0" y="120000"/>
+                </a:lnTo>
+                <a:close/>
+              </a:path>
+            </a:pathLst>
+          </a:custGeom>
+        </p:spPr>
+      </p:sp>
+    </p:spTree>
+  </p:cSld>
+  <p:clrMapOvr>
+    <a:masterClrMapping/>
+  </p:clrMapOvr>
+</p:notes>
+</file>
+
+<file path=ppt/notesSlides/notesSlide4.xml><?xml version="1.0" encoding="utf-8"?>
+<p:notes xmlns:a="http://schemas.openxmlformats.org/drawingml/2006/main" xmlns:r="http://schemas.openxmlformats.org/officeDocument/2006/relationships" xmlns:p="http://schemas.openxmlformats.org/presentationml/2006/main" showMasterSp="0" showMasterPhAnim="0">
+  <p:cSld>
+    <p:spTree>
+      <p:nvGrpSpPr>
+        <p:cNvPr id="1" name="Shape 240"/>
+        <p:cNvGrpSpPr/>
+        <p:nvPr/>
+      </p:nvGrpSpPr>
+      <p:grpSpPr>
+        <a:xfrm>
+          <a:off x="0" y="0"/>
+          <a:ext cx="0" cy="0"/>
+          <a:chOff x="0" y="0"/>
+          <a:chExt cx="0" cy="0"/>
+        </a:xfrm>
+      </p:grpSpPr>
+      <p:sp>
+        <p:nvSpPr>
+          <p:cNvPr id="241" name="Google Shape;241;p9:notes"/>
           <p:cNvSpPr>
             <a:spLocks noGrp="1" noRot="1" noChangeAspect="1"/>
           </p:cNvSpPr>
@@ -6047,7 +6676,7 @@
       </p:sp>
       <p:sp>
         <p:nvSpPr>
-          <p:cNvPr id="751" name="Google Shape;751;p33:notes"/>
+          <p:cNvPr id="242" name="Google Shape;242;p9:notes"/>
           <p:cNvSpPr txBox="1">
             <a:spLocks noGrp="1"/>
           </p:cNvSpPr>
@@ -6083,13 +6712,17 @@
               </a:spcAft>
               <a:buNone/>
             </a:pPr>
+            <a:r>
+              <a:rPr lang="en-US"/>
+              <a:t>Swap: market seg and organize clusters</a:t>
+            </a:r>
             <a:endParaRPr/>
           </a:p>
         </p:txBody>
       </p:sp>
       <p:sp>
         <p:nvSpPr>
-          <p:cNvPr id="752" name="Google Shape;752;p33:notes"/>
+          <p:cNvPr id="243" name="Google Shape;243;p9:notes"/>
           <p:cNvSpPr txBox="1">
             <a:spLocks noGrp="1"/>
           </p:cNvSpPr>
@@ -6127,1051 +6760,11 @@
             </a:pPr>
             <a:fld id="{00000000-1234-1234-1234-123412341234}" type="slidenum">
               <a:rPr lang="en-US"/>
-              <a:t>32</a:t>
+              <a:t>6</a:t>
             </a:fld>
             <a:endParaRPr/>
           </a:p>
         </p:txBody>
-      </p:sp>
-    </p:spTree>
-  </p:cSld>
-  <p:clrMapOvr>
-    <a:masterClrMapping/>
-  </p:clrMapOvr>
-</p:notes>
-</file>
-
-<file path=ppt/notesSlides/notesSlide33.xml><?xml version="1.0" encoding="utf-8"?>
-<p:notes xmlns:a="http://schemas.openxmlformats.org/drawingml/2006/main" xmlns:r="http://schemas.openxmlformats.org/officeDocument/2006/relationships" xmlns:p="http://schemas.openxmlformats.org/presentationml/2006/main" showMasterSp="0" showMasterPhAnim="0">
-  <p:cSld>
-    <p:spTree>
-      <p:nvGrpSpPr>
-        <p:cNvPr id="1" name="Shape 756"/>
-        <p:cNvGrpSpPr/>
-        <p:nvPr/>
-      </p:nvGrpSpPr>
-      <p:grpSpPr>
-        <a:xfrm>
-          <a:off x="0" y="0"/>
-          <a:ext cx="0" cy="0"/>
-          <a:chOff x="0" y="0"/>
-          <a:chExt cx="0" cy="0"/>
-        </a:xfrm>
-      </p:grpSpPr>
-      <p:sp>
-        <p:nvSpPr>
-          <p:cNvPr id="757" name="Google Shape;757;p34:notes"/>
-          <p:cNvSpPr txBox="1">
-            <a:spLocks noGrp="1"/>
-          </p:cNvSpPr>
-          <p:nvPr>
-            <p:ph type="body" idx="1"/>
-          </p:nvPr>
-        </p:nvSpPr>
-        <p:spPr>
-          <a:xfrm>
-            <a:off x="685800" y="4400550"/>
-            <a:ext cx="5486400" cy="3600450"/>
-          </a:xfrm>
-          <a:prstGeom prst="rect">
-            <a:avLst/>
-          </a:prstGeom>
-        </p:spPr>
-        <p:txBody>
-          <a:bodyPr spcFirstLastPara="1" wrap="square" lIns="91425" tIns="45700" rIns="91425" bIns="45700" anchor="t" anchorCtr="0">
-            <a:noAutofit/>
-          </a:bodyPr>
-          <a:lstStyle/>
-          <a:p>
-            <a:pPr marL="0" lvl="0" indent="0" algn="l" rtl="0">
-              <a:spcBef>
-                <a:spcPts val="0"/>
-              </a:spcBef>
-              <a:spcAft>
-                <a:spcPts val="0"/>
-              </a:spcAft>
-              <a:buNone/>
-            </a:pPr>
-            <a:endParaRPr/>
-          </a:p>
-        </p:txBody>
-      </p:sp>
-      <p:sp>
-        <p:nvSpPr>
-          <p:cNvPr id="758" name="Google Shape;758;p34:notes"/>
-          <p:cNvSpPr>
-            <a:spLocks noGrp="1" noRot="1" noChangeAspect="1"/>
-          </p:cNvSpPr>
-          <p:nvPr>
-            <p:ph type="sldImg" idx="2"/>
-          </p:nvPr>
-        </p:nvSpPr>
-        <p:spPr>
-          <a:xfrm>
-            <a:off x="685800" y="1143000"/>
-            <a:ext cx="5486400" cy="3086100"/>
-          </a:xfrm>
-          <a:custGeom>
-            <a:avLst/>
-            <a:gdLst/>
-            <a:ahLst/>
-            <a:cxnLst/>
-            <a:rect l="l" t="t" r="r" b="b"/>
-            <a:pathLst>
-              <a:path w="120000" h="120000" extrusionOk="0">
-                <a:moveTo>
-                  <a:pt x="0" y="0"/>
-                </a:moveTo>
-                <a:lnTo>
-                  <a:pt x="120000" y="0"/>
-                </a:lnTo>
-                <a:lnTo>
-                  <a:pt x="120000" y="120000"/>
-                </a:lnTo>
-                <a:lnTo>
-                  <a:pt x="0" y="120000"/>
-                </a:lnTo>
-                <a:close/>
-              </a:path>
-            </a:pathLst>
-          </a:custGeom>
-        </p:spPr>
-      </p:sp>
-    </p:spTree>
-  </p:cSld>
-  <p:clrMapOvr>
-    <a:masterClrMapping/>
-  </p:clrMapOvr>
-</p:notes>
-</file>
-
-<file path=ppt/notesSlides/notesSlide34.xml><?xml version="1.0" encoding="utf-8"?>
-<p:notes xmlns:a="http://schemas.openxmlformats.org/drawingml/2006/main" xmlns:r="http://schemas.openxmlformats.org/officeDocument/2006/relationships" xmlns:p="http://schemas.openxmlformats.org/presentationml/2006/main" showMasterSp="0" showMasterPhAnim="0">
-  <p:cSld>
-    <p:spTree>
-      <p:nvGrpSpPr>
-        <p:cNvPr id="1" name="Shape 787"/>
-        <p:cNvGrpSpPr/>
-        <p:nvPr/>
-      </p:nvGrpSpPr>
-      <p:grpSpPr>
-        <a:xfrm>
-          <a:off x="0" y="0"/>
-          <a:ext cx="0" cy="0"/>
-          <a:chOff x="0" y="0"/>
-          <a:chExt cx="0" cy="0"/>
-        </a:xfrm>
-      </p:grpSpPr>
-      <p:sp>
-        <p:nvSpPr>
-          <p:cNvPr id="788" name="Google Shape;788;p35:notes"/>
-          <p:cNvSpPr txBox="1">
-            <a:spLocks noGrp="1"/>
-          </p:cNvSpPr>
-          <p:nvPr>
-            <p:ph type="body" idx="1"/>
-          </p:nvPr>
-        </p:nvSpPr>
-        <p:spPr>
-          <a:xfrm>
-            <a:off x="685800" y="4400550"/>
-            <a:ext cx="5486400" cy="3600450"/>
-          </a:xfrm>
-          <a:prstGeom prst="rect">
-            <a:avLst/>
-          </a:prstGeom>
-        </p:spPr>
-        <p:txBody>
-          <a:bodyPr spcFirstLastPara="1" wrap="square" lIns="91425" tIns="45700" rIns="91425" bIns="45700" anchor="t" anchorCtr="0">
-            <a:noAutofit/>
-          </a:bodyPr>
-          <a:lstStyle/>
-          <a:p>
-            <a:pPr marL="0" lvl="0" indent="0" algn="l" rtl="0">
-              <a:spcBef>
-                <a:spcPts val="0"/>
-              </a:spcBef>
-              <a:spcAft>
-                <a:spcPts val="0"/>
-              </a:spcAft>
-              <a:buNone/>
-            </a:pPr>
-            <a:endParaRPr/>
-          </a:p>
-        </p:txBody>
-      </p:sp>
-      <p:sp>
-        <p:nvSpPr>
-          <p:cNvPr id="789" name="Google Shape;789;p35:notes"/>
-          <p:cNvSpPr>
-            <a:spLocks noGrp="1" noRot="1" noChangeAspect="1"/>
-          </p:cNvSpPr>
-          <p:nvPr>
-            <p:ph type="sldImg" idx="2"/>
-          </p:nvPr>
-        </p:nvSpPr>
-        <p:spPr>
-          <a:xfrm>
-            <a:off x="685800" y="1143000"/>
-            <a:ext cx="5486400" cy="3086100"/>
-          </a:xfrm>
-          <a:custGeom>
-            <a:avLst/>
-            <a:gdLst/>
-            <a:ahLst/>
-            <a:cxnLst/>
-            <a:rect l="l" t="t" r="r" b="b"/>
-            <a:pathLst>
-              <a:path w="120000" h="120000" extrusionOk="0">
-                <a:moveTo>
-                  <a:pt x="0" y="0"/>
-                </a:moveTo>
-                <a:lnTo>
-                  <a:pt x="120000" y="0"/>
-                </a:lnTo>
-                <a:lnTo>
-                  <a:pt x="120000" y="120000"/>
-                </a:lnTo>
-                <a:lnTo>
-                  <a:pt x="0" y="120000"/>
-                </a:lnTo>
-                <a:close/>
-              </a:path>
-            </a:pathLst>
-          </a:custGeom>
-        </p:spPr>
-      </p:sp>
-    </p:spTree>
-  </p:cSld>
-  <p:clrMapOvr>
-    <a:masterClrMapping/>
-  </p:clrMapOvr>
-</p:notes>
-</file>
-
-<file path=ppt/notesSlides/notesSlide35.xml><?xml version="1.0" encoding="utf-8"?>
-<p:notes xmlns:a="http://schemas.openxmlformats.org/drawingml/2006/main" xmlns:r="http://schemas.openxmlformats.org/officeDocument/2006/relationships" xmlns:p="http://schemas.openxmlformats.org/presentationml/2006/main" showMasterSp="0" showMasterPhAnim="0">
-  <p:cSld>
-    <p:spTree>
-      <p:nvGrpSpPr>
-        <p:cNvPr id="1" name="Shape 817"/>
-        <p:cNvGrpSpPr/>
-        <p:nvPr/>
-      </p:nvGrpSpPr>
-      <p:grpSpPr>
-        <a:xfrm>
-          <a:off x="0" y="0"/>
-          <a:ext cx="0" cy="0"/>
-          <a:chOff x="0" y="0"/>
-          <a:chExt cx="0" cy="0"/>
-        </a:xfrm>
-      </p:grpSpPr>
-      <p:sp>
-        <p:nvSpPr>
-          <p:cNvPr id="818" name="Google Shape;818;p36:notes"/>
-          <p:cNvSpPr txBox="1">
-            <a:spLocks noGrp="1"/>
-          </p:cNvSpPr>
-          <p:nvPr>
-            <p:ph type="body" idx="1"/>
-          </p:nvPr>
-        </p:nvSpPr>
-        <p:spPr>
-          <a:xfrm>
-            <a:off x="685800" y="4400550"/>
-            <a:ext cx="5486400" cy="3600450"/>
-          </a:xfrm>
-          <a:prstGeom prst="rect">
-            <a:avLst/>
-          </a:prstGeom>
-        </p:spPr>
-        <p:txBody>
-          <a:bodyPr spcFirstLastPara="1" wrap="square" lIns="91425" tIns="45700" rIns="91425" bIns="45700" anchor="t" anchorCtr="0">
-            <a:noAutofit/>
-          </a:bodyPr>
-          <a:lstStyle/>
-          <a:p>
-            <a:pPr marL="0" lvl="0" indent="0" algn="l" rtl="0">
-              <a:spcBef>
-                <a:spcPts val="0"/>
-              </a:spcBef>
-              <a:spcAft>
-                <a:spcPts val="0"/>
-              </a:spcAft>
-              <a:buNone/>
-            </a:pPr>
-            <a:endParaRPr/>
-          </a:p>
-        </p:txBody>
-      </p:sp>
-      <p:sp>
-        <p:nvSpPr>
-          <p:cNvPr id="819" name="Google Shape;819;p36:notes"/>
-          <p:cNvSpPr>
-            <a:spLocks noGrp="1" noRot="1" noChangeAspect="1"/>
-          </p:cNvSpPr>
-          <p:nvPr>
-            <p:ph type="sldImg" idx="2"/>
-          </p:nvPr>
-        </p:nvSpPr>
-        <p:spPr>
-          <a:xfrm>
-            <a:off x="685800" y="1143000"/>
-            <a:ext cx="5486400" cy="3086100"/>
-          </a:xfrm>
-          <a:custGeom>
-            <a:avLst/>
-            <a:gdLst/>
-            <a:ahLst/>
-            <a:cxnLst/>
-            <a:rect l="l" t="t" r="r" b="b"/>
-            <a:pathLst>
-              <a:path w="120000" h="120000" extrusionOk="0">
-                <a:moveTo>
-                  <a:pt x="0" y="0"/>
-                </a:moveTo>
-                <a:lnTo>
-                  <a:pt x="120000" y="0"/>
-                </a:lnTo>
-                <a:lnTo>
-                  <a:pt x="120000" y="120000"/>
-                </a:lnTo>
-                <a:lnTo>
-                  <a:pt x="0" y="120000"/>
-                </a:lnTo>
-                <a:close/>
-              </a:path>
-            </a:pathLst>
-          </a:custGeom>
-        </p:spPr>
-      </p:sp>
-    </p:spTree>
-  </p:cSld>
-  <p:clrMapOvr>
-    <a:masterClrMapping/>
-  </p:clrMapOvr>
-</p:notes>
-</file>
-
-<file path=ppt/notesSlides/notesSlide36.xml><?xml version="1.0" encoding="utf-8"?>
-<p:notes xmlns:a="http://schemas.openxmlformats.org/drawingml/2006/main" xmlns:r="http://schemas.openxmlformats.org/officeDocument/2006/relationships" xmlns:p="http://schemas.openxmlformats.org/presentationml/2006/main" showMasterSp="0" showMasterPhAnim="0">
-  <p:cSld>
-    <p:spTree>
-      <p:nvGrpSpPr>
-        <p:cNvPr id="1" name="Shape 847"/>
-        <p:cNvGrpSpPr/>
-        <p:nvPr/>
-      </p:nvGrpSpPr>
-      <p:grpSpPr>
-        <a:xfrm>
-          <a:off x="0" y="0"/>
-          <a:ext cx="0" cy="0"/>
-          <a:chOff x="0" y="0"/>
-          <a:chExt cx="0" cy="0"/>
-        </a:xfrm>
-      </p:grpSpPr>
-      <p:sp>
-        <p:nvSpPr>
-          <p:cNvPr id="848" name="Google Shape;848;p37:notes"/>
-          <p:cNvSpPr txBox="1">
-            <a:spLocks noGrp="1"/>
-          </p:cNvSpPr>
-          <p:nvPr>
-            <p:ph type="body" idx="1"/>
-          </p:nvPr>
-        </p:nvSpPr>
-        <p:spPr>
-          <a:xfrm>
-            <a:off x="685800" y="4400550"/>
-            <a:ext cx="5486400" cy="3600450"/>
-          </a:xfrm>
-          <a:prstGeom prst="rect">
-            <a:avLst/>
-          </a:prstGeom>
-        </p:spPr>
-        <p:txBody>
-          <a:bodyPr spcFirstLastPara="1" wrap="square" lIns="91425" tIns="45700" rIns="91425" bIns="45700" anchor="t" anchorCtr="0">
-            <a:noAutofit/>
-          </a:bodyPr>
-          <a:lstStyle/>
-          <a:p>
-            <a:pPr marL="0" lvl="0" indent="0" algn="l" rtl="0">
-              <a:spcBef>
-                <a:spcPts val="0"/>
-              </a:spcBef>
-              <a:spcAft>
-                <a:spcPts val="0"/>
-              </a:spcAft>
-              <a:buNone/>
-            </a:pPr>
-            <a:endParaRPr/>
-          </a:p>
-        </p:txBody>
-      </p:sp>
-      <p:sp>
-        <p:nvSpPr>
-          <p:cNvPr id="849" name="Google Shape;849;p37:notes"/>
-          <p:cNvSpPr>
-            <a:spLocks noGrp="1" noRot="1" noChangeAspect="1"/>
-          </p:cNvSpPr>
-          <p:nvPr>
-            <p:ph type="sldImg" idx="2"/>
-          </p:nvPr>
-        </p:nvSpPr>
-        <p:spPr>
-          <a:xfrm>
-            <a:off x="685800" y="1143000"/>
-            <a:ext cx="5486400" cy="3086100"/>
-          </a:xfrm>
-          <a:custGeom>
-            <a:avLst/>
-            <a:gdLst/>
-            <a:ahLst/>
-            <a:cxnLst/>
-            <a:rect l="l" t="t" r="r" b="b"/>
-            <a:pathLst>
-              <a:path w="120000" h="120000" extrusionOk="0">
-                <a:moveTo>
-                  <a:pt x="0" y="0"/>
-                </a:moveTo>
-                <a:lnTo>
-                  <a:pt x="120000" y="0"/>
-                </a:lnTo>
-                <a:lnTo>
-                  <a:pt x="120000" y="120000"/>
-                </a:lnTo>
-                <a:lnTo>
-                  <a:pt x="0" y="120000"/>
-                </a:lnTo>
-                <a:close/>
-              </a:path>
-            </a:pathLst>
-          </a:custGeom>
-        </p:spPr>
-      </p:sp>
-    </p:spTree>
-  </p:cSld>
-  <p:clrMapOvr>
-    <a:masterClrMapping/>
-  </p:clrMapOvr>
-</p:notes>
-</file>
-
-<file path=ppt/notesSlides/notesSlide37.xml><?xml version="1.0" encoding="utf-8"?>
-<p:notes xmlns:a="http://schemas.openxmlformats.org/drawingml/2006/main" xmlns:r="http://schemas.openxmlformats.org/officeDocument/2006/relationships" xmlns:p="http://schemas.openxmlformats.org/presentationml/2006/main" showMasterSp="0" showMasterPhAnim="0">
-  <p:cSld>
-    <p:spTree>
-      <p:nvGrpSpPr>
-        <p:cNvPr id="1" name="Shape 877"/>
-        <p:cNvGrpSpPr/>
-        <p:nvPr/>
-      </p:nvGrpSpPr>
-      <p:grpSpPr>
-        <a:xfrm>
-          <a:off x="0" y="0"/>
-          <a:ext cx="0" cy="0"/>
-          <a:chOff x="0" y="0"/>
-          <a:chExt cx="0" cy="0"/>
-        </a:xfrm>
-      </p:grpSpPr>
-      <p:sp>
-        <p:nvSpPr>
-          <p:cNvPr id="878" name="Google Shape;878;p38:notes"/>
-          <p:cNvSpPr txBox="1">
-            <a:spLocks noGrp="1"/>
-          </p:cNvSpPr>
-          <p:nvPr>
-            <p:ph type="body" idx="1"/>
-          </p:nvPr>
-        </p:nvSpPr>
-        <p:spPr>
-          <a:xfrm>
-            <a:off x="685800" y="4400550"/>
-            <a:ext cx="5486400" cy="3600450"/>
-          </a:xfrm>
-          <a:prstGeom prst="rect">
-            <a:avLst/>
-          </a:prstGeom>
-        </p:spPr>
-        <p:txBody>
-          <a:bodyPr spcFirstLastPara="1" wrap="square" lIns="91425" tIns="45700" rIns="91425" bIns="45700" anchor="t" anchorCtr="0">
-            <a:noAutofit/>
-          </a:bodyPr>
-          <a:lstStyle/>
-          <a:p>
-            <a:pPr marL="0" lvl="0" indent="0" algn="l" rtl="0">
-              <a:spcBef>
-                <a:spcPts val="0"/>
-              </a:spcBef>
-              <a:spcAft>
-                <a:spcPts val="0"/>
-              </a:spcAft>
-              <a:buNone/>
-            </a:pPr>
-            <a:endParaRPr/>
-          </a:p>
-        </p:txBody>
-      </p:sp>
-      <p:sp>
-        <p:nvSpPr>
-          <p:cNvPr id="879" name="Google Shape;879;p38:notes"/>
-          <p:cNvSpPr>
-            <a:spLocks noGrp="1" noRot="1" noChangeAspect="1"/>
-          </p:cNvSpPr>
-          <p:nvPr>
-            <p:ph type="sldImg" idx="2"/>
-          </p:nvPr>
-        </p:nvSpPr>
-        <p:spPr>
-          <a:xfrm>
-            <a:off x="685800" y="1143000"/>
-            <a:ext cx="5486400" cy="3086100"/>
-          </a:xfrm>
-          <a:custGeom>
-            <a:avLst/>
-            <a:gdLst/>
-            <a:ahLst/>
-            <a:cxnLst/>
-            <a:rect l="l" t="t" r="r" b="b"/>
-            <a:pathLst>
-              <a:path w="120000" h="120000" extrusionOk="0">
-                <a:moveTo>
-                  <a:pt x="0" y="0"/>
-                </a:moveTo>
-                <a:lnTo>
-                  <a:pt x="120000" y="0"/>
-                </a:lnTo>
-                <a:lnTo>
-                  <a:pt x="120000" y="120000"/>
-                </a:lnTo>
-                <a:lnTo>
-                  <a:pt x="0" y="120000"/>
-                </a:lnTo>
-                <a:close/>
-              </a:path>
-            </a:pathLst>
-          </a:custGeom>
-        </p:spPr>
-      </p:sp>
-    </p:spTree>
-  </p:cSld>
-  <p:clrMapOvr>
-    <a:masterClrMapping/>
-  </p:clrMapOvr>
-</p:notes>
-</file>
-
-<file path=ppt/notesSlides/notesSlide38.xml><?xml version="1.0" encoding="utf-8"?>
-<p:notes xmlns:a="http://schemas.openxmlformats.org/drawingml/2006/main" xmlns:r="http://schemas.openxmlformats.org/officeDocument/2006/relationships" xmlns:p="http://schemas.openxmlformats.org/presentationml/2006/main" showMasterSp="0" showMasterPhAnim="0">
-  <p:cSld>
-    <p:spTree>
-      <p:nvGrpSpPr>
-        <p:cNvPr id="1" name="Shape 908"/>
-        <p:cNvGrpSpPr/>
-        <p:nvPr/>
-      </p:nvGrpSpPr>
-      <p:grpSpPr>
-        <a:xfrm>
-          <a:off x="0" y="0"/>
-          <a:ext cx="0" cy="0"/>
-          <a:chOff x="0" y="0"/>
-          <a:chExt cx="0" cy="0"/>
-        </a:xfrm>
-      </p:grpSpPr>
-      <p:sp>
-        <p:nvSpPr>
-          <p:cNvPr id="909" name="Google Shape;909;p39:notes"/>
-          <p:cNvSpPr txBox="1">
-            <a:spLocks noGrp="1"/>
-          </p:cNvSpPr>
-          <p:nvPr>
-            <p:ph type="body" idx="1"/>
-          </p:nvPr>
-        </p:nvSpPr>
-        <p:spPr>
-          <a:xfrm>
-            <a:off x="685800" y="4400550"/>
-            <a:ext cx="5486400" cy="3600450"/>
-          </a:xfrm>
-          <a:prstGeom prst="rect">
-            <a:avLst/>
-          </a:prstGeom>
-        </p:spPr>
-        <p:txBody>
-          <a:bodyPr spcFirstLastPara="1" wrap="square" lIns="91425" tIns="45700" rIns="91425" bIns="45700" anchor="t" anchorCtr="0">
-            <a:noAutofit/>
-          </a:bodyPr>
-          <a:lstStyle/>
-          <a:p>
-            <a:pPr marL="0" lvl="0" indent="0" algn="l" rtl="0">
-              <a:spcBef>
-                <a:spcPts val="0"/>
-              </a:spcBef>
-              <a:spcAft>
-                <a:spcPts val="0"/>
-              </a:spcAft>
-              <a:buNone/>
-            </a:pPr>
-            <a:endParaRPr/>
-          </a:p>
-        </p:txBody>
-      </p:sp>
-      <p:sp>
-        <p:nvSpPr>
-          <p:cNvPr id="910" name="Google Shape;910;p39:notes"/>
-          <p:cNvSpPr>
-            <a:spLocks noGrp="1" noRot="1" noChangeAspect="1"/>
-          </p:cNvSpPr>
-          <p:nvPr>
-            <p:ph type="sldImg" idx="2"/>
-          </p:nvPr>
-        </p:nvSpPr>
-        <p:spPr>
-          <a:xfrm>
-            <a:off x="685800" y="1143000"/>
-            <a:ext cx="5486400" cy="3086100"/>
-          </a:xfrm>
-          <a:custGeom>
-            <a:avLst/>
-            <a:gdLst/>
-            <a:ahLst/>
-            <a:cxnLst/>
-            <a:rect l="l" t="t" r="r" b="b"/>
-            <a:pathLst>
-              <a:path w="120000" h="120000" extrusionOk="0">
-                <a:moveTo>
-                  <a:pt x="0" y="0"/>
-                </a:moveTo>
-                <a:lnTo>
-                  <a:pt x="120000" y="0"/>
-                </a:lnTo>
-                <a:lnTo>
-                  <a:pt x="120000" y="120000"/>
-                </a:lnTo>
-                <a:lnTo>
-                  <a:pt x="0" y="120000"/>
-                </a:lnTo>
-                <a:close/>
-              </a:path>
-            </a:pathLst>
-          </a:custGeom>
-        </p:spPr>
-      </p:sp>
-    </p:spTree>
-  </p:cSld>
-  <p:clrMapOvr>
-    <a:masterClrMapping/>
-  </p:clrMapOvr>
-</p:notes>
-</file>
-
-<file path=ppt/notesSlides/notesSlide39.xml><?xml version="1.0" encoding="utf-8"?>
-<p:notes xmlns:a="http://schemas.openxmlformats.org/drawingml/2006/main" xmlns:r="http://schemas.openxmlformats.org/officeDocument/2006/relationships" xmlns:p="http://schemas.openxmlformats.org/presentationml/2006/main" showMasterSp="0" showMasterPhAnim="0">
-  <p:cSld>
-    <p:spTree>
-      <p:nvGrpSpPr>
-        <p:cNvPr id="1" name="Shape 928"/>
-        <p:cNvGrpSpPr/>
-        <p:nvPr/>
-      </p:nvGrpSpPr>
-      <p:grpSpPr>
-        <a:xfrm>
-          <a:off x="0" y="0"/>
-          <a:ext cx="0" cy="0"/>
-          <a:chOff x="0" y="0"/>
-          <a:chExt cx="0" cy="0"/>
-        </a:xfrm>
-      </p:grpSpPr>
-      <p:sp>
-        <p:nvSpPr>
-          <p:cNvPr id="929" name="Google Shape;929;p40:notes"/>
-          <p:cNvSpPr txBox="1">
-            <a:spLocks noGrp="1"/>
-          </p:cNvSpPr>
-          <p:nvPr>
-            <p:ph type="body" idx="1"/>
-          </p:nvPr>
-        </p:nvSpPr>
-        <p:spPr>
-          <a:xfrm>
-            <a:off x="685800" y="4400550"/>
-            <a:ext cx="5486400" cy="3600450"/>
-          </a:xfrm>
-          <a:prstGeom prst="rect">
-            <a:avLst/>
-          </a:prstGeom>
-        </p:spPr>
-        <p:txBody>
-          <a:bodyPr spcFirstLastPara="1" wrap="square" lIns="91425" tIns="45700" rIns="91425" bIns="45700" anchor="t" anchorCtr="0">
-            <a:noAutofit/>
-          </a:bodyPr>
-          <a:lstStyle/>
-          <a:p>
-            <a:pPr marL="0" lvl="0" indent="0" algn="l" rtl="0">
-              <a:spcBef>
-                <a:spcPts val="0"/>
-              </a:spcBef>
-              <a:spcAft>
-                <a:spcPts val="0"/>
-              </a:spcAft>
-              <a:buNone/>
-            </a:pPr>
-            <a:endParaRPr/>
-          </a:p>
-        </p:txBody>
-      </p:sp>
-      <p:sp>
-        <p:nvSpPr>
-          <p:cNvPr id="930" name="Google Shape;930;p40:notes"/>
-          <p:cNvSpPr>
-            <a:spLocks noGrp="1" noRot="1" noChangeAspect="1"/>
-          </p:cNvSpPr>
-          <p:nvPr>
-            <p:ph type="sldImg" idx="2"/>
-          </p:nvPr>
-        </p:nvSpPr>
-        <p:spPr>
-          <a:xfrm>
-            <a:off x="685800" y="1143000"/>
-            <a:ext cx="5486400" cy="3086100"/>
-          </a:xfrm>
-          <a:custGeom>
-            <a:avLst/>
-            <a:gdLst/>
-            <a:ahLst/>
-            <a:cxnLst/>
-            <a:rect l="l" t="t" r="r" b="b"/>
-            <a:pathLst>
-              <a:path w="120000" h="120000" extrusionOk="0">
-                <a:moveTo>
-                  <a:pt x="0" y="0"/>
-                </a:moveTo>
-                <a:lnTo>
-                  <a:pt x="120000" y="0"/>
-                </a:lnTo>
-                <a:lnTo>
-                  <a:pt x="120000" y="120000"/>
-                </a:lnTo>
-                <a:lnTo>
-                  <a:pt x="0" y="120000"/>
-                </a:lnTo>
-                <a:close/>
-              </a:path>
-            </a:pathLst>
-          </a:custGeom>
-        </p:spPr>
-      </p:sp>
-    </p:spTree>
-  </p:cSld>
-  <p:clrMapOvr>
-    <a:masterClrMapping/>
-  </p:clrMapOvr>
-</p:notes>
-</file>
-
-<file path=ppt/notesSlides/notesSlide4.xml><?xml version="1.0" encoding="utf-8"?>
-<p:notes xmlns:a="http://schemas.openxmlformats.org/drawingml/2006/main" xmlns:r="http://schemas.openxmlformats.org/officeDocument/2006/relationships" xmlns:p="http://schemas.openxmlformats.org/presentationml/2006/main" showMasterSp="0" showMasterPhAnim="0">
-  <p:cSld>
-    <p:spTree>
-      <p:nvGrpSpPr>
-        <p:cNvPr id="1" name="Shape 127"/>
-        <p:cNvGrpSpPr/>
-        <p:nvPr/>
-      </p:nvGrpSpPr>
-      <p:grpSpPr>
-        <a:xfrm>
-          <a:off x="0" y="0"/>
-          <a:ext cx="0" cy="0"/>
-          <a:chOff x="0" y="0"/>
-          <a:chExt cx="0" cy="0"/>
-        </a:xfrm>
-      </p:grpSpPr>
-      <p:sp>
-        <p:nvSpPr>
-          <p:cNvPr id="128" name="Google Shape;128;p5:notes"/>
-          <p:cNvSpPr txBox="1">
-            <a:spLocks noGrp="1"/>
-          </p:cNvSpPr>
-          <p:nvPr>
-            <p:ph type="body" idx="1"/>
-          </p:nvPr>
-        </p:nvSpPr>
-        <p:spPr>
-          <a:xfrm>
-            <a:off x="685800" y="4400550"/>
-            <a:ext cx="5486400" cy="3600450"/>
-          </a:xfrm>
-          <a:prstGeom prst="rect">
-            <a:avLst/>
-          </a:prstGeom>
-        </p:spPr>
-        <p:txBody>
-          <a:bodyPr spcFirstLastPara="1" wrap="square" lIns="91425" tIns="45700" rIns="91425" bIns="45700" anchor="t" anchorCtr="0">
-            <a:noAutofit/>
-          </a:bodyPr>
-          <a:lstStyle/>
-          <a:p>
-            <a:pPr marL="0" lvl="0" indent="0" algn="l" rtl="0">
-              <a:spcBef>
-                <a:spcPts val="0"/>
-              </a:spcBef>
-              <a:spcAft>
-                <a:spcPts val="0"/>
-              </a:spcAft>
-              <a:buNone/>
-            </a:pPr>
-            <a:endParaRPr/>
-          </a:p>
-        </p:txBody>
-      </p:sp>
-      <p:sp>
-        <p:nvSpPr>
-          <p:cNvPr id="129" name="Google Shape;129;p5:notes"/>
-          <p:cNvSpPr>
-            <a:spLocks noGrp="1" noRot="1" noChangeAspect="1"/>
-          </p:cNvSpPr>
-          <p:nvPr>
-            <p:ph type="sldImg" idx="2"/>
-          </p:nvPr>
-        </p:nvSpPr>
-        <p:spPr>
-          <a:xfrm>
-            <a:off x="685800" y="1143000"/>
-            <a:ext cx="5486400" cy="3086100"/>
-          </a:xfrm>
-          <a:custGeom>
-            <a:avLst/>
-            <a:gdLst/>
-            <a:ahLst/>
-            <a:cxnLst/>
-            <a:rect l="l" t="t" r="r" b="b"/>
-            <a:pathLst>
-              <a:path w="120000" h="120000" extrusionOk="0">
-                <a:moveTo>
-                  <a:pt x="0" y="0"/>
-                </a:moveTo>
-                <a:lnTo>
-                  <a:pt x="120000" y="0"/>
-                </a:lnTo>
-                <a:lnTo>
-                  <a:pt x="120000" y="120000"/>
-                </a:lnTo>
-                <a:lnTo>
-                  <a:pt x="0" y="120000"/>
-                </a:lnTo>
-                <a:close/>
-              </a:path>
-            </a:pathLst>
-          </a:custGeom>
-        </p:spPr>
-      </p:sp>
-    </p:spTree>
-  </p:cSld>
-  <p:clrMapOvr>
-    <a:masterClrMapping/>
-  </p:clrMapOvr>
-</p:notes>
-</file>
-
-<file path=ppt/notesSlides/notesSlide40.xml><?xml version="1.0" encoding="utf-8"?>
-<p:notes xmlns:a="http://schemas.openxmlformats.org/drawingml/2006/main" xmlns:r="http://schemas.openxmlformats.org/officeDocument/2006/relationships" xmlns:p="http://schemas.openxmlformats.org/presentationml/2006/main" showMasterSp="0" showMasterPhAnim="0">
-  <p:cSld>
-    <p:spTree>
-      <p:nvGrpSpPr>
-        <p:cNvPr id="1" name="Shape 934"/>
-        <p:cNvGrpSpPr/>
-        <p:nvPr/>
-      </p:nvGrpSpPr>
-      <p:grpSpPr>
-        <a:xfrm>
-          <a:off x="0" y="0"/>
-          <a:ext cx="0" cy="0"/>
-          <a:chOff x="0" y="0"/>
-          <a:chExt cx="0" cy="0"/>
-        </a:xfrm>
-      </p:grpSpPr>
-      <p:sp>
-        <p:nvSpPr>
-          <p:cNvPr id="935" name="Google Shape;935;p41:notes"/>
-          <p:cNvSpPr txBox="1">
-            <a:spLocks noGrp="1"/>
-          </p:cNvSpPr>
-          <p:nvPr>
-            <p:ph type="body" idx="1"/>
-          </p:nvPr>
-        </p:nvSpPr>
-        <p:spPr>
-          <a:xfrm>
-            <a:off x="685800" y="4400550"/>
-            <a:ext cx="5486400" cy="3600450"/>
-          </a:xfrm>
-          <a:prstGeom prst="rect">
-            <a:avLst/>
-          </a:prstGeom>
-        </p:spPr>
-        <p:txBody>
-          <a:bodyPr spcFirstLastPara="1" wrap="square" lIns="91425" tIns="45700" rIns="91425" bIns="45700" anchor="t" anchorCtr="0">
-            <a:noAutofit/>
-          </a:bodyPr>
-          <a:lstStyle/>
-          <a:p>
-            <a:pPr marL="0" lvl="0" indent="0" algn="l" rtl="0">
-              <a:spcBef>
-                <a:spcPts val="0"/>
-              </a:spcBef>
-              <a:spcAft>
-                <a:spcPts val="0"/>
-              </a:spcAft>
-              <a:buNone/>
-            </a:pPr>
-            <a:endParaRPr/>
-          </a:p>
-        </p:txBody>
-      </p:sp>
-      <p:sp>
-        <p:nvSpPr>
-          <p:cNvPr id="936" name="Google Shape;936;p41:notes"/>
-          <p:cNvSpPr>
-            <a:spLocks noGrp="1" noRot="1" noChangeAspect="1"/>
-          </p:cNvSpPr>
-          <p:nvPr>
-            <p:ph type="sldImg" idx="2"/>
-          </p:nvPr>
-        </p:nvSpPr>
-        <p:spPr>
-          <a:xfrm>
-            <a:off x="685800" y="1143000"/>
-            <a:ext cx="5486400" cy="3086100"/>
-          </a:xfrm>
-          <a:custGeom>
-            <a:avLst/>
-            <a:gdLst/>
-            <a:ahLst/>
-            <a:cxnLst/>
-            <a:rect l="l" t="t" r="r" b="b"/>
-            <a:pathLst>
-              <a:path w="120000" h="120000" extrusionOk="0">
-                <a:moveTo>
-                  <a:pt x="0" y="0"/>
-                </a:moveTo>
-                <a:lnTo>
-                  <a:pt x="120000" y="0"/>
-                </a:lnTo>
-                <a:lnTo>
-                  <a:pt x="120000" y="120000"/>
-                </a:lnTo>
-                <a:lnTo>
-                  <a:pt x="0" y="120000"/>
-                </a:lnTo>
-                <a:close/>
-              </a:path>
-            </a:pathLst>
-          </a:custGeom>
-        </p:spPr>
-      </p:sp>
-    </p:spTree>
-  </p:cSld>
-  <p:clrMapOvr>
-    <a:masterClrMapping/>
-  </p:clrMapOvr>
-</p:notes>
-</file>
-
-<file path=ppt/notesSlides/notesSlide41.xml><?xml version="1.0" encoding="utf-8"?>
-<p:notes xmlns:a="http://schemas.openxmlformats.org/drawingml/2006/main" xmlns:r="http://schemas.openxmlformats.org/officeDocument/2006/relationships" xmlns:p="http://schemas.openxmlformats.org/presentationml/2006/main" showMasterSp="0" showMasterPhAnim="0">
-  <p:cSld>
-    <p:spTree>
-      <p:nvGrpSpPr>
-        <p:cNvPr id="1" name="Shape 1013"/>
-        <p:cNvGrpSpPr/>
-        <p:nvPr/>
-      </p:nvGrpSpPr>
-      <p:grpSpPr>
-        <a:xfrm>
-          <a:off x="0" y="0"/>
-          <a:ext cx="0" cy="0"/>
-          <a:chOff x="0" y="0"/>
-          <a:chExt cx="0" cy="0"/>
-        </a:xfrm>
-      </p:grpSpPr>
-      <p:sp>
-        <p:nvSpPr>
-          <p:cNvPr id="1014" name="Google Shape;1014;p42:notes"/>
-          <p:cNvSpPr txBox="1">
-            <a:spLocks noGrp="1"/>
-          </p:cNvSpPr>
-          <p:nvPr>
-            <p:ph type="body" idx="1"/>
-          </p:nvPr>
-        </p:nvSpPr>
-        <p:spPr>
-          <a:xfrm>
-            <a:off x="685800" y="4400550"/>
-            <a:ext cx="5486400" cy="3600450"/>
-          </a:xfrm>
-          <a:prstGeom prst="rect">
-            <a:avLst/>
-          </a:prstGeom>
-        </p:spPr>
-        <p:txBody>
-          <a:bodyPr spcFirstLastPara="1" wrap="square" lIns="91425" tIns="45700" rIns="91425" bIns="45700" anchor="t" anchorCtr="0">
-            <a:noAutofit/>
-          </a:bodyPr>
-          <a:lstStyle/>
-          <a:p>
-            <a:pPr marL="0" lvl="0" indent="0" algn="l" rtl="0">
-              <a:spcBef>
-                <a:spcPts val="0"/>
-              </a:spcBef>
-              <a:spcAft>
-                <a:spcPts val="0"/>
-              </a:spcAft>
-              <a:buNone/>
-            </a:pPr>
-            <a:endParaRPr/>
-          </a:p>
-        </p:txBody>
-      </p:sp>
-      <p:sp>
-        <p:nvSpPr>
-          <p:cNvPr id="1015" name="Google Shape;1015;p42:notes"/>
-          <p:cNvSpPr>
-            <a:spLocks noGrp="1" noRot="1" noChangeAspect="1"/>
-          </p:cNvSpPr>
-          <p:nvPr>
-            <p:ph type="sldImg" idx="2"/>
-          </p:nvPr>
-        </p:nvSpPr>
-        <p:spPr>
-          <a:xfrm>
-            <a:off x="685800" y="1143000"/>
-            <a:ext cx="5486400" cy="3086100"/>
-          </a:xfrm>
-          <a:custGeom>
-            <a:avLst/>
-            <a:gdLst/>
-            <a:ahLst/>
-            <a:cxnLst/>
-            <a:rect l="l" t="t" r="r" b="b"/>
-            <a:pathLst>
-              <a:path w="120000" h="120000" extrusionOk="0">
-                <a:moveTo>
-                  <a:pt x="0" y="0"/>
-                </a:moveTo>
-                <a:lnTo>
-                  <a:pt x="120000" y="0"/>
-                </a:lnTo>
-                <a:lnTo>
-                  <a:pt x="120000" y="120000"/>
-                </a:lnTo>
-                <a:lnTo>
-                  <a:pt x="0" y="120000"/>
-                </a:lnTo>
-                <a:close/>
-              </a:path>
-            </a:pathLst>
-          </a:custGeom>
-        </p:spPr>
       </p:sp>
     </p:spTree>
   </p:cSld>
@@ -7186,7 +6779,7 @@
   <p:cSld>
     <p:spTree>
       <p:nvGrpSpPr>
-        <p:cNvPr id="1" name="Shape 173"/>
+        <p:cNvPr id="1" name="Shape 305"/>
         <p:cNvGrpSpPr/>
         <p:nvPr/>
       </p:nvGrpSpPr>
@@ -7200,319 +6793,7 @@
       </p:grpSpPr>
       <p:sp>
         <p:nvSpPr>
-          <p:cNvPr id="174" name="Google Shape;174;p6:notes"/>
-          <p:cNvSpPr txBox="1">
-            <a:spLocks noGrp="1"/>
-          </p:cNvSpPr>
-          <p:nvPr>
-            <p:ph type="body" idx="1"/>
-          </p:nvPr>
-        </p:nvSpPr>
-        <p:spPr>
-          <a:xfrm>
-            <a:off x="685800" y="4400550"/>
-            <a:ext cx="5486400" cy="3600450"/>
-          </a:xfrm>
-          <a:prstGeom prst="rect">
-            <a:avLst/>
-          </a:prstGeom>
-        </p:spPr>
-        <p:txBody>
-          <a:bodyPr spcFirstLastPara="1" wrap="square" lIns="91425" tIns="45700" rIns="91425" bIns="45700" anchor="t" anchorCtr="0">
-            <a:noAutofit/>
-          </a:bodyPr>
-          <a:lstStyle/>
-          <a:p>
-            <a:pPr marL="0" lvl="0" indent="0" algn="l" rtl="0">
-              <a:spcBef>
-                <a:spcPts val="0"/>
-              </a:spcBef>
-              <a:spcAft>
-                <a:spcPts val="0"/>
-              </a:spcAft>
-              <a:buNone/>
-            </a:pPr>
-            <a:endParaRPr/>
-          </a:p>
-        </p:txBody>
-      </p:sp>
-      <p:sp>
-        <p:nvSpPr>
-          <p:cNvPr id="175" name="Google Shape;175;p6:notes"/>
-          <p:cNvSpPr>
-            <a:spLocks noGrp="1" noRot="1" noChangeAspect="1"/>
-          </p:cNvSpPr>
-          <p:nvPr>
-            <p:ph type="sldImg" idx="2"/>
-          </p:nvPr>
-        </p:nvSpPr>
-        <p:spPr>
-          <a:xfrm>
-            <a:off x="685800" y="1143000"/>
-            <a:ext cx="5486400" cy="3086100"/>
-          </a:xfrm>
-          <a:custGeom>
-            <a:avLst/>
-            <a:gdLst/>
-            <a:ahLst/>
-            <a:cxnLst/>
-            <a:rect l="l" t="t" r="r" b="b"/>
-            <a:pathLst>
-              <a:path w="120000" h="120000" extrusionOk="0">
-                <a:moveTo>
-                  <a:pt x="0" y="0"/>
-                </a:moveTo>
-                <a:lnTo>
-                  <a:pt x="120000" y="0"/>
-                </a:lnTo>
-                <a:lnTo>
-                  <a:pt x="120000" y="120000"/>
-                </a:lnTo>
-                <a:lnTo>
-                  <a:pt x="0" y="120000"/>
-                </a:lnTo>
-                <a:close/>
-              </a:path>
-            </a:pathLst>
-          </a:custGeom>
-        </p:spPr>
-      </p:sp>
-    </p:spTree>
-  </p:cSld>
-  <p:clrMapOvr>
-    <a:masterClrMapping/>
-  </p:clrMapOvr>
-</p:notes>
-</file>
-
-<file path=ppt/notesSlides/notesSlide6.xml><?xml version="1.0" encoding="utf-8"?>
-<p:notes xmlns:a="http://schemas.openxmlformats.org/drawingml/2006/main" xmlns:r="http://schemas.openxmlformats.org/officeDocument/2006/relationships" xmlns:p="http://schemas.openxmlformats.org/presentationml/2006/main" showMasterSp="0" showMasterPhAnim="0">
-  <p:cSld>
-    <p:spTree>
-      <p:nvGrpSpPr>
-        <p:cNvPr id="1" name="Shape 197"/>
-        <p:cNvGrpSpPr/>
-        <p:nvPr/>
-      </p:nvGrpSpPr>
-      <p:grpSpPr>
-        <a:xfrm>
-          <a:off x="0" y="0"/>
-          <a:ext cx="0" cy="0"/>
-          <a:chOff x="0" y="0"/>
-          <a:chExt cx="0" cy="0"/>
-        </a:xfrm>
-      </p:grpSpPr>
-      <p:sp>
-        <p:nvSpPr>
-          <p:cNvPr id="198" name="Google Shape;198;p7:notes"/>
-          <p:cNvSpPr txBox="1">
-            <a:spLocks noGrp="1"/>
-          </p:cNvSpPr>
-          <p:nvPr>
-            <p:ph type="body" idx="1"/>
-          </p:nvPr>
-        </p:nvSpPr>
-        <p:spPr>
-          <a:xfrm>
-            <a:off x="685800" y="4400550"/>
-            <a:ext cx="5486400" cy="3600450"/>
-          </a:xfrm>
-          <a:prstGeom prst="rect">
-            <a:avLst/>
-          </a:prstGeom>
-        </p:spPr>
-        <p:txBody>
-          <a:bodyPr spcFirstLastPara="1" wrap="square" lIns="91425" tIns="45700" rIns="91425" bIns="45700" anchor="t" anchorCtr="0">
-            <a:noAutofit/>
-          </a:bodyPr>
-          <a:lstStyle/>
-          <a:p>
-            <a:pPr marL="0" lvl="0" indent="0" algn="l" rtl="0">
-              <a:spcBef>
-                <a:spcPts val="0"/>
-              </a:spcBef>
-              <a:spcAft>
-                <a:spcPts val="0"/>
-              </a:spcAft>
-              <a:buNone/>
-            </a:pPr>
-            <a:endParaRPr/>
-          </a:p>
-        </p:txBody>
-      </p:sp>
-      <p:sp>
-        <p:nvSpPr>
-          <p:cNvPr id="199" name="Google Shape;199;p7:notes"/>
-          <p:cNvSpPr>
-            <a:spLocks noGrp="1" noRot="1" noChangeAspect="1"/>
-          </p:cNvSpPr>
-          <p:nvPr>
-            <p:ph type="sldImg" idx="2"/>
-          </p:nvPr>
-        </p:nvSpPr>
-        <p:spPr>
-          <a:xfrm>
-            <a:off x="685800" y="1143000"/>
-            <a:ext cx="5486400" cy="3086100"/>
-          </a:xfrm>
-          <a:custGeom>
-            <a:avLst/>
-            <a:gdLst/>
-            <a:ahLst/>
-            <a:cxnLst/>
-            <a:rect l="l" t="t" r="r" b="b"/>
-            <a:pathLst>
-              <a:path w="120000" h="120000" extrusionOk="0">
-                <a:moveTo>
-                  <a:pt x="0" y="0"/>
-                </a:moveTo>
-                <a:lnTo>
-                  <a:pt x="120000" y="0"/>
-                </a:lnTo>
-                <a:lnTo>
-                  <a:pt x="120000" y="120000"/>
-                </a:lnTo>
-                <a:lnTo>
-                  <a:pt x="0" y="120000"/>
-                </a:lnTo>
-                <a:close/>
-              </a:path>
-            </a:pathLst>
-          </a:custGeom>
-        </p:spPr>
-      </p:sp>
-    </p:spTree>
-  </p:cSld>
-  <p:clrMapOvr>
-    <a:masterClrMapping/>
-  </p:clrMapOvr>
-</p:notes>
-</file>
-
-<file path=ppt/notesSlides/notesSlide7.xml><?xml version="1.0" encoding="utf-8"?>
-<p:notes xmlns:a="http://schemas.openxmlformats.org/drawingml/2006/main" xmlns:r="http://schemas.openxmlformats.org/officeDocument/2006/relationships" xmlns:p="http://schemas.openxmlformats.org/presentationml/2006/main" showMasterSp="0" showMasterPhAnim="0">
-  <p:cSld>
-    <p:spTree>
-      <p:nvGrpSpPr>
-        <p:cNvPr id="1" name="Shape 218"/>
-        <p:cNvGrpSpPr/>
-        <p:nvPr/>
-      </p:nvGrpSpPr>
-      <p:grpSpPr>
-        <a:xfrm>
-          <a:off x="0" y="0"/>
-          <a:ext cx="0" cy="0"/>
-          <a:chOff x="0" y="0"/>
-          <a:chExt cx="0" cy="0"/>
-        </a:xfrm>
-      </p:grpSpPr>
-      <p:sp>
-        <p:nvSpPr>
-          <p:cNvPr id="219" name="Google Shape;219;p8:notes"/>
-          <p:cNvSpPr txBox="1">
-            <a:spLocks noGrp="1"/>
-          </p:cNvSpPr>
-          <p:nvPr>
-            <p:ph type="body" idx="1"/>
-          </p:nvPr>
-        </p:nvSpPr>
-        <p:spPr>
-          <a:xfrm>
-            <a:off x="685800" y="4400550"/>
-            <a:ext cx="5486400" cy="3600450"/>
-          </a:xfrm>
-          <a:prstGeom prst="rect">
-            <a:avLst/>
-          </a:prstGeom>
-        </p:spPr>
-        <p:txBody>
-          <a:bodyPr spcFirstLastPara="1" wrap="square" lIns="91425" tIns="45700" rIns="91425" bIns="45700" anchor="t" anchorCtr="0">
-            <a:noAutofit/>
-          </a:bodyPr>
-          <a:lstStyle/>
-          <a:p>
-            <a:pPr marL="0" lvl="0" indent="0" algn="l" rtl="0">
-              <a:spcBef>
-                <a:spcPts val="0"/>
-              </a:spcBef>
-              <a:spcAft>
-                <a:spcPts val="0"/>
-              </a:spcAft>
-              <a:buNone/>
-            </a:pPr>
-            <a:endParaRPr/>
-          </a:p>
-        </p:txBody>
-      </p:sp>
-      <p:sp>
-        <p:nvSpPr>
-          <p:cNvPr id="220" name="Google Shape;220;p8:notes"/>
-          <p:cNvSpPr>
-            <a:spLocks noGrp="1" noRot="1" noChangeAspect="1"/>
-          </p:cNvSpPr>
-          <p:nvPr>
-            <p:ph type="sldImg" idx="2"/>
-          </p:nvPr>
-        </p:nvSpPr>
-        <p:spPr>
-          <a:xfrm>
-            <a:off x="685800" y="1143000"/>
-            <a:ext cx="5486400" cy="3086100"/>
-          </a:xfrm>
-          <a:custGeom>
-            <a:avLst/>
-            <a:gdLst/>
-            <a:ahLst/>
-            <a:cxnLst/>
-            <a:rect l="l" t="t" r="r" b="b"/>
-            <a:pathLst>
-              <a:path w="120000" h="120000" extrusionOk="0">
-                <a:moveTo>
-                  <a:pt x="0" y="0"/>
-                </a:moveTo>
-                <a:lnTo>
-                  <a:pt x="120000" y="0"/>
-                </a:lnTo>
-                <a:lnTo>
-                  <a:pt x="120000" y="120000"/>
-                </a:lnTo>
-                <a:lnTo>
-                  <a:pt x="0" y="120000"/>
-                </a:lnTo>
-                <a:close/>
-              </a:path>
-            </a:pathLst>
-          </a:custGeom>
-        </p:spPr>
-      </p:sp>
-    </p:spTree>
-  </p:cSld>
-  <p:clrMapOvr>
-    <a:masterClrMapping/>
-  </p:clrMapOvr>
-</p:notes>
-</file>
-
-<file path=ppt/notesSlides/notesSlide8.xml><?xml version="1.0" encoding="utf-8"?>
-<p:notes xmlns:a="http://schemas.openxmlformats.org/drawingml/2006/main" xmlns:r="http://schemas.openxmlformats.org/officeDocument/2006/relationships" xmlns:p="http://schemas.openxmlformats.org/presentationml/2006/main" showMasterSp="0" showMasterPhAnim="0">
-  <p:cSld>
-    <p:spTree>
-      <p:nvGrpSpPr>
-        <p:cNvPr id="1" name="Shape 240"/>
-        <p:cNvGrpSpPr/>
-        <p:nvPr/>
-      </p:nvGrpSpPr>
-      <p:grpSpPr>
-        <a:xfrm>
-          <a:off x="0" y="0"/>
-          <a:ext cx="0" cy="0"/>
-          <a:chOff x="0" y="0"/>
-          <a:chExt cx="0" cy="0"/>
-        </a:xfrm>
-      </p:grpSpPr>
-      <p:sp>
-        <p:nvSpPr>
-          <p:cNvPr id="241" name="Google Shape;241;p9:notes"/>
+          <p:cNvPr id="306" name="Google Shape;306;p10:notes"/>
           <p:cNvSpPr>
             <a:spLocks noGrp="1" noRot="1" noChangeAspect="1"/>
           </p:cNvSpPr>
@@ -7563,7 +6844,7 @@
       </p:sp>
       <p:sp>
         <p:nvSpPr>
-          <p:cNvPr id="242" name="Google Shape;242;p9:notes"/>
+          <p:cNvPr id="307" name="Google Shape;307;p10:notes"/>
           <p:cNvSpPr txBox="1">
             <a:spLocks noGrp="1"/>
           </p:cNvSpPr>
@@ -7599,17 +6880,13 @@
               </a:spcAft>
               <a:buNone/>
             </a:pPr>
-            <a:r>
-              <a:rPr lang="en-US"/>
-              <a:t>Swap: market seg and organize clusters</a:t>
-            </a:r>
             <a:endParaRPr/>
           </a:p>
         </p:txBody>
       </p:sp>
       <p:sp>
         <p:nvSpPr>
-          <p:cNvPr id="243" name="Google Shape;243;p9:notes"/>
+          <p:cNvPr id="308" name="Google Shape;308;p10:notes"/>
           <p:cNvSpPr txBox="1">
             <a:spLocks noGrp="1"/>
           </p:cNvSpPr>
@@ -7661,12 +6938,12 @@
 </p:notes>
 </file>
 
-<file path=ppt/notesSlides/notesSlide9.xml><?xml version="1.0" encoding="utf-8"?>
+<file path=ppt/notesSlides/notesSlide6.xml><?xml version="1.0" encoding="utf-8"?>
 <p:notes xmlns:a="http://schemas.openxmlformats.org/drawingml/2006/main" xmlns:r="http://schemas.openxmlformats.org/officeDocument/2006/relationships" xmlns:p="http://schemas.openxmlformats.org/presentationml/2006/main" showMasterSp="0" showMasterPhAnim="0">
   <p:cSld>
     <p:spTree>
       <p:nvGrpSpPr>
-        <p:cNvPr id="1" name="Shape 305"/>
+        <p:cNvPr id="1" name="Shape 312"/>
         <p:cNvGrpSpPr/>
         <p:nvPr/>
       </p:nvGrpSpPr>
@@ -7680,7 +6957,45 @@
       </p:grpSpPr>
       <p:sp>
         <p:nvSpPr>
-          <p:cNvPr id="306" name="Google Shape;306;p10:notes"/>
+          <p:cNvPr id="313" name="Google Shape;313;p11:notes"/>
+          <p:cNvSpPr txBox="1">
+            <a:spLocks noGrp="1"/>
+          </p:cNvSpPr>
+          <p:nvPr>
+            <p:ph type="body" idx="1"/>
+          </p:nvPr>
+        </p:nvSpPr>
+        <p:spPr>
+          <a:xfrm>
+            <a:off x="685800" y="4400550"/>
+            <a:ext cx="5486400" cy="3600450"/>
+          </a:xfrm>
+          <a:prstGeom prst="rect">
+            <a:avLst/>
+          </a:prstGeom>
+        </p:spPr>
+        <p:txBody>
+          <a:bodyPr spcFirstLastPara="1" wrap="square" lIns="91425" tIns="45700" rIns="91425" bIns="45700" anchor="t" anchorCtr="0">
+            <a:noAutofit/>
+          </a:bodyPr>
+          <a:lstStyle/>
+          <a:p>
+            <a:pPr marL="0" lvl="0" indent="0" algn="l" rtl="0">
+              <a:spcBef>
+                <a:spcPts val="0"/>
+              </a:spcBef>
+              <a:spcAft>
+                <a:spcPts val="0"/>
+              </a:spcAft>
+              <a:buNone/>
+            </a:pPr>
+            <a:endParaRPr/>
+          </a:p>
+        </p:txBody>
+      </p:sp>
+      <p:sp>
+        <p:nvSpPr>
+          <p:cNvPr id="314" name="Google Shape;314;p11:notes"/>
           <p:cNvSpPr>
             <a:spLocks noGrp="1" noRot="1" noChangeAspect="1"/>
           </p:cNvSpPr>
@@ -7717,21 +7032,36 @@
               </a:path>
             </a:pathLst>
           </a:custGeom>
-          <a:noFill/>
-          <a:ln w="12700" cap="flat" cmpd="sng">
-            <a:solidFill>
-              <a:srgbClr val="000000"/>
-            </a:solidFill>
-            <a:prstDash val="solid"/>
-            <a:round/>
-            <a:headEnd type="none" w="sm" len="sm"/>
-            <a:tailEnd type="none" w="sm" len="sm"/>
-          </a:ln>
-        </p:spPr>
-      </p:sp>
-      <p:sp>
-        <p:nvSpPr>
-          <p:cNvPr id="307" name="Google Shape;307;p10:notes"/>
+        </p:spPr>
+      </p:sp>
+    </p:spTree>
+  </p:cSld>
+  <p:clrMapOvr>
+    <a:masterClrMapping/>
+  </p:clrMapOvr>
+</p:notes>
+</file>
+
+<file path=ppt/notesSlides/notesSlide7.xml><?xml version="1.0" encoding="utf-8"?>
+<p:notes xmlns:a="http://schemas.openxmlformats.org/drawingml/2006/main" xmlns:r="http://schemas.openxmlformats.org/officeDocument/2006/relationships" xmlns:p="http://schemas.openxmlformats.org/presentationml/2006/main" showMasterSp="0" showMasterPhAnim="0">
+  <p:cSld>
+    <p:spTree>
+      <p:nvGrpSpPr>
+        <p:cNvPr id="1" name="Shape 318"/>
+        <p:cNvGrpSpPr/>
+        <p:nvPr/>
+      </p:nvGrpSpPr>
+      <p:grpSpPr>
+        <a:xfrm>
+          <a:off x="0" y="0"/>
+          <a:ext cx="0" cy="0"/>
+          <a:chOff x="0" y="0"/>
+          <a:chExt cx="0" cy="0"/>
+        </a:xfrm>
+      </p:grpSpPr>
+      <p:sp>
+        <p:nvSpPr>
+          <p:cNvPr id="319" name="Google Shape;319;p12:notes"/>
           <p:cNvSpPr txBox="1">
             <a:spLocks noGrp="1"/>
           </p:cNvSpPr>
@@ -7747,10 +7077,6 @@
           <a:prstGeom prst="rect">
             <a:avLst/>
           </a:prstGeom>
-          <a:noFill/>
-          <a:ln>
-            <a:noFill/>
-          </a:ln>
         </p:spPr>
         <p:txBody>
           <a:bodyPr spcFirstLastPara="1" wrap="square" lIns="91425" tIns="45700" rIns="91425" bIns="45700" anchor="t" anchorCtr="0">
@@ -7773,34 +7099,96 @@
       </p:sp>
       <p:sp>
         <p:nvSpPr>
-          <p:cNvPr id="308" name="Google Shape;308;p10:notes"/>
+          <p:cNvPr id="320" name="Google Shape;320;p12:notes"/>
+          <p:cNvSpPr>
+            <a:spLocks noGrp="1" noRot="1" noChangeAspect="1"/>
+          </p:cNvSpPr>
+          <p:nvPr>
+            <p:ph type="sldImg" idx="2"/>
+          </p:nvPr>
+        </p:nvSpPr>
+        <p:spPr>
+          <a:xfrm>
+            <a:off x="685800" y="1143000"/>
+            <a:ext cx="5486400" cy="3086100"/>
+          </a:xfrm>
+          <a:custGeom>
+            <a:avLst/>
+            <a:gdLst/>
+            <a:ahLst/>
+            <a:cxnLst/>
+            <a:rect l="l" t="t" r="r" b="b"/>
+            <a:pathLst>
+              <a:path w="120000" h="120000" extrusionOk="0">
+                <a:moveTo>
+                  <a:pt x="0" y="0"/>
+                </a:moveTo>
+                <a:lnTo>
+                  <a:pt x="120000" y="0"/>
+                </a:lnTo>
+                <a:lnTo>
+                  <a:pt x="120000" y="120000"/>
+                </a:lnTo>
+                <a:lnTo>
+                  <a:pt x="0" y="120000"/>
+                </a:lnTo>
+                <a:close/>
+              </a:path>
+            </a:pathLst>
+          </a:custGeom>
+        </p:spPr>
+      </p:sp>
+    </p:spTree>
+  </p:cSld>
+  <p:clrMapOvr>
+    <a:masterClrMapping/>
+  </p:clrMapOvr>
+</p:notes>
+</file>
+
+<file path=ppt/notesSlides/notesSlide8.xml><?xml version="1.0" encoding="utf-8"?>
+<p:notes xmlns:a="http://schemas.openxmlformats.org/drawingml/2006/main" xmlns:r="http://schemas.openxmlformats.org/officeDocument/2006/relationships" xmlns:p="http://schemas.openxmlformats.org/presentationml/2006/main" showMasterSp="0" showMasterPhAnim="0">
+  <p:cSld>
+    <p:spTree>
+      <p:nvGrpSpPr>
+        <p:cNvPr id="1" name="Shape 324"/>
+        <p:cNvGrpSpPr/>
+        <p:nvPr/>
+      </p:nvGrpSpPr>
+      <p:grpSpPr>
+        <a:xfrm>
+          <a:off x="0" y="0"/>
+          <a:ext cx="0" cy="0"/>
+          <a:chOff x="0" y="0"/>
+          <a:chExt cx="0" cy="0"/>
+        </a:xfrm>
+      </p:grpSpPr>
+      <p:sp>
+        <p:nvSpPr>
+          <p:cNvPr id="325" name="Google Shape;325;p13:notes"/>
           <p:cNvSpPr txBox="1">
             <a:spLocks noGrp="1"/>
           </p:cNvSpPr>
           <p:nvPr>
-            <p:ph type="sldNum" idx="12"/>
+            <p:ph type="body" idx="1"/>
           </p:nvPr>
         </p:nvSpPr>
         <p:spPr>
           <a:xfrm>
-            <a:off x="3884613" y="8685213"/>
-            <a:ext cx="2971800" cy="458787"/>
+            <a:off x="685800" y="4400550"/>
+            <a:ext cx="5486400" cy="3600450"/>
           </a:xfrm>
           <a:prstGeom prst="rect">
             <a:avLst/>
           </a:prstGeom>
-          <a:noFill/>
-          <a:ln>
-            <a:noFill/>
-          </a:ln>
         </p:spPr>
         <p:txBody>
-          <a:bodyPr spcFirstLastPara="1" wrap="square" lIns="91425" tIns="45700" rIns="91425" bIns="45700" anchor="b" anchorCtr="0">
+          <a:bodyPr spcFirstLastPara="1" wrap="square" lIns="91425" tIns="45700" rIns="91425" bIns="45700" anchor="t" anchorCtr="0">
             <a:noAutofit/>
           </a:bodyPr>
           <a:lstStyle/>
           <a:p>
-            <a:pPr marL="0" lvl="0" indent="0" algn="r" rtl="0">
+            <a:pPr marL="0" lvl="0" indent="0" algn="l" rtl="0">
               <a:spcBef>
                 <a:spcPts val="0"/>
               </a:spcBef>
@@ -7809,13 +7197,154 @@
               </a:spcAft>
               <a:buNone/>
             </a:pPr>
-            <a:fld id="{00000000-1234-1234-1234-123412341234}" type="slidenum">
-              <a:rPr lang="en-US"/>
-              <a:t>9</a:t>
-            </a:fld>
             <a:endParaRPr/>
           </a:p>
         </p:txBody>
+      </p:sp>
+      <p:sp>
+        <p:nvSpPr>
+          <p:cNvPr id="326" name="Google Shape;326;p13:notes"/>
+          <p:cNvSpPr>
+            <a:spLocks noGrp="1" noRot="1" noChangeAspect="1"/>
+          </p:cNvSpPr>
+          <p:nvPr>
+            <p:ph type="sldImg" idx="2"/>
+          </p:nvPr>
+        </p:nvSpPr>
+        <p:spPr>
+          <a:xfrm>
+            <a:off x="685800" y="1143000"/>
+            <a:ext cx="5486400" cy="3086100"/>
+          </a:xfrm>
+          <a:custGeom>
+            <a:avLst/>
+            <a:gdLst/>
+            <a:ahLst/>
+            <a:cxnLst/>
+            <a:rect l="l" t="t" r="r" b="b"/>
+            <a:pathLst>
+              <a:path w="120000" h="120000" extrusionOk="0">
+                <a:moveTo>
+                  <a:pt x="0" y="0"/>
+                </a:moveTo>
+                <a:lnTo>
+                  <a:pt x="120000" y="0"/>
+                </a:lnTo>
+                <a:lnTo>
+                  <a:pt x="120000" y="120000"/>
+                </a:lnTo>
+                <a:lnTo>
+                  <a:pt x="0" y="120000"/>
+                </a:lnTo>
+                <a:close/>
+              </a:path>
+            </a:pathLst>
+          </a:custGeom>
+        </p:spPr>
+      </p:sp>
+    </p:spTree>
+  </p:cSld>
+  <p:clrMapOvr>
+    <a:masterClrMapping/>
+  </p:clrMapOvr>
+</p:notes>
+</file>
+
+<file path=ppt/notesSlides/notesSlide9.xml><?xml version="1.0" encoding="utf-8"?>
+<p:notes xmlns:a="http://schemas.openxmlformats.org/drawingml/2006/main" xmlns:r="http://schemas.openxmlformats.org/officeDocument/2006/relationships" xmlns:p="http://schemas.openxmlformats.org/presentationml/2006/main" showMasterSp="0" showMasterPhAnim="0">
+  <p:cSld>
+    <p:spTree>
+      <p:nvGrpSpPr>
+        <p:cNvPr id="1" name="Shape 335"/>
+        <p:cNvGrpSpPr/>
+        <p:nvPr/>
+      </p:nvGrpSpPr>
+      <p:grpSpPr>
+        <a:xfrm>
+          <a:off x="0" y="0"/>
+          <a:ext cx="0" cy="0"/>
+          <a:chOff x="0" y="0"/>
+          <a:chExt cx="0" cy="0"/>
+        </a:xfrm>
+      </p:grpSpPr>
+      <p:sp>
+        <p:nvSpPr>
+          <p:cNvPr id="336" name="Google Shape;336;p14:notes"/>
+          <p:cNvSpPr txBox="1">
+            <a:spLocks noGrp="1"/>
+          </p:cNvSpPr>
+          <p:nvPr>
+            <p:ph type="body" idx="1"/>
+          </p:nvPr>
+        </p:nvSpPr>
+        <p:spPr>
+          <a:xfrm>
+            <a:off x="685800" y="4400550"/>
+            <a:ext cx="5486400" cy="3600450"/>
+          </a:xfrm>
+          <a:prstGeom prst="rect">
+            <a:avLst/>
+          </a:prstGeom>
+        </p:spPr>
+        <p:txBody>
+          <a:bodyPr spcFirstLastPara="1" wrap="square" lIns="91425" tIns="45700" rIns="91425" bIns="45700" anchor="t" anchorCtr="0">
+            <a:noAutofit/>
+          </a:bodyPr>
+          <a:lstStyle/>
+          <a:p>
+            <a:pPr marL="0" lvl="0" indent="0" algn="l" rtl="0">
+              <a:spcBef>
+                <a:spcPts val="0"/>
+              </a:spcBef>
+              <a:spcAft>
+                <a:spcPts val="0"/>
+              </a:spcAft>
+              <a:buNone/>
+            </a:pPr>
+            <a:endParaRPr/>
+          </a:p>
+        </p:txBody>
+      </p:sp>
+      <p:sp>
+        <p:nvSpPr>
+          <p:cNvPr id="337" name="Google Shape;337;p14:notes"/>
+          <p:cNvSpPr>
+            <a:spLocks noGrp="1" noRot="1" noChangeAspect="1"/>
+          </p:cNvSpPr>
+          <p:nvPr>
+            <p:ph type="sldImg" idx="2"/>
+          </p:nvPr>
+        </p:nvSpPr>
+        <p:spPr>
+          <a:xfrm>
+            <a:off x="685800" y="1143000"/>
+            <a:ext cx="5486400" cy="3086100"/>
+          </a:xfrm>
+          <a:custGeom>
+            <a:avLst/>
+            <a:gdLst/>
+            <a:ahLst/>
+            <a:cxnLst/>
+            <a:rect l="l" t="t" r="r" b="b"/>
+            <a:pathLst>
+              <a:path w="120000" h="120000" extrusionOk="0">
+                <a:moveTo>
+                  <a:pt x="0" y="0"/>
+                </a:moveTo>
+                <a:lnTo>
+                  <a:pt x="120000" y="0"/>
+                </a:lnTo>
+                <a:lnTo>
+                  <a:pt x="120000" y="120000"/>
+                </a:lnTo>
+                <a:lnTo>
+                  <a:pt x="0" y="120000"/>
+                </a:lnTo>
+                <a:close/>
+              </a:path>
+            </a:pathLst>
+          </a:custGeom>
+        </p:spPr>
       </p:sp>
     </p:spTree>
   </p:cSld>
@@ -10036,6 +9565,226 @@
         </p:txBody>
       </p:sp>
     </p:spTree>
+  </p:cSld>
+  <p:clrMapOvr>
+    <a:masterClrMapping/>
+  </p:clrMapOvr>
+</p:sldLayout>
+</file>
+
+<file path=ppt/slideLayouts/slideLayout12.xml><?xml version="1.0" encoding="utf-8"?>
+<p:sldLayout xmlns:a="http://schemas.openxmlformats.org/drawingml/2006/main" xmlns:r="http://schemas.openxmlformats.org/officeDocument/2006/relationships" xmlns:p="http://schemas.openxmlformats.org/presentationml/2006/main" type="title">
+  <p:cSld name="Title Slide">
+    <p:spTree>
+      <p:nvGrpSpPr>
+        <p:cNvPr id="1" name=""/>
+        <p:cNvGrpSpPr/>
+        <p:nvPr/>
+      </p:nvGrpSpPr>
+      <p:grpSpPr>
+        <a:xfrm>
+          <a:off x="0" y="0"/>
+          <a:ext cx="0" cy="0"/>
+          <a:chOff x="0" y="0"/>
+          <a:chExt cx="0" cy="0"/>
+        </a:xfrm>
+      </p:grpSpPr>
+      <p:sp>
+        <p:nvSpPr>
+          <p:cNvPr id="2" name="Title 1">
+            <a:extLst>
+              <a:ext uri="{FF2B5EF4-FFF2-40B4-BE49-F238E27FC236}">
+                <a16:creationId xmlns:a16="http://schemas.microsoft.com/office/drawing/2014/main" id="{F44FFC70-667C-474B-9C86-A5CA27EFEBEE}"/>
+              </a:ext>
+            </a:extLst>
+          </p:cNvPr>
+          <p:cNvSpPr>
+            <a:spLocks noGrp="1"/>
+          </p:cNvSpPr>
+          <p:nvPr>
+            <p:ph type="ctrTitle"/>
+          </p:nvPr>
+        </p:nvSpPr>
+        <p:spPr>
+          <a:xfrm>
+            <a:off x="1524000" y="1122363"/>
+            <a:ext cx="9144000" cy="2387600"/>
+          </a:xfrm>
+        </p:spPr>
+        <p:txBody>
+          <a:bodyPr anchor="b"/>
+          <a:lstStyle>
+            <a:lvl1pPr algn="ctr">
+              <a:defRPr sz="6000"/>
+            </a:lvl1pPr>
+          </a:lstStyle>
+          <a:p>
+            <a:r>
+              <a:rPr lang="en-US"/>
+              <a:t>Click to edit Master title style</a:t>
+            </a:r>
+          </a:p>
+        </p:txBody>
+      </p:sp>
+      <p:sp>
+        <p:nvSpPr>
+          <p:cNvPr id="3" name="Subtitle 2">
+            <a:extLst>
+              <a:ext uri="{FF2B5EF4-FFF2-40B4-BE49-F238E27FC236}">
+                <a16:creationId xmlns:a16="http://schemas.microsoft.com/office/drawing/2014/main" id="{E794E0E7-5065-457D-9E95-A09488550FA6}"/>
+              </a:ext>
+            </a:extLst>
+          </p:cNvPr>
+          <p:cNvSpPr>
+            <a:spLocks noGrp="1"/>
+          </p:cNvSpPr>
+          <p:nvPr>
+            <p:ph type="subTitle" idx="1"/>
+          </p:nvPr>
+        </p:nvSpPr>
+        <p:spPr>
+          <a:xfrm>
+            <a:off x="1524000" y="3602038"/>
+            <a:ext cx="9144000" cy="1655762"/>
+          </a:xfrm>
+        </p:spPr>
+        <p:txBody>
+          <a:bodyPr/>
+          <a:lstStyle>
+            <a:lvl1pPr marL="0" indent="0" algn="ctr">
+              <a:buNone/>
+              <a:defRPr sz="2400"/>
+            </a:lvl1pPr>
+            <a:lvl2pPr marL="457200" indent="0" algn="ctr">
+              <a:buNone/>
+              <a:defRPr sz="2000"/>
+            </a:lvl2pPr>
+            <a:lvl3pPr marL="914400" indent="0" algn="ctr">
+              <a:buNone/>
+              <a:defRPr sz="1800"/>
+            </a:lvl3pPr>
+            <a:lvl4pPr marL="1371600" indent="0" algn="ctr">
+              <a:buNone/>
+              <a:defRPr sz="1600"/>
+            </a:lvl4pPr>
+            <a:lvl5pPr marL="1828800" indent="0" algn="ctr">
+              <a:buNone/>
+              <a:defRPr sz="1600"/>
+            </a:lvl5pPr>
+            <a:lvl6pPr marL="2286000" indent="0" algn="ctr">
+              <a:buNone/>
+              <a:defRPr sz="1600"/>
+            </a:lvl6pPr>
+            <a:lvl7pPr marL="2743200" indent="0" algn="ctr">
+              <a:buNone/>
+              <a:defRPr sz="1600"/>
+            </a:lvl7pPr>
+            <a:lvl8pPr marL="3200400" indent="0" algn="ctr">
+              <a:buNone/>
+              <a:defRPr sz="1600"/>
+            </a:lvl8pPr>
+            <a:lvl9pPr marL="3657600" indent="0" algn="ctr">
+              <a:buNone/>
+              <a:defRPr sz="1600"/>
+            </a:lvl9pPr>
+          </a:lstStyle>
+          <a:p>
+            <a:r>
+              <a:rPr lang="en-US"/>
+              <a:t>Click to edit Master subtitle style</a:t>
+            </a:r>
+          </a:p>
+        </p:txBody>
+      </p:sp>
+      <p:sp>
+        <p:nvSpPr>
+          <p:cNvPr id="4" name="Date Placeholder 3">
+            <a:extLst>
+              <a:ext uri="{FF2B5EF4-FFF2-40B4-BE49-F238E27FC236}">
+                <a16:creationId xmlns:a16="http://schemas.microsoft.com/office/drawing/2014/main" id="{4D326FC5-A3F7-4794-8C01-463056C130B5}"/>
+              </a:ext>
+            </a:extLst>
+          </p:cNvPr>
+          <p:cNvSpPr>
+            <a:spLocks noGrp="1"/>
+          </p:cNvSpPr>
+          <p:nvPr>
+            <p:ph type="dt" sz="half" idx="10"/>
+          </p:nvPr>
+        </p:nvSpPr>
+        <p:spPr/>
+        <p:txBody>
+          <a:bodyPr/>
+          <a:lstStyle/>
+          <a:p>
+            <a:fld id="{D788A639-B81C-4455-ABEE-AAB245CF3941}" type="datetimeFigureOut">
+              <a:rPr lang="en-US" smtClean="0"/>
+              <a:t>3/28/2023</a:t>
+            </a:fld>
+            <a:endParaRPr lang="en-US"/>
+          </a:p>
+        </p:txBody>
+      </p:sp>
+      <p:sp>
+        <p:nvSpPr>
+          <p:cNvPr id="5" name="Footer Placeholder 4">
+            <a:extLst>
+              <a:ext uri="{FF2B5EF4-FFF2-40B4-BE49-F238E27FC236}">
+                <a16:creationId xmlns:a16="http://schemas.microsoft.com/office/drawing/2014/main" id="{824C3CA9-7547-4646-8213-A7CC90454861}"/>
+              </a:ext>
+            </a:extLst>
+          </p:cNvPr>
+          <p:cNvSpPr>
+            <a:spLocks noGrp="1"/>
+          </p:cNvSpPr>
+          <p:nvPr>
+            <p:ph type="ftr" sz="quarter" idx="11"/>
+          </p:nvPr>
+        </p:nvSpPr>
+        <p:spPr/>
+        <p:txBody>
+          <a:bodyPr/>
+          <a:lstStyle/>
+          <a:p>
+            <a:endParaRPr lang="en-US"/>
+          </a:p>
+        </p:txBody>
+      </p:sp>
+      <p:sp>
+        <p:nvSpPr>
+          <p:cNvPr id="6" name="Slide Number Placeholder 5">
+            <a:extLst>
+              <a:ext uri="{FF2B5EF4-FFF2-40B4-BE49-F238E27FC236}">
+                <a16:creationId xmlns:a16="http://schemas.microsoft.com/office/drawing/2014/main" id="{71D981F7-121A-4A7B-965C-75F6FADE27E4}"/>
+              </a:ext>
+            </a:extLst>
+          </p:cNvPr>
+          <p:cNvSpPr>
+            <a:spLocks noGrp="1"/>
+          </p:cNvSpPr>
+          <p:nvPr>
+            <p:ph type="sldNum" sz="quarter" idx="12"/>
+          </p:nvPr>
+        </p:nvSpPr>
+        <p:spPr/>
+        <p:txBody>
+          <a:bodyPr/>
+          <a:lstStyle/>
+          <a:p>
+            <a:fld id="{446CEE99-5670-4641-9E2E-2B4F393ADF7E}" type="slidenum">
+              <a:rPr lang="en-US" smtClean="0"/>
+              <a:t>‹#›</a:t>
+            </a:fld>
+            <a:endParaRPr lang="en-US"/>
+          </a:p>
+        </p:txBody>
+      </p:sp>
+    </p:spTree>
+    <p:extLst>
+      <p:ext uri="{BB962C8B-B14F-4D97-AF65-F5344CB8AC3E}">
+        <p14:creationId xmlns:p14="http://schemas.microsoft.com/office/powerpoint/2010/main" val="689056467"/>
+      </p:ext>
+    </p:extLst>
   </p:cSld>
   <p:clrMapOvr>
     <a:masterClrMapping/>
@@ -16653,6 +16402,7 @@
     <p:sldLayoutId id="2147483658" r:id="rId9"/>
     <p:sldLayoutId id="2147483659" r:id="rId10"/>
     <p:sldLayoutId id="2147483660" r:id="rId11"/>
+    <p:sldLayoutId id="2147483661" r:id="rId12"/>
   </p:sldLayoutIdLst>
   <p:hf sldNum="0" hdr="0" ftr="0" dt="0"/>
   <p:txStyles>
@@ -17352,7 +17102,7 @@
   <p:cSld>
     <p:spTree>
       <p:nvGrpSpPr>
-        <p:cNvPr id="1" name="Shape 95"/>
+        <p:cNvPr id="1" name=""/>
         <p:cNvGrpSpPr/>
         <p:nvPr/>
       </p:nvGrpSpPr>
@@ -17364,418 +17114,12 @@
           <a:chExt cx="0" cy="0"/>
         </a:xfrm>
       </p:grpSpPr>
-      <p:sp>
-        <p:nvSpPr>
-          <p:cNvPr id="96" name="Google Shape;96;p2"/>
-          <p:cNvSpPr txBox="1">
-            <a:spLocks noGrp="1"/>
-          </p:cNvSpPr>
-          <p:nvPr>
-            <p:ph type="title"/>
-          </p:nvPr>
-        </p:nvSpPr>
-        <p:spPr>
-          <a:xfrm>
-            <a:off x="985239" y="3033599"/>
-            <a:ext cx="10515600" cy="910814"/>
-          </a:xfrm>
-          <a:prstGeom prst="rect">
-            <a:avLst/>
-          </a:prstGeom>
-          <a:noFill/>
-          <a:ln>
-            <a:noFill/>
-          </a:ln>
-        </p:spPr>
-        <p:txBody>
-          <a:bodyPr spcFirstLastPara="1" wrap="square" lIns="91425" tIns="45700" rIns="91425" bIns="45700" anchor="b" anchorCtr="0">
-            <a:noAutofit/>
-          </a:bodyPr>
-          <a:lstStyle/>
-          <a:p>
-            <a:pPr algn="l"/>
-            <a:r>
-              <a:rPr lang="en-US" sz="3600" b="0" i="0" dirty="0">
-                <a:solidFill>
-                  <a:srgbClr val="212121"/>
-                </a:solidFill>
-                <a:effectLst/>
-                <a:latin typeface="Roboto" panose="02000000000000000000" pitchFamily="2" charset="0"/>
-              </a:rPr>
-              <a:t>AI/ML for Healthcare Applications : </a:t>
-            </a:r>
-            <a:br>
-              <a:rPr lang="en-US" sz="3600" b="0" i="0" dirty="0">
-                <a:solidFill>
-                  <a:srgbClr val="212121"/>
-                </a:solidFill>
-                <a:effectLst/>
-                <a:latin typeface="Roboto" panose="02000000000000000000" pitchFamily="2" charset="0"/>
-              </a:rPr>
-            </a:br>
-            <a:r>
-              <a:rPr lang="en-US" sz="3600" b="0" i="0" dirty="0">
-                <a:solidFill>
-                  <a:srgbClr val="212121"/>
-                </a:solidFill>
-                <a:effectLst/>
-                <a:latin typeface="Roboto" panose="02000000000000000000" pitchFamily="2" charset="0"/>
-              </a:rPr>
-              <a:t>Lab 2 Unsupervised Learning: K-means Clustering</a:t>
-            </a:r>
-          </a:p>
-        </p:txBody>
-      </p:sp>
-      <p:sp>
-        <p:nvSpPr>
-          <p:cNvPr id="97" name="Google Shape;97;p2"/>
-          <p:cNvSpPr txBox="1">
-            <a:spLocks noGrp="1"/>
-          </p:cNvSpPr>
-          <p:nvPr>
-            <p:ph type="body" idx="1"/>
-          </p:nvPr>
-        </p:nvSpPr>
-        <p:spPr>
-          <a:xfrm>
-            <a:off x="831850" y="4589463"/>
-            <a:ext cx="10515600" cy="1500187"/>
-          </a:xfrm>
-          <a:prstGeom prst="rect">
-            <a:avLst/>
-          </a:prstGeom>
-          <a:noFill/>
-          <a:ln>
-            <a:noFill/>
-          </a:ln>
-        </p:spPr>
-        <p:txBody>
-          <a:bodyPr spcFirstLastPara="1" wrap="square" lIns="91425" tIns="45700" rIns="91425" bIns="45700" anchor="t" anchorCtr="0">
-            <a:normAutofit/>
-          </a:bodyPr>
-          <a:lstStyle/>
-          <a:p>
-            <a:pPr marL="0" lvl="0" indent="0" algn="l" rtl="0">
-              <a:lnSpc>
-                <a:spcPct val="90000"/>
-              </a:lnSpc>
-              <a:spcBef>
-                <a:spcPts val="0"/>
-              </a:spcBef>
-              <a:spcAft>
-                <a:spcPts val="0"/>
-              </a:spcAft>
-              <a:buClr>
-                <a:srgbClr val="888888"/>
-              </a:buClr>
-              <a:buSzPts val="2400"/>
-              <a:buNone/>
-            </a:pPr>
-            <a:r>
-              <a:rPr lang="en-US"/>
-              <a:t>Learning without labels</a:t>
-            </a:r>
-            <a:endParaRPr/>
-          </a:p>
-        </p:txBody>
-      </p:sp>
-      <p:sp>
-        <p:nvSpPr>
-          <p:cNvPr id="2" name="Google Shape;90;p1">
+      <p:pic>
+        <p:nvPicPr>
+          <p:cNvPr id="5" name="Picture 4">
             <a:extLst>
               <a:ext uri="{FF2B5EF4-FFF2-40B4-BE49-F238E27FC236}">
-                <a16:creationId xmlns:a16="http://schemas.microsoft.com/office/drawing/2014/main" id="{2946B6ED-FF43-66D0-6CBA-9948E8F71797}"/>
-              </a:ext>
-            </a:extLst>
-          </p:cNvPr>
-          <p:cNvSpPr txBox="1">
-            <a:spLocks/>
-          </p:cNvSpPr>
-          <p:nvPr/>
-        </p:nvSpPr>
-        <p:spPr>
-          <a:xfrm>
-            <a:off x="-2471057" y="5446259"/>
-            <a:ext cx="9144000" cy="643391"/>
-          </a:xfrm>
-          <a:prstGeom prst="rect">
-            <a:avLst/>
-          </a:prstGeom>
-          <a:noFill/>
-          <a:ln>
-            <a:noFill/>
-          </a:ln>
-        </p:spPr>
-        <p:txBody>
-          <a:bodyPr spcFirstLastPara="1" wrap="square" lIns="91425" tIns="45700" rIns="91425" bIns="45700" anchor="t" anchorCtr="0">
-            <a:normAutofit/>
-          </a:bodyPr>
-          <a:lstStyle>
-            <a:defPPr marR="0" lvl="0" algn="l" rtl="0">
-              <a:lnSpc>
-                <a:spcPct val="100000"/>
-              </a:lnSpc>
-              <a:spcBef>
-                <a:spcPts val="0"/>
-              </a:spcBef>
-              <a:spcAft>
-                <a:spcPts val="0"/>
-              </a:spcAft>
-            </a:defPPr>
-            <a:lvl1pPr marL="457200" marR="0" lvl="0" indent="-228600" algn="l" rtl="0">
-              <a:lnSpc>
-                <a:spcPct val="90000"/>
-              </a:lnSpc>
-              <a:spcBef>
-                <a:spcPts val="1000"/>
-              </a:spcBef>
-              <a:spcAft>
-                <a:spcPts val="0"/>
-              </a:spcAft>
-              <a:buClr>
-                <a:srgbClr val="888888"/>
-              </a:buClr>
-              <a:buSzPts val="2400"/>
-              <a:buFont typeface="Arial"/>
-              <a:buNone/>
-              <a:defRPr sz="2400" b="0" i="0" u="none" strike="noStrike" cap="none">
-                <a:solidFill>
-                  <a:srgbClr val="888888"/>
-                </a:solidFill>
-                <a:latin typeface="Calibri"/>
-                <a:ea typeface="Calibri"/>
-                <a:cs typeface="Calibri"/>
-                <a:sym typeface="Calibri"/>
-              </a:defRPr>
-            </a:lvl1pPr>
-            <a:lvl2pPr marL="914400" marR="0" lvl="1" indent="-228600" algn="l" rtl="0">
-              <a:lnSpc>
-                <a:spcPct val="90000"/>
-              </a:lnSpc>
-              <a:spcBef>
-                <a:spcPts val="500"/>
-              </a:spcBef>
-              <a:spcAft>
-                <a:spcPts val="0"/>
-              </a:spcAft>
-              <a:buClr>
-                <a:srgbClr val="888888"/>
-              </a:buClr>
-              <a:buSzPts val="2000"/>
-              <a:buFont typeface="Arial"/>
-              <a:buNone/>
-              <a:defRPr sz="2000" b="0" i="0" u="none" strike="noStrike" cap="none">
-                <a:solidFill>
-                  <a:srgbClr val="888888"/>
-                </a:solidFill>
-                <a:latin typeface="Calibri"/>
-                <a:ea typeface="Calibri"/>
-                <a:cs typeface="Calibri"/>
-                <a:sym typeface="Calibri"/>
-              </a:defRPr>
-            </a:lvl2pPr>
-            <a:lvl3pPr marL="1371600" marR="0" lvl="2" indent="-228600" algn="l" rtl="0">
-              <a:lnSpc>
-                <a:spcPct val="90000"/>
-              </a:lnSpc>
-              <a:spcBef>
-                <a:spcPts val="500"/>
-              </a:spcBef>
-              <a:spcAft>
-                <a:spcPts val="0"/>
-              </a:spcAft>
-              <a:buClr>
-                <a:srgbClr val="888888"/>
-              </a:buClr>
-              <a:buSzPts val="1800"/>
-              <a:buFont typeface="Arial"/>
-              <a:buNone/>
-              <a:defRPr sz="1800" b="0" i="0" u="none" strike="noStrike" cap="none">
-                <a:solidFill>
-                  <a:srgbClr val="888888"/>
-                </a:solidFill>
-                <a:latin typeface="Calibri"/>
-                <a:ea typeface="Calibri"/>
-                <a:cs typeface="Calibri"/>
-                <a:sym typeface="Calibri"/>
-              </a:defRPr>
-            </a:lvl3pPr>
-            <a:lvl4pPr marL="1828800" marR="0" lvl="3" indent="-228600" algn="l" rtl="0">
-              <a:lnSpc>
-                <a:spcPct val="90000"/>
-              </a:lnSpc>
-              <a:spcBef>
-                <a:spcPts val="500"/>
-              </a:spcBef>
-              <a:spcAft>
-                <a:spcPts val="0"/>
-              </a:spcAft>
-              <a:buClr>
-                <a:srgbClr val="888888"/>
-              </a:buClr>
-              <a:buSzPts val="1600"/>
-              <a:buFont typeface="Arial"/>
-              <a:buNone/>
-              <a:defRPr sz="1600" b="0" i="0" u="none" strike="noStrike" cap="none">
-                <a:solidFill>
-                  <a:srgbClr val="888888"/>
-                </a:solidFill>
-                <a:latin typeface="Calibri"/>
-                <a:ea typeface="Calibri"/>
-                <a:cs typeface="Calibri"/>
-                <a:sym typeface="Calibri"/>
-              </a:defRPr>
-            </a:lvl4pPr>
-            <a:lvl5pPr marL="2286000" marR="0" lvl="4" indent="-228600" algn="l" rtl="0">
-              <a:lnSpc>
-                <a:spcPct val="90000"/>
-              </a:lnSpc>
-              <a:spcBef>
-                <a:spcPts val="500"/>
-              </a:spcBef>
-              <a:spcAft>
-                <a:spcPts val="0"/>
-              </a:spcAft>
-              <a:buClr>
-                <a:srgbClr val="888888"/>
-              </a:buClr>
-              <a:buSzPts val="1600"/>
-              <a:buFont typeface="Arial"/>
-              <a:buNone/>
-              <a:defRPr sz="1600" b="0" i="0" u="none" strike="noStrike" cap="none">
-                <a:solidFill>
-                  <a:srgbClr val="888888"/>
-                </a:solidFill>
-                <a:latin typeface="Calibri"/>
-                <a:ea typeface="Calibri"/>
-                <a:cs typeface="Calibri"/>
-                <a:sym typeface="Calibri"/>
-              </a:defRPr>
-            </a:lvl5pPr>
-            <a:lvl6pPr marL="2743200" marR="0" lvl="5" indent="-228600" algn="l" rtl="0">
-              <a:lnSpc>
-                <a:spcPct val="90000"/>
-              </a:lnSpc>
-              <a:spcBef>
-                <a:spcPts val="500"/>
-              </a:spcBef>
-              <a:spcAft>
-                <a:spcPts val="0"/>
-              </a:spcAft>
-              <a:buClr>
-                <a:srgbClr val="888888"/>
-              </a:buClr>
-              <a:buSzPts val="1600"/>
-              <a:buFont typeface="Arial"/>
-              <a:buNone/>
-              <a:defRPr sz="1600" b="0" i="0" u="none" strike="noStrike" cap="none">
-                <a:solidFill>
-                  <a:srgbClr val="888888"/>
-                </a:solidFill>
-                <a:latin typeface="Calibri"/>
-                <a:ea typeface="Calibri"/>
-                <a:cs typeface="Calibri"/>
-                <a:sym typeface="Calibri"/>
-              </a:defRPr>
-            </a:lvl6pPr>
-            <a:lvl7pPr marL="3200400" marR="0" lvl="6" indent="-228600" algn="l" rtl="0">
-              <a:lnSpc>
-                <a:spcPct val="90000"/>
-              </a:lnSpc>
-              <a:spcBef>
-                <a:spcPts val="500"/>
-              </a:spcBef>
-              <a:spcAft>
-                <a:spcPts val="0"/>
-              </a:spcAft>
-              <a:buClr>
-                <a:srgbClr val="888888"/>
-              </a:buClr>
-              <a:buSzPts val="1600"/>
-              <a:buFont typeface="Arial"/>
-              <a:buNone/>
-              <a:defRPr sz="1600" b="0" i="0" u="none" strike="noStrike" cap="none">
-                <a:solidFill>
-                  <a:srgbClr val="888888"/>
-                </a:solidFill>
-                <a:latin typeface="Calibri"/>
-                <a:ea typeface="Calibri"/>
-                <a:cs typeface="Calibri"/>
-                <a:sym typeface="Calibri"/>
-              </a:defRPr>
-            </a:lvl7pPr>
-            <a:lvl8pPr marL="3657600" marR="0" lvl="7" indent="-228600" algn="l" rtl="0">
-              <a:lnSpc>
-                <a:spcPct val="90000"/>
-              </a:lnSpc>
-              <a:spcBef>
-                <a:spcPts val="500"/>
-              </a:spcBef>
-              <a:spcAft>
-                <a:spcPts val="0"/>
-              </a:spcAft>
-              <a:buClr>
-                <a:srgbClr val="888888"/>
-              </a:buClr>
-              <a:buSzPts val="1600"/>
-              <a:buFont typeface="Arial"/>
-              <a:buNone/>
-              <a:defRPr sz="1600" b="0" i="0" u="none" strike="noStrike" cap="none">
-                <a:solidFill>
-                  <a:srgbClr val="888888"/>
-                </a:solidFill>
-                <a:latin typeface="Calibri"/>
-                <a:ea typeface="Calibri"/>
-                <a:cs typeface="Calibri"/>
-                <a:sym typeface="Calibri"/>
-              </a:defRPr>
-            </a:lvl8pPr>
-            <a:lvl9pPr marL="4114800" marR="0" lvl="8" indent="-228600" algn="l" rtl="0">
-              <a:lnSpc>
-                <a:spcPct val="90000"/>
-              </a:lnSpc>
-              <a:spcBef>
-                <a:spcPts val="500"/>
-              </a:spcBef>
-              <a:spcAft>
-                <a:spcPts val="0"/>
-              </a:spcAft>
-              <a:buClr>
-                <a:srgbClr val="888888"/>
-              </a:buClr>
-              <a:buSzPts val="1600"/>
-              <a:buFont typeface="Arial"/>
-              <a:buNone/>
-              <a:defRPr sz="1600" b="0" i="0" u="none" strike="noStrike" cap="none">
-                <a:solidFill>
-                  <a:srgbClr val="888888"/>
-                </a:solidFill>
-                <a:latin typeface="Calibri"/>
-                <a:ea typeface="Calibri"/>
-                <a:cs typeface="Calibri"/>
-                <a:sym typeface="Calibri"/>
-              </a:defRPr>
-            </a:lvl9pPr>
-          </a:lstStyle>
-          <a:p>
-            <a:pPr marL="0" indent="0" algn="ctr">
-              <a:buClr>
-                <a:schemeClr val="dk1"/>
-              </a:buClr>
-            </a:pPr>
-            <a:r>
-              <a:rPr lang="en-US" dirty="0"/>
-              <a:t>Samir Gupta, PhD</a:t>
-            </a:r>
-          </a:p>
-        </p:txBody>
-      </p:sp>
-      <p:pic>
-        <p:nvPicPr>
-          <p:cNvPr id="3" name="Picture 2">
-            <a:extLst>
-              <a:ext uri="{FF2B5EF4-FFF2-40B4-BE49-F238E27FC236}">
-                <a16:creationId xmlns:a16="http://schemas.microsoft.com/office/drawing/2014/main" id="{4397B770-44F9-F85A-817B-737415DDC9C9}"/>
+                <a16:creationId xmlns:a16="http://schemas.microsoft.com/office/drawing/2014/main" id="{FE1C6FAD-F819-40BE-9402-81FBE98EF21C}"/>
               </a:ext>
             </a:extLst>
           </p:cNvPr>
@@ -17784,63 +17128,108 @@
           </p:cNvPicPr>
           <p:nvPr/>
         </p:nvPicPr>
-        <p:blipFill rotWithShape="1">
-          <a:blip r:embed="rId3">
+        <p:blipFill>
+          <a:blip r:embed="rId2">
             <a:extLst>
               <a:ext uri="{28A0092B-C50C-407E-A947-70E740481C1C}">
                 <a14:useLocalDpi xmlns:a14="http://schemas.microsoft.com/office/drawing/2010/main" val="0"/>
               </a:ext>
             </a:extLst>
           </a:blip>
-          <a:srcRect l="56308" t="756" r="1686" b="52076"/>
-          <a:stretch/>
+          <a:stretch>
+            <a:fillRect/>
+          </a:stretch>
         </p:blipFill>
         <p:spPr>
           <a:xfrm>
-            <a:off x="4419599" y="174171"/>
-            <a:ext cx="2972018" cy="2214379"/>
+            <a:off x="2558361" y="127820"/>
+            <a:ext cx="7075277" cy="4694655"/>
           </a:xfrm>
           <a:prstGeom prst="rect">
             <a:avLst/>
           </a:prstGeom>
         </p:spPr>
       </p:pic>
-      <p:pic>
-        <p:nvPicPr>
-          <p:cNvPr id="4" name="Picture 3">
+      <p:sp>
+        <p:nvSpPr>
+          <p:cNvPr id="2" name="Title 1">
             <a:extLst>
               <a:ext uri="{FF2B5EF4-FFF2-40B4-BE49-F238E27FC236}">
-                <a16:creationId xmlns:a16="http://schemas.microsoft.com/office/drawing/2014/main" id="{FD1D0269-C18A-F2D0-352D-9EC29E867F42}"/>
+                <a16:creationId xmlns:a16="http://schemas.microsoft.com/office/drawing/2014/main" id="{A6FAFACC-3A77-4930-806F-AEC046CCD12E}"/>
               </a:ext>
             </a:extLst>
           </p:cNvPr>
-          <p:cNvPicPr>
-            <a:picLocks noChangeAspect="1"/>
-          </p:cNvPicPr>
-          <p:nvPr/>
-        </p:nvPicPr>
-        <p:blipFill rotWithShape="1">
-          <a:blip r:embed="rId3">
+          <p:cNvSpPr>
+            <a:spLocks noGrp="1"/>
+          </p:cNvSpPr>
+          <p:nvPr>
+            <p:ph type="ctrTitle"/>
+          </p:nvPr>
+        </p:nvSpPr>
+        <p:spPr>
+          <a:xfrm>
+            <a:off x="1524000" y="2814638"/>
+            <a:ext cx="9144000" cy="2387600"/>
+          </a:xfrm>
+        </p:spPr>
+        <p:txBody>
+          <a:bodyPr>
+            <a:normAutofit/>
+          </a:bodyPr>
+          <a:lstStyle/>
+          <a:p>
+            <a:r>
+              <a:rPr lang="en-US" dirty="0"/>
+              <a:t>AIM-AHEAD Introductory Courses in AI/ML Concepts</a:t>
+            </a:r>
+          </a:p>
+        </p:txBody>
+      </p:sp>
+      <p:sp>
+        <p:nvSpPr>
+          <p:cNvPr id="3" name="Subtitle 2">
             <a:extLst>
-              <a:ext uri="{28A0092B-C50C-407E-A947-70E740481C1C}">
-                <a14:useLocalDpi xmlns:a14="http://schemas.microsoft.com/office/drawing/2010/main" val="0"/>
+              <a:ext uri="{FF2B5EF4-FFF2-40B4-BE49-F238E27FC236}">
+                <a16:creationId xmlns:a16="http://schemas.microsoft.com/office/drawing/2014/main" id="{D33701D1-BCDF-4163-B365-80F2E75A5E5B}"/>
               </a:ext>
             </a:extLst>
-          </a:blip>
-          <a:srcRect l="12767" t="45873" r="10921" b="31440"/>
-          <a:stretch/>
-        </p:blipFill>
+          </p:cNvPr>
+          <p:cNvSpPr>
+            <a:spLocks noGrp="1"/>
+          </p:cNvSpPr>
+          <p:nvPr>
+            <p:ph type="subTitle" idx="1"/>
+          </p:nvPr>
+        </p:nvSpPr>
         <p:spPr>
           <a:xfrm>
-            <a:off x="3396342" y="5557122"/>
-            <a:ext cx="5399315" cy="1065056"/>
-          </a:xfrm>
-          <a:prstGeom prst="rect">
-            <a:avLst/>
-          </a:prstGeom>
-        </p:spPr>
-      </p:pic>
+            <a:off x="1524000" y="5202238"/>
+            <a:ext cx="9144000" cy="1655762"/>
+          </a:xfrm>
+        </p:spPr>
+        <p:txBody>
+          <a:bodyPr/>
+          <a:lstStyle/>
+          <a:p>
+            <a:r>
+              <a:rPr lang="en-US" dirty="0"/>
+              <a:t>Module 2: Unsupervised Learning</a:t>
+            </a:r>
+          </a:p>
+          <a:p>
+            <a:r>
+              <a:rPr lang="en-US" sz="1600" dirty="0"/>
+              <a:t>Adapted from the Health Informatics and Data Science Masters Degree Program, Georgetown University</a:t>
+            </a:r>
+          </a:p>
+        </p:txBody>
+      </p:sp>
     </p:spTree>
+    <p:extLst>
+      <p:ext uri="{BB962C8B-B14F-4D97-AF65-F5344CB8AC3E}">
+        <p14:creationId xmlns:p14="http://schemas.microsoft.com/office/powerpoint/2010/main" val="3101838436"/>
+      </p:ext>
+    </p:extLst>
   </p:cSld>
   <p:clrMapOvr>
     <a:masterClrMapping/>
@@ -17849,280 +17238,6 @@
 </file>
 
 <file path=ppt/slides/slide10.xml><?xml version="1.0" encoding="utf-8"?>
-<p:sld xmlns:a="http://schemas.openxmlformats.org/drawingml/2006/main" xmlns:r="http://schemas.openxmlformats.org/officeDocument/2006/relationships" xmlns:p="http://schemas.openxmlformats.org/presentationml/2006/main">
-  <p:cSld>
-    <p:spTree>
-      <p:nvGrpSpPr>
-        <p:cNvPr id="1" name="Shape 315"/>
-        <p:cNvGrpSpPr/>
-        <p:nvPr/>
-      </p:nvGrpSpPr>
-      <p:grpSpPr>
-        <a:xfrm>
-          <a:off x="0" y="0"/>
-          <a:ext cx="0" cy="0"/>
-          <a:chOff x="0" y="0"/>
-          <a:chExt cx="0" cy="0"/>
-        </a:xfrm>
-      </p:grpSpPr>
-      <p:sp>
-        <p:nvSpPr>
-          <p:cNvPr id="316" name="Google Shape;316;p11"/>
-          <p:cNvSpPr txBox="1">
-            <a:spLocks noGrp="1"/>
-          </p:cNvSpPr>
-          <p:nvPr>
-            <p:ph type="title"/>
-          </p:nvPr>
-        </p:nvSpPr>
-        <p:spPr>
-          <a:xfrm>
-            <a:off x="838200" y="365125"/>
-            <a:ext cx="10515600" cy="1325563"/>
-          </a:xfrm>
-          <a:prstGeom prst="rect">
-            <a:avLst/>
-          </a:prstGeom>
-          <a:noFill/>
-          <a:ln>
-            <a:noFill/>
-          </a:ln>
-        </p:spPr>
-        <p:txBody>
-          <a:bodyPr spcFirstLastPara="1" wrap="square" lIns="91425" tIns="45700" rIns="91425" bIns="45700" anchor="ctr" anchorCtr="0">
-            <a:normAutofit/>
-          </a:bodyPr>
-          <a:lstStyle/>
-          <a:p>
-            <a:pPr marL="0" lvl="0" indent="0" algn="l" rtl="0">
-              <a:lnSpc>
-                <a:spcPct val="90000"/>
-              </a:lnSpc>
-              <a:spcBef>
-                <a:spcPts val="0"/>
-              </a:spcBef>
-              <a:spcAft>
-                <a:spcPts val="0"/>
-              </a:spcAft>
-              <a:buClr>
-                <a:schemeClr val="dk1"/>
-              </a:buClr>
-              <a:buSzPts val="4400"/>
-              <a:buFont typeface="Calibri"/>
-              <a:buNone/>
-            </a:pPr>
-            <a:r>
-              <a:rPr lang="en-US"/>
-              <a:t>K-means</a:t>
-            </a:r>
-            <a:endParaRPr/>
-          </a:p>
-        </p:txBody>
-      </p:sp>
-      <p:sp>
-        <p:nvSpPr>
-          <p:cNvPr id="317" name="Google Shape;317;p11"/>
-          <p:cNvSpPr txBox="1">
-            <a:spLocks noGrp="1"/>
-          </p:cNvSpPr>
-          <p:nvPr>
-            <p:ph type="body" idx="1"/>
-          </p:nvPr>
-        </p:nvSpPr>
-        <p:spPr>
-          <a:xfrm>
-            <a:off x="838200" y="1825625"/>
-            <a:ext cx="10515600" cy="4351338"/>
-          </a:xfrm>
-          <a:prstGeom prst="rect">
-            <a:avLst/>
-          </a:prstGeom>
-          <a:noFill/>
-          <a:ln>
-            <a:noFill/>
-          </a:ln>
-        </p:spPr>
-        <p:txBody>
-          <a:bodyPr spcFirstLastPara="1" wrap="square" lIns="91425" tIns="45700" rIns="91425" bIns="45700" anchor="t" anchorCtr="0">
-            <a:normAutofit/>
-          </a:bodyPr>
-          <a:lstStyle/>
-          <a:p>
-            <a:pPr marL="228600" lvl="0" indent="-228600" algn="l" rtl="0">
-              <a:lnSpc>
-                <a:spcPct val="90000"/>
-              </a:lnSpc>
-              <a:spcBef>
-                <a:spcPts val="0"/>
-              </a:spcBef>
-              <a:spcAft>
-                <a:spcPts val="0"/>
-              </a:spcAft>
-              <a:buClr>
-                <a:schemeClr val="dk1"/>
-              </a:buClr>
-              <a:buSzPts val="2800"/>
-              <a:buChar char="•"/>
-            </a:pPr>
-            <a:r>
-              <a:rPr lang="en-US"/>
-              <a:t>K-means is clustering algorithms</a:t>
-            </a:r>
-            <a:endParaRPr/>
-          </a:p>
-          <a:p>
-            <a:pPr marL="685800" lvl="1" indent="-228600" algn="l" rtl="0">
-              <a:lnSpc>
-                <a:spcPct val="90000"/>
-              </a:lnSpc>
-              <a:spcBef>
-                <a:spcPts val="500"/>
-              </a:spcBef>
-              <a:spcAft>
-                <a:spcPts val="0"/>
-              </a:spcAft>
-              <a:buClr>
-                <a:schemeClr val="dk1"/>
-              </a:buClr>
-              <a:buSzPts val="2400"/>
-              <a:buChar char="•"/>
-            </a:pPr>
-            <a:r>
-              <a:rPr lang="en-US"/>
-              <a:t>Group data points into groups/clusters</a:t>
-            </a:r>
-            <a:endParaRPr/>
-          </a:p>
-          <a:p>
-            <a:pPr marL="685800" lvl="1" indent="-76200" algn="l" rtl="0">
-              <a:lnSpc>
-                <a:spcPct val="90000"/>
-              </a:lnSpc>
-              <a:spcBef>
-                <a:spcPts val="500"/>
-              </a:spcBef>
-              <a:spcAft>
-                <a:spcPts val="0"/>
-              </a:spcAft>
-              <a:buClr>
-                <a:schemeClr val="dk1"/>
-              </a:buClr>
-              <a:buSzPts val="2400"/>
-              <a:buNone/>
-            </a:pPr>
-            <a:endParaRPr/>
-          </a:p>
-          <a:p>
-            <a:pPr marL="685800" lvl="1" indent="-228600" algn="l" rtl="0">
-              <a:lnSpc>
-                <a:spcPct val="90000"/>
-              </a:lnSpc>
-              <a:spcBef>
-                <a:spcPts val="500"/>
-              </a:spcBef>
-              <a:spcAft>
-                <a:spcPts val="0"/>
-              </a:spcAft>
-              <a:buClr>
-                <a:schemeClr val="dk1"/>
-              </a:buClr>
-              <a:buSzPts val="2400"/>
-              <a:buChar char="•"/>
-            </a:pPr>
-            <a:r>
-              <a:rPr lang="en-US"/>
-              <a:t>Iterative algorithm:</a:t>
-            </a:r>
-            <a:endParaRPr/>
-          </a:p>
-          <a:p>
-            <a:pPr marL="1143000" lvl="2" indent="-228600" algn="l" rtl="0">
-              <a:lnSpc>
-                <a:spcPct val="90000"/>
-              </a:lnSpc>
-              <a:spcBef>
-                <a:spcPts val="500"/>
-              </a:spcBef>
-              <a:spcAft>
-                <a:spcPts val="0"/>
-              </a:spcAft>
-              <a:buClr>
-                <a:srgbClr val="0070C0"/>
-              </a:buClr>
-              <a:buSzPts val="2400"/>
-              <a:buChar char="•"/>
-            </a:pPr>
-            <a:r>
-              <a:rPr lang="en-US" sz="2400">
-                <a:solidFill>
-                  <a:srgbClr val="0070C0"/>
-                </a:solidFill>
-              </a:rPr>
-              <a:t>Select/update cluster centers (Centroid)</a:t>
-            </a:r>
-            <a:endParaRPr/>
-          </a:p>
-          <a:p>
-            <a:pPr marL="1143000" lvl="2" indent="-76200" algn="l" rtl="0">
-              <a:lnSpc>
-                <a:spcPct val="90000"/>
-              </a:lnSpc>
-              <a:spcBef>
-                <a:spcPts val="500"/>
-              </a:spcBef>
-              <a:spcAft>
-                <a:spcPts val="0"/>
-              </a:spcAft>
-              <a:buClr>
-                <a:schemeClr val="dk1"/>
-              </a:buClr>
-              <a:buSzPts val="2400"/>
-              <a:buNone/>
-            </a:pPr>
-            <a:endParaRPr sz="2400">
-              <a:solidFill>
-                <a:srgbClr val="0070C0"/>
-              </a:solidFill>
-            </a:endParaRPr>
-          </a:p>
-          <a:p>
-            <a:pPr marL="1143000" lvl="2" indent="-228600" algn="l" rtl="0">
-              <a:lnSpc>
-                <a:spcPct val="90000"/>
-              </a:lnSpc>
-              <a:spcBef>
-                <a:spcPts val="500"/>
-              </a:spcBef>
-              <a:spcAft>
-                <a:spcPts val="0"/>
-              </a:spcAft>
-              <a:buClr>
-                <a:srgbClr val="0070C0"/>
-              </a:buClr>
-              <a:buSzPts val="2400"/>
-              <a:buChar char="•"/>
-            </a:pPr>
-            <a:r>
-              <a:rPr lang="en-US" sz="2400">
-                <a:solidFill>
-                  <a:srgbClr val="0070C0"/>
-                </a:solidFill>
-              </a:rPr>
-              <a:t>Assign data points to cluster</a:t>
-            </a:r>
-            <a:endParaRPr/>
-          </a:p>
-        </p:txBody>
-      </p:sp>
-    </p:spTree>
-  </p:cSld>
-  <p:clrMapOvr>
-    <a:masterClrMapping/>
-  </p:clrMapOvr>
-</p:sld>
-</file>
-
-<file path=ppt/slides/slide11.xml><?xml version="1.0" encoding="utf-8"?>
 <p:sld xmlns:a="http://schemas.openxmlformats.org/drawingml/2006/main" xmlns:r="http://schemas.openxmlformats.org/officeDocument/2006/relationships" xmlns:p="http://schemas.openxmlformats.org/presentationml/2006/main">
   <p:cSld>
     <p:spTree>
@@ -18228,7 +17343,7 @@
 </p:sld>
 </file>
 
-<file path=ppt/slides/slide12.xml><?xml version="1.0" encoding="utf-8"?>
+<file path=ppt/slides/slide11.xml><?xml version="1.0" encoding="utf-8"?>
 <p:sld xmlns:a="http://schemas.openxmlformats.org/drawingml/2006/main" xmlns:r="http://schemas.openxmlformats.org/officeDocument/2006/relationships" xmlns:p="http://schemas.openxmlformats.org/presentationml/2006/main">
   <p:cSld>
     <p:spTree>
@@ -18628,7 +17743,7 @@
 </p:sld>
 </file>
 
-<file path=ppt/slides/slide13.xml><?xml version="1.0" encoding="utf-8"?>
+<file path=ppt/slides/slide12.xml><?xml version="1.0" encoding="utf-8"?>
 <p:sld xmlns:a="http://schemas.openxmlformats.org/drawingml/2006/main" xmlns:r="http://schemas.openxmlformats.org/officeDocument/2006/relationships" xmlns:p="http://schemas.openxmlformats.org/presentationml/2006/main">
   <p:cSld>
     <p:spTree>
@@ -19024,7 +18139,7 @@
 </p:sld>
 </file>
 
-<file path=ppt/slides/slide14.xml><?xml version="1.0" encoding="utf-8"?>
+<file path=ppt/slides/slide13.xml><?xml version="1.0" encoding="utf-8"?>
 <p:sld xmlns:a="http://schemas.openxmlformats.org/drawingml/2006/main" xmlns:r="http://schemas.openxmlformats.org/officeDocument/2006/relationships" xmlns:p="http://schemas.openxmlformats.org/presentationml/2006/main">
   <p:cSld>
     <p:spTree>
@@ -19696,7 +18811,7 @@
 </p:sld>
 </file>
 
-<file path=ppt/slides/slide15.xml><?xml version="1.0" encoding="utf-8"?>
+<file path=ppt/slides/slide14.xml><?xml version="1.0" encoding="utf-8"?>
 <p:sld xmlns:a="http://schemas.openxmlformats.org/drawingml/2006/main" xmlns:r="http://schemas.openxmlformats.org/officeDocument/2006/relationships" xmlns:p="http://schemas.openxmlformats.org/presentationml/2006/main">
   <p:cSld>
     <p:spTree>
@@ -20092,7 +19207,7 @@
 </p:sld>
 </file>
 
-<file path=ppt/slides/slide16.xml><?xml version="1.0" encoding="utf-8"?>
+<file path=ppt/slides/slide15.xml><?xml version="1.0" encoding="utf-8"?>
 <p:sld xmlns:a="http://schemas.openxmlformats.org/drawingml/2006/main" xmlns:r="http://schemas.openxmlformats.org/officeDocument/2006/relationships" xmlns:p="http://schemas.openxmlformats.org/presentationml/2006/main">
   <p:cSld>
     <p:spTree>
@@ -20656,7 +19771,7 @@
 </p:sld>
 </file>
 
-<file path=ppt/slides/slide17.xml><?xml version="1.0" encoding="utf-8"?>
+<file path=ppt/slides/slide16.xml><?xml version="1.0" encoding="utf-8"?>
 <p:sld xmlns:a="http://schemas.openxmlformats.org/drawingml/2006/main" xmlns:r="http://schemas.openxmlformats.org/officeDocument/2006/relationships" xmlns:p="http://schemas.openxmlformats.org/presentationml/2006/main">
   <p:cSld>
     <p:spTree>
@@ -20998,7 +20113,7 @@
 </p:sld>
 </file>
 
-<file path=ppt/slides/slide18.xml><?xml version="1.0" encoding="utf-8"?>
+<file path=ppt/slides/slide17.xml><?xml version="1.0" encoding="utf-8"?>
 <p:sld xmlns:a="http://schemas.openxmlformats.org/drawingml/2006/main" xmlns:r="http://schemas.openxmlformats.org/officeDocument/2006/relationships" xmlns:p="http://schemas.openxmlformats.org/presentationml/2006/main">
   <p:cSld>
     <p:spTree>
@@ -21616,7 +20731,7 @@
 </p:sld>
 </file>
 
-<file path=ppt/slides/slide19.xml><?xml version="1.0" encoding="utf-8"?>
+<file path=ppt/slides/slide18.xml><?xml version="1.0" encoding="utf-8"?>
 <p:sld xmlns:a="http://schemas.openxmlformats.org/drawingml/2006/main" xmlns:r="http://schemas.openxmlformats.org/officeDocument/2006/relationships" xmlns:p="http://schemas.openxmlformats.org/presentationml/2006/main">
   <p:cSld>
     <p:spTree>
@@ -21958,858 +21073,7 @@
 </p:sld>
 </file>
 
-<file path=ppt/slides/slide2.xml><?xml version="1.0" encoding="utf-8"?>
-<p:sld xmlns:a="http://schemas.openxmlformats.org/drawingml/2006/main" xmlns:r="http://schemas.openxmlformats.org/officeDocument/2006/relationships" xmlns:p="http://schemas.openxmlformats.org/presentationml/2006/main">
-  <p:cSld>
-    <p:spTree>
-      <p:nvGrpSpPr>
-        <p:cNvPr id="1" name="Shape 101"/>
-        <p:cNvGrpSpPr/>
-        <p:nvPr/>
-      </p:nvGrpSpPr>
-      <p:grpSpPr>
-        <a:xfrm>
-          <a:off x="0" y="0"/>
-          <a:ext cx="0" cy="0"/>
-          <a:chOff x="0" y="0"/>
-          <a:chExt cx="0" cy="0"/>
-        </a:xfrm>
-      </p:grpSpPr>
-      <p:sp>
-        <p:nvSpPr>
-          <p:cNvPr id="102" name="Google Shape;102;p3"/>
-          <p:cNvSpPr txBox="1"/>
-          <p:nvPr/>
-        </p:nvSpPr>
-        <p:spPr>
-          <a:xfrm>
-            <a:off x="508000" y="371025"/>
-            <a:ext cx="11074400" cy="666786"/>
-          </a:xfrm>
-          <a:prstGeom prst="rect">
-            <a:avLst/>
-          </a:prstGeom>
-          <a:noFill/>
-          <a:ln>
-            <a:noFill/>
-          </a:ln>
-        </p:spPr>
-        <p:txBody>
-          <a:bodyPr spcFirstLastPara="1" wrap="square" lIns="91425" tIns="45700" rIns="91425" bIns="45700" anchor="t" anchorCtr="0">
-            <a:spAutoFit/>
-          </a:bodyPr>
-          <a:lstStyle/>
-          <a:p>
-            <a:pPr marL="0" marR="0" lvl="0" indent="0" algn="l" rtl="0">
-              <a:spcBef>
-                <a:spcPts val="0"/>
-              </a:spcBef>
-              <a:spcAft>
-                <a:spcPts val="0"/>
-              </a:spcAft>
-              <a:buNone/>
-            </a:pPr>
-            <a:r>
-              <a:rPr lang="en-US" sz="3733" b="0" i="0" u="none" strike="noStrike" cap="none">
-                <a:solidFill>
-                  <a:schemeClr val="dk1"/>
-                </a:solidFill>
-                <a:latin typeface="Calibri"/>
-                <a:ea typeface="Calibri"/>
-                <a:cs typeface="Calibri"/>
-                <a:sym typeface="Calibri"/>
-              </a:rPr>
-              <a:t>Supervised learning</a:t>
-            </a:r>
-            <a:endParaRPr/>
-          </a:p>
-        </p:txBody>
-      </p:sp>
-      <p:sp>
-        <p:nvSpPr>
-          <p:cNvPr id="103" name="Google Shape;103;p3"/>
-          <p:cNvSpPr txBox="1"/>
-          <p:nvPr/>
-        </p:nvSpPr>
-        <p:spPr>
-          <a:xfrm>
-            <a:off x="508000" y="5664200"/>
-            <a:ext cx="11074400" cy="666786"/>
-          </a:xfrm>
-          <a:prstGeom prst="rect">
-            <a:avLst/>
-          </a:prstGeom>
-          <a:noFill/>
-          <a:ln>
-            <a:noFill/>
-          </a:ln>
-        </p:spPr>
-        <p:txBody>
-          <a:bodyPr spcFirstLastPara="1" wrap="square" lIns="91425" tIns="45700" rIns="91425" bIns="45700" anchor="t" anchorCtr="0">
-            <a:spAutoFit/>
-          </a:bodyPr>
-          <a:lstStyle/>
-          <a:p>
-            <a:pPr marL="0" marR="0" lvl="0" indent="0" algn="l" rtl="0">
-              <a:spcBef>
-                <a:spcPts val="0"/>
-              </a:spcBef>
-              <a:spcAft>
-                <a:spcPts val="0"/>
-              </a:spcAft>
-              <a:buNone/>
-            </a:pPr>
-            <a:r>
-              <a:rPr lang="en-US" sz="3733">
-                <a:solidFill>
-                  <a:schemeClr val="dk1"/>
-                </a:solidFill>
-                <a:latin typeface="Calibri"/>
-                <a:ea typeface="Calibri"/>
-                <a:cs typeface="Calibri"/>
-                <a:sym typeface="Calibri"/>
-              </a:rPr>
-              <a:t>Training set: 						    </a:t>
-            </a:r>
-            <a:endParaRPr/>
-          </a:p>
-        </p:txBody>
-      </p:sp>
-      <p:cxnSp>
-        <p:nvCxnSpPr>
-          <p:cNvPr id="104" name="Google Shape;104;p3"/>
-          <p:cNvCxnSpPr/>
-          <p:nvPr/>
-        </p:nvCxnSpPr>
-        <p:spPr>
-          <a:xfrm rot="10800000">
-            <a:off x="4109192" y="1303833"/>
-            <a:ext cx="14752" cy="3697824"/>
-          </a:xfrm>
-          <a:prstGeom prst="straightConnector1">
-            <a:avLst/>
-          </a:prstGeom>
-          <a:noFill/>
-          <a:ln w="19050" cap="flat" cmpd="sng">
-            <a:solidFill>
-              <a:srgbClr val="7F7F7F"/>
-            </a:solidFill>
-            <a:prstDash val="solid"/>
-            <a:miter lim="800000"/>
-            <a:headEnd type="none" w="sm" len="sm"/>
-            <a:tailEnd type="stealth" w="med" len="med"/>
-          </a:ln>
-        </p:spPr>
-      </p:cxnSp>
-      <p:cxnSp>
-        <p:nvCxnSpPr>
-          <p:cNvPr id="105" name="Google Shape;105;p3"/>
-          <p:cNvCxnSpPr/>
-          <p:nvPr/>
-        </p:nvCxnSpPr>
-        <p:spPr>
-          <a:xfrm>
-            <a:off x="3860800" y="4747260"/>
-            <a:ext cx="4470400" cy="0"/>
-          </a:xfrm>
-          <a:prstGeom prst="straightConnector1">
-            <a:avLst/>
-          </a:prstGeom>
-          <a:noFill/>
-          <a:ln w="19050" cap="flat" cmpd="sng">
-            <a:solidFill>
-              <a:srgbClr val="7F7F7F"/>
-            </a:solidFill>
-            <a:prstDash val="solid"/>
-            <a:miter lim="800000"/>
-            <a:headEnd type="none" w="sm" len="sm"/>
-            <a:tailEnd type="stealth" w="med" len="med"/>
-          </a:ln>
-        </p:spPr>
-      </p:cxnSp>
-      <p:sp>
-        <p:nvSpPr>
-          <p:cNvPr id="106" name="Google Shape;106;p3"/>
-          <p:cNvSpPr/>
-          <p:nvPr/>
-        </p:nvSpPr>
-        <p:spPr>
-          <a:xfrm>
-            <a:off x="5101041" y="3228105"/>
-            <a:ext cx="308935" cy="308935"/>
-          </a:xfrm>
-          <a:prstGeom prst="ellipse">
-            <a:avLst/>
-          </a:prstGeom>
-          <a:noFill/>
-          <a:ln w="19050" cap="flat" cmpd="sng">
-            <a:solidFill>
-              <a:srgbClr val="8296B0"/>
-            </a:solidFill>
-            <a:prstDash val="solid"/>
-            <a:miter lim="800000"/>
-            <a:headEnd type="none" w="sm" len="sm"/>
-            <a:tailEnd type="none" w="sm" len="sm"/>
-          </a:ln>
-        </p:spPr>
-        <p:txBody>
-          <a:bodyPr spcFirstLastPara="1" wrap="square" lIns="91425" tIns="45700" rIns="91425" bIns="45700" anchor="ctr" anchorCtr="0">
-            <a:noAutofit/>
-          </a:bodyPr>
-          <a:lstStyle/>
-          <a:p>
-            <a:pPr marL="0" marR="0" lvl="0" indent="0" algn="ctr" rtl="0">
-              <a:spcBef>
-                <a:spcPts val="0"/>
-              </a:spcBef>
-              <a:spcAft>
-                <a:spcPts val="0"/>
-              </a:spcAft>
-              <a:buNone/>
-            </a:pPr>
-            <a:endParaRPr sz="2400">
-              <a:solidFill>
-                <a:schemeClr val="lt1"/>
-              </a:solidFill>
-              <a:latin typeface="Calibri"/>
-              <a:ea typeface="Calibri"/>
-              <a:cs typeface="Calibri"/>
-              <a:sym typeface="Calibri"/>
-            </a:endParaRPr>
-          </a:p>
-        </p:txBody>
-      </p:sp>
-      <p:sp>
-        <p:nvSpPr>
-          <p:cNvPr id="107" name="Google Shape;107;p3"/>
-          <p:cNvSpPr/>
-          <p:nvPr/>
-        </p:nvSpPr>
-        <p:spPr>
-          <a:xfrm rot="2734294">
-            <a:off x="6109245" y="1808542"/>
-            <a:ext cx="405308" cy="405308"/>
-          </a:xfrm>
-          <a:prstGeom prst="plus">
-            <a:avLst>
-              <a:gd name="adj" fmla="val 46579"/>
-            </a:avLst>
-          </a:prstGeom>
-          <a:solidFill>
-            <a:schemeClr val="dk1"/>
-          </a:solidFill>
-          <a:ln w="19050" cap="flat" cmpd="sng">
-            <a:solidFill>
-              <a:srgbClr val="FF0000"/>
-            </a:solidFill>
-            <a:prstDash val="solid"/>
-            <a:miter lim="800000"/>
-            <a:headEnd type="none" w="sm" len="sm"/>
-            <a:tailEnd type="none" w="sm" len="sm"/>
-          </a:ln>
-        </p:spPr>
-        <p:txBody>
-          <a:bodyPr spcFirstLastPara="1" wrap="square" lIns="91425" tIns="45700" rIns="91425" bIns="45700" anchor="ctr" anchorCtr="0">
-            <a:noAutofit/>
-          </a:bodyPr>
-          <a:lstStyle/>
-          <a:p>
-            <a:pPr marL="0" marR="0" lvl="0" indent="0" algn="ctr" rtl="0">
-              <a:spcBef>
-                <a:spcPts val="0"/>
-              </a:spcBef>
-              <a:spcAft>
-                <a:spcPts val="0"/>
-              </a:spcAft>
-              <a:buNone/>
-            </a:pPr>
-            <a:endParaRPr sz="2400">
-              <a:solidFill>
-                <a:schemeClr val="lt1"/>
-              </a:solidFill>
-              <a:latin typeface="Calibri"/>
-              <a:ea typeface="Calibri"/>
-              <a:cs typeface="Calibri"/>
-              <a:sym typeface="Calibri"/>
-            </a:endParaRPr>
-          </a:p>
-        </p:txBody>
-      </p:sp>
-      <p:sp>
-        <p:nvSpPr>
-          <p:cNvPr id="108" name="Google Shape;108;p3"/>
-          <p:cNvSpPr/>
-          <p:nvPr/>
-        </p:nvSpPr>
-        <p:spPr>
-          <a:xfrm>
-            <a:off x="4854461" y="4188931"/>
-            <a:ext cx="308935" cy="308935"/>
-          </a:xfrm>
-          <a:prstGeom prst="ellipse">
-            <a:avLst/>
-          </a:prstGeom>
-          <a:noFill/>
-          <a:ln w="19050" cap="flat" cmpd="sng">
-            <a:solidFill>
-              <a:srgbClr val="8296B0"/>
-            </a:solidFill>
-            <a:prstDash val="solid"/>
-            <a:miter lim="800000"/>
-            <a:headEnd type="none" w="sm" len="sm"/>
-            <a:tailEnd type="none" w="sm" len="sm"/>
-          </a:ln>
-        </p:spPr>
-        <p:txBody>
-          <a:bodyPr spcFirstLastPara="1" wrap="square" lIns="91425" tIns="45700" rIns="91425" bIns="45700" anchor="ctr" anchorCtr="0">
-            <a:noAutofit/>
-          </a:bodyPr>
-          <a:lstStyle/>
-          <a:p>
-            <a:pPr marL="0" marR="0" lvl="0" indent="0" algn="ctr" rtl="0">
-              <a:spcBef>
-                <a:spcPts val="0"/>
-              </a:spcBef>
-              <a:spcAft>
-                <a:spcPts val="0"/>
-              </a:spcAft>
-              <a:buNone/>
-            </a:pPr>
-            <a:endParaRPr sz="2400">
-              <a:solidFill>
-                <a:schemeClr val="lt1"/>
-              </a:solidFill>
-              <a:latin typeface="Calibri"/>
-              <a:ea typeface="Calibri"/>
-              <a:cs typeface="Calibri"/>
-              <a:sym typeface="Calibri"/>
-            </a:endParaRPr>
-          </a:p>
-        </p:txBody>
-      </p:sp>
-      <p:sp>
-        <p:nvSpPr>
-          <p:cNvPr id="109" name="Google Shape;109;p3"/>
-          <p:cNvSpPr/>
-          <p:nvPr/>
-        </p:nvSpPr>
-        <p:spPr>
-          <a:xfrm>
-            <a:off x="4497074" y="3584691"/>
-            <a:ext cx="308935" cy="308935"/>
-          </a:xfrm>
-          <a:prstGeom prst="ellipse">
-            <a:avLst/>
-          </a:prstGeom>
-          <a:noFill/>
-          <a:ln w="19050" cap="flat" cmpd="sng">
-            <a:solidFill>
-              <a:srgbClr val="8296B0"/>
-            </a:solidFill>
-            <a:prstDash val="solid"/>
-            <a:miter lim="800000"/>
-            <a:headEnd type="none" w="sm" len="sm"/>
-            <a:tailEnd type="none" w="sm" len="sm"/>
-          </a:ln>
-        </p:spPr>
-        <p:txBody>
-          <a:bodyPr spcFirstLastPara="1" wrap="square" lIns="91425" tIns="45700" rIns="91425" bIns="45700" anchor="ctr" anchorCtr="0">
-            <a:noAutofit/>
-          </a:bodyPr>
-          <a:lstStyle/>
-          <a:p>
-            <a:pPr marL="0" marR="0" lvl="0" indent="0" algn="ctr" rtl="0">
-              <a:spcBef>
-                <a:spcPts val="0"/>
-              </a:spcBef>
-              <a:spcAft>
-                <a:spcPts val="0"/>
-              </a:spcAft>
-              <a:buNone/>
-            </a:pPr>
-            <a:endParaRPr sz="2400">
-              <a:solidFill>
-                <a:schemeClr val="lt1"/>
-              </a:solidFill>
-              <a:latin typeface="Calibri"/>
-              <a:ea typeface="Calibri"/>
-              <a:cs typeface="Calibri"/>
-              <a:sym typeface="Calibri"/>
-            </a:endParaRPr>
-          </a:p>
-        </p:txBody>
-      </p:sp>
-      <p:sp>
-        <p:nvSpPr>
-          <p:cNvPr id="110" name="Google Shape;110;p3"/>
-          <p:cNvSpPr/>
-          <p:nvPr/>
-        </p:nvSpPr>
-        <p:spPr>
-          <a:xfrm>
-            <a:off x="5218538" y="3892121"/>
-            <a:ext cx="308935" cy="308935"/>
-          </a:xfrm>
-          <a:prstGeom prst="ellipse">
-            <a:avLst/>
-          </a:prstGeom>
-          <a:noFill/>
-          <a:ln w="19050" cap="flat" cmpd="sng">
-            <a:solidFill>
-              <a:srgbClr val="8296B0"/>
-            </a:solidFill>
-            <a:prstDash val="solid"/>
-            <a:miter lim="800000"/>
-            <a:headEnd type="none" w="sm" len="sm"/>
-            <a:tailEnd type="none" w="sm" len="sm"/>
-          </a:ln>
-        </p:spPr>
-        <p:txBody>
-          <a:bodyPr spcFirstLastPara="1" wrap="square" lIns="91425" tIns="45700" rIns="91425" bIns="45700" anchor="ctr" anchorCtr="0">
-            <a:noAutofit/>
-          </a:bodyPr>
-          <a:lstStyle/>
-          <a:p>
-            <a:pPr marL="0" marR="0" lvl="0" indent="0" algn="ctr" rtl="0">
-              <a:spcBef>
-                <a:spcPts val="0"/>
-              </a:spcBef>
-              <a:spcAft>
-                <a:spcPts val="0"/>
-              </a:spcAft>
-              <a:buNone/>
-            </a:pPr>
-            <a:endParaRPr sz="2400">
-              <a:solidFill>
-                <a:schemeClr val="lt1"/>
-              </a:solidFill>
-              <a:latin typeface="Calibri"/>
-              <a:ea typeface="Calibri"/>
-              <a:cs typeface="Calibri"/>
-              <a:sym typeface="Calibri"/>
-            </a:endParaRPr>
-          </a:p>
-        </p:txBody>
-      </p:sp>
-      <p:sp>
-        <p:nvSpPr>
-          <p:cNvPr id="111" name="Google Shape;111;p3"/>
-          <p:cNvSpPr/>
-          <p:nvPr/>
-        </p:nvSpPr>
-        <p:spPr>
-          <a:xfrm>
-            <a:off x="4497074" y="3034134"/>
-            <a:ext cx="308935" cy="308935"/>
-          </a:xfrm>
-          <a:prstGeom prst="ellipse">
-            <a:avLst/>
-          </a:prstGeom>
-          <a:noFill/>
-          <a:ln w="19050" cap="flat" cmpd="sng">
-            <a:solidFill>
-              <a:srgbClr val="8296B0"/>
-            </a:solidFill>
-            <a:prstDash val="solid"/>
-            <a:miter lim="800000"/>
-            <a:headEnd type="none" w="sm" len="sm"/>
-            <a:tailEnd type="none" w="sm" len="sm"/>
-          </a:ln>
-        </p:spPr>
-        <p:txBody>
-          <a:bodyPr spcFirstLastPara="1" wrap="square" lIns="91425" tIns="45700" rIns="91425" bIns="45700" anchor="ctr" anchorCtr="0">
-            <a:noAutofit/>
-          </a:bodyPr>
-          <a:lstStyle/>
-          <a:p>
-            <a:pPr marL="0" marR="0" lvl="0" indent="0" algn="ctr" rtl="0">
-              <a:spcBef>
-                <a:spcPts val="0"/>
-              </a:spcBef>
-              <a:spcAft>
-                <a:spcPts val="0"/>
-              </a:spcAft>
-              <a:buNone/>
-            </a:pPr>
-            <a:endParaRPr sz="2400">
-              <a:solidFill>
-                <a:schemeClr val="lt1"/>
-              </a:solidFill>
-              <a:latin typeface="Calibri"/>
-              <a:ea typeface="Calibri"/>
-              <a:cs typeface="Calibri"/>
-              <a:sym typeface="Calibri"/>
-            </a:endParaRPr>
-          </a:p>
-        </p:txBody>
-      </p:sp>
-      <p:sp>
-        <p:nvSpPr>
-          <p:cNvPr id="112" name="Google Shape;112;p3"/>
-          <p:cNvSpPr/>
-          <p:nvPr/>
-        </p:nvSpPr>
-        <p:spPr>
-          <a:xfrm rot="2734294">
-            <a:off x="6179929" y="2330163"/>
-            <a:ext cx="405308" cy="405308"/>
-          </a:xfrm>
-          <a:prstGeom prst="plus">
-            <a:avLst>
-              <a:gd name="adj" fmla="val 46579"/>
-            </a:avLst>
-          </a:prstGeom>
-          <a:solidFill>
-            <a:schemeClr val="dk1"/>
-          </a:solidFill>
-          <a:ln w="19050" cap="flat" cmpd="sng">
-            <a:solidFill>
-              <a:srgbClr val="FF0000"/>
-            </a:solidFill>
-            <a:prstDash val="solid"/>
-            <a:miter lim="800000"/>
-            <a:headEnd type="none" w="sm" len="sm"/>
-            <a:tailEnd type="none" w="sm" len="sm"/>
-          </a:ln>
-        </p:spPr>
-        <p:txBody>
-          <a:bodyPr spcFirstLastPara="1" wrap="square" lIns="91425" tIns="45700" rIns="91425" bIns="45700" anchor="ctr" anchorCtr="0">
-            <a:noAutofit/>
-          </a:bodyPr>
-          <a:lstStyle/>
-          <a:p>
-            <a:pPr marL="0" marR="0" lvl="0" indent="0" algn="ctr" rtl="0">
-              <a:spcBef>
-                <a:spcPts val="0"/>
-              </a:spcBef>
-              <a:spcAft>
-                <a:spcPts val="0"/>
-              </a:spcAft>
-              <a:buNone/>
-            </a:pPr>
-            <a:endParaRPr sz="2400">
-              <a:solidFill>
-                <a:schemeClr val="lt1"/>
-              </a:solidFill>
-              <a:latin typeface="Calibri"/>
-              <a:ea typeface="Calibri"/>
-              <a:cs typeface="Calibri"/>
-              <a:sym typeface="Calibri"/>
-            </a:endParaRPr>
-          </a:p>
-        </p:txBody>
-      </p:sp>
-      <p:sp>
-        <p:nvSpPr>
-          <p:cNvPr id="113" name="Google Shape;113;p3"/>
-          <p:cNvSpPr/>
-          <p:nvPr/>
-        </p:nvSpPr>
-        <p:spPr>
-          <a:xfrm rot="2734294">
-            <a:off x="6754323" y="2394406"/>
-            <a:ext cx="405308" cy="405308"/>
-          </a:xfrm>
-          <a:prstGeom prst="plus">
-            <a:avLst>
-              <a:gd name="adj" fmla="val 46579"/>
-            </a:avLst>
-          </a:prstGeom>
-          <a:solidFill>
-            <a:schemeClr val="dk1"/>
-          </a:solidFill>
-          <a:ln w="19050" cap="flat" cmpd="sng">
-            <a:solidFill>
-              <a:srgbClr val="FF0000"/>
-            </a:solidFill>
-            <a:prstDash val="solid"/>
-            <a:miter lim="800000"/>
-            <a:headEnd type="none" w="sm" len="sm"/>
-            <a:tailEnd type="none" w="sm" len="sm"/>
-          </a:ln>
-        </p:spPr>
-        <p:txBody>
-          <a:bodyPr spcFirstLastPara="1" wrap="square" lIns="91425" tIns="45700" rIns="91425" bIns="45700" anchor="ctr" anchorCtr="0">
-            <a:noAutofit/>
-          </a:bodyPr>
-          <a:lstStyle/>
-          <a:p>
-            <a:pPr marL="0" marR="0" lvl="0" indent="0" algn="ctr" rtl="0">
-              <a:spcBef>
-                <a:spcPts val="0"/>
-              </a:spcBef>
-              <a:spcAft>
-                <a:spcPts val="0"/>
-              </a:spcAft>
-              <a:buNone/>
-            </a:pPr>
-            <a:endParaRPr sz="2400">
-              <a:solidFill>
-                <a:schemeClr val="lt1"/>
-              </a:solidFill>
-              <a:latin typeface="Calibri"/>
-              <a:ea typeface="Calibri"/>
-              <a:cs typeface="Calibri"/>
-              <a:sym typeface="Calibri"/>
-            </a:endParaRPr>
-          </a:p>
-        </p:txBody>
-      </p:sp>
-      <p:sp>
-        <p:nvSpPr>
-          <p:cNvPr id="114" name="Google Shape;114;p3"/>
-          <p:cNvSpPr/>
-          <p:nvPr/>
-        </p:nvSpPr>
-        <p:spPr>
-          <a:xfrm rot="2734294">
-            <a:off x="7137947" y="1942181"/>
-            <a:ext cx="405308" cy="405308"/>
-          </a:xfrm>
-          <a:prstGeom prst="plus">
-            <a:avLst>
-              <a:gd name="adj" fmla="val 46579"/>
-            </a:avLst>
-          </a:prstGeom>
-          <a:solidFill>
-            <a:schemeClr val="dk1"/>
-          </a:solidFill>
-          <a:ln w="19050" cap="flat" cmpd="sng">
-            <a:solidFill>
-              <a:srgbClr val="FF0000"/>
-            </a:solidFill>
-            <a:prstDash val="solid"/>
-            <a:miter lim="800000"/>
-            <a:headEnd type="none" w="sm" len="sm"/>
-            <a:tailEnd type="none" w="sm" len="sm"/>
-          </a:ln>
-        </p:spPr>
-        <p:txBody>
-          <a:bodyPr spcFirstLastPara="1" wrap="square" lIns="91425" tIns="45700" rIns="91425" bIns="45700" anchor="ctr" anchorCtr="0">
-            <a:noAutofit/>
-          </a:bodyPr>
-          <a:lstStyle/>
-          <a:p>
-            <a:pPr marL="0" marR="0" lvl="0" indent="0" algn="ctr" rtl="0">
-              <a:spcBef>
-                <a:spcPts val="0"/>
-              </a:spcBef>
-              <a:spcAft>
-                <a:spcPts val="0"/>
-              </a:spcAft>
-              <a:buNone/>
-            </a:pPr>
-            <a:endParaRPr sz="2400">
-              <a:solidFill>
-                <a:schemeClr val="lt1"/>
-              </a:solidFill>
-              <a:latin typeface="Calibri"/>
-              <a:ea typeface="Calibri"/>
-              <a:cs typeface="Calibri"/>
-              <a:sym typeface="Calibri"/>
-            </a:endParaRPr>
-          </a:p>
-        </p:txBody>
-      </p:sp>
-      <p:sp>
-        <p:nvSpPr>
-          <p:cNvPr id="115" name="Google Shape;115;p3"/>
-          <p:cNvSpPr/>
-          <p:nvPr/>
-        </p:nvSpPr>
-        <p:spPr>
-          <a:xfrm rot="2734294">
-            <a:off x="6494318" y="1583473"/>
-            <a:ext cx="405308" cy="405308"/>
-          </a:xfrm>
-          <a:prstGeom prst="plus">
-            <a:avLst>
-              <a:gd name="adj" fmla="val 46579"/>
-            </a:avLst>
-          </a:prstGeom>
-          <a:solidFill>
-            <a:schemeClr val="dk1"/>
-          </a:solidFill>
-          <a:ln w="19050" cap="flat" cmpd="sng">
-            <a:solidFill>
-              <a:srgbClr val="FF0000"/>
-            </a:solidFill>
-            <a:prstDash val="solid"/>
-            <a:miter lim="800000"/>
-            <a:headEnd type="none" w="sm" len="sm"/>
-            <a:tailEnd type="none" w="sm" len="sm"/>
-          </a:ln>
-        </p:spPr>
-        <p:txBody>
-          <a:bodyPr spcFirstLastPara="1" wrap="square" lIns="91425" tIns="45700" rIns="91425" bIns="45700" anchor="ctr" anchorCtr="0">
-            <a:noAutofit/>
-          </a:bodyPr>
-          <a:lstStyle/>
-          <a:p>
-            <a:pPr marL="0" marR="0" lvl="0" indent="0" algn="ctr" rtl="0">
-              <a:spcBef>
-                <a:spcPts val="0"/>
-              </a:spcBef>
-              <a:spcAft>
-                <a:spcPts val="0"/>
-              </a:spcAft>
-              <a:buNone/>
-            </a:pPr>
-            <a:endParaRPr sz="2400">
-              <a:solidFill>
-                <a:schemeClr val="lt1"/>
-              </a:solidFill>
-              <a:latin typeface="Calibri"/>
-              <a:ea typeface="Calibri"/>
-              <a:cs typeface="Calibri"/>
-              <a:sym typeface="Calibri"/>
-            </a:endParaRPr>
-          </a:p>
-        </p:txBody>
-      </p:sp>
-      <p:pic>
-        <p:nvPicPr>
-          <p:cNvPr id="116" name="Google Shape;116;p3"/>
-          <p:cNvPicPr preferRelativeResize="0"/>
-          <p:nvPr/>
-        </p:nvPicPr>
-        <p:blipFill rotWithShape="1">
-          <a:blip r:embed="rId3">
-            <a:alphaModFix/>
-          </a:blip>
-          <a:srcRect/>
-          <a:stretch/>
-        </p:blipFill>
-        <p:spPr>
-          <a:xfrm>
-            <a:off x="3599614" y="1897215"/>
-            <a:ext cx="297180" cy="200660"/>
-          </a:xfrm>
-          <a:prstGeom prst="rect">
-            <a:avLst/>
-          </a:prstGeom>
-          <a:noFill/>
-          <a:ln>
-            <a:noFill/>
-          </a:ln>
-        </p:spPr>
-      </p:pic>
-      <p:pic>
-        <p:nvPicPr>
-          <p:cNvPr id="117" name="Google Shape;117;p3"/>
-          <p:cNvPicPr preferRelativeResize="0"/>
-          <p:nvPr/>
-        </p:nvPicPr>
-        <p:blipFill rotWithShape="1">
-          <a:blip r:embed="rId4">
-            <a:alphaModFix/>
-          </a:blip>
-          <a:srcRect/>
-          <a:stretch/>
-        </p:blipFill>
-        <p:spPr>
-          <a:xfrm>
-            <a:off x="7511635" y="5001658"/>
-            <a:ext cx="304800" cy="200660"/>
-          </a:xfrm>
-          <a:prstGeom prst="rect">
-            <a:avLst/>
-          </a:prstGeom>
-          <a:noFill/>
-          <a:ln>
-            <a:noFill/>
-          </a:ln>
-        </p:spPr>
-      </p:pic>
-      <p:pic>
-        <p:nvPicPr>
-          <p:cNvPr id="118" name="Google Shape;118;p3"/>
-          <p:cNvPicPr preferRelativeResize="0"/>
-          <p:nvPr/>
-        </p:nvPicPr>
-        <p:blipFill rotWithShape="1">
-          <a:blip r:embed="rId5">
-            <a:alphaModFix/>
-          </a:blip>
-          <a:srcRect/>
-          <a:stretch/>
-        </p:blipFill>
-        <p:spPr>
-          <a:xfrm>
-            <a:off x="3086101" y="5818703"/>
-            <a:ext cx="7581900" cy="388620"/>
-          </a:xfrm>
-          <a:prstGeom prst="rect">
-            <a:avLst/>
-          </a:prstGeom>
-          <a:noFill/>
-          <a:ln>
-            <a:noFill/>
-          </a:ln>
-        </p:spPr>
-      </p:pic>
-      <p:cxnSp>
-        <p:nvCxnSpPr>
-          <p:cNvPr id="119" name="Google Shape;119;p3"/>
-          <p:cNvCxnSpPr/>
-          <p:nvPr/>
-        </p:nvCxnSpPr>
-        <p:spPr>
-          <a:xfrm>
-            <a:off x="3860800" y="4747260"/>
-            <a:ext cx="4470400" cy="0"/>
-          </a:xfrm>
-          <a:prstGeom prst="straightConnector1">
-            <a:avLst/>
-          </a:prstGeom>
-          <a:noFill/>
-          <a:ln w="19050" cap="flat" cmpd="sng">
-            <a:solidFill>
-              <a:srgbClr val="7F7F7F"/>
-            </a:solidFill>
-            <a:prstDash val="solid"/>
-            <a:miter lim="800000"/>
-            <a:headEnd type="none" w="sm" len="sm"/>
-            <a:tailEnd type="stealth" w="med" len="med"/>
-          </a:ln>
-        </p:spPr>
-      </p:cxnSp>
-      <p:pic>
-        <p:nvPicPr>
-          <p:cNvPr id="120" name="Google Shape;120;p3"/>
-          <p:cNvPicPr preferRelativeResize="0"/>
-          <p:nvPr/>
-        </p:nvPicPr>
-        <p:blipFill rotWithShape="1">
-          <a:blip r:embed="rId3">
-            <a:alphaModFix/>
-          </a:blip>
-          <a:srcRect/>
-          <a:stretch/>
-        </p:blipFill>
-        <p:spPr>
-          <a:xfrm>
-            <a:off x="3599614" y="1897215"/>
-            <a:ext cx="297180" cy="200660"/>
-          </a:xfrm>
-          <a:prstGeom prst="rect">
-            <a:avLst/>
-          </a:prstGeom>
-          <a:noFill/>
-          <a:ln>
-            <a:noFill/>
-          </a:ln>
-        </p:spPr>
-      </p:pic>
-    </p:spTree>
-  </p:cSld>
-  <p:clrMapOvr>
-    <a:masterClrMapping/>
-  </p:clrMapOvr>
-</p:sld>
-</file>
-
-<file path=ppt/slides/slide20.xml><?xml version="1.0" encoding="utf-8"?>
+<file path=ppt/slides/slide19.xml><?xml version="1.0" encoding="utf-8"?>
 <p:sld xmlns:a="http://schemas.openxmlformats.org/drawingml/2006/main" xmlns:r="http://schemas.openxmlformats.org/officeDocument/2006/relationships" xmlns:p="http://schemas.openxmlformats.org/presentationml/2006/main">
   <p:cSld>
     <p:spTree>
@@ -22941,7 +21205,101 @@
 </p:sld>
 </file>
 
-<file path=ppt/slides/slide21.xml><?xml version="1.0" encoding="utf-8"?>
+<file path=ppt/slides/slide2.xml><?xml version="1.0" encoding="utf-8"?>
+<p:sld xmlns:a="http://schemas.openxmlformats.org/drawingml/2006/main" xmlns:r="http://schemas.openxmlformats.org/officeDocument/2006/relationships" xmlns:p="http://schemas.openxmlformats.org/presentationml/2006/main">
+  <p:cSld>
+    <p:spTree>
+      <p:nvGrpSpPr>
+        <p:cNvPr id="1" name=""/>
+        <p:cNvGrpSpPr/>
+        <p:nvPr/>
+      </p:nvGrpSpPr>
+      <p:grpSpPr>
+        <a:xfrm>
+          <a:off x="0" y="0"/>
+          <a:ext cx="0" cy="0"/>
+          <a:chOff x="0" y="0"/>
+          <a:chExt cx="0" cy="0"/>
+        </a:xfrm>
+      </p:grpSpPr>
+      <p:sp>
+        <p:nvSpPr>
+          <p:cNvPr id="2" name="Title 1">
+            <a:extLst>
+              <a:ext uri="{FF2B5EF4-FFF2-40B4-BE49-F238E27FC236}">
+                <a16:creationId xmlns:a16="http://schemas.microsoft.com/office/drawing/2014/main" id="{681EDA1F-07CD-3349-9902-6FBDD13FA13A}"/>
+              </a:ext>
+            </a:extLst>
+          </p:cNvPr>
+          <p:cNvSpPr>
+            <a:spLocks noGrp="1"/>
+          </p:cNvSpPr>
+          <p:nvPr>
+            <p:ph type="title"/>
+          </p:nvPr>
+        </p:nvSpPr>
+        <p:spPr>
+          <a:xfrm>
+            <a:off x="974354" y="1127848"/>
+            <a:ext cx="10515600" cy="2852737"/>
+          </a:xfrm>
+        </p:spPr>
+        <p:txBody>
+          <a:bodyPr>
+            <a:normAutofit/>
+          </a:bodyPr>
+          <a:lstStyle/>
+          <a:p>
+            <a:r>
+              <a:rPr lang="en-US" sz="4800" dirty="0"/>
+              <a:t>Unsupervised Learning </a:t>
+            </a:r>
+          </a:p>
+        </p:txBody>
+      </p:sp>
+      <p:sp>
+        <p:nvSpPr>
+          <p:cNvPr id="6" name="Text Placeholder 5">
+            <a:extLst>
+              <a:ext uri="{FF2B5EF4-FFF2-40B4-BE49-F238E27FC236}">
+                <a16:creationId xmlns:a16="http://schemas.microsoft.com/office/drawing/2014/main" id="{4824EB56-9B70-3145-AECE-F50984C1ADEF}"/>
+              </a:ext>
+            </a:extLst>
+          </p:cNvPr>
+          <p:cNvSpPr>
+            <a:spLocks noGrp="1"/>
+          </p:cNvSpPr>
+          <p:nvPr>
+            <p:ph type="body" idx="1"/>
+          </p:nvPr>
+        </p:nvSpPr>
+        <p:spPr/>
+        <p:txBody>
+          <a:bodyPr/>
+          <a:lstStyle/>
+          <a:p>
+            <a:pPr lvl="1"/>
+            <a:r>
+              <a:rPr lang="en-US" i="1" dirty="0"/>
+              <a:t>Predicting Categorical Labels</a:t>
+            </a:r>
+          </a:p>
+        </p:txBody>
+      </p:sp>
+    </p:spTree>
+    <p:extLst>
+      <p:ext uri="{BB962C8B-B14F-4D97-AF65-F5344CB8AC3E}">
+        <p14:creationId xmlns:p14="http://schemas.microsoft.com/office/powerpoint/2010/main" val="3231832674"/>
+      </p:ext>
+    </p:extLst>
+  </p:cSld>
+  <p:clrMapOvr>
+    <a:masterClrMapping/>
+  </p:clrMapOvr>
+</p:sld>
+</file>
+
+<file path=ppt/slides/slide20.xml><?xml version="1.0" encoding="utf-8"?>
 <p:sld xmlns:a="http://schemas.openxmlformats.org/drawingml/2006/main" xmlns:r="http://schemas.openxmlformats.org/officeDocument/2006/relationships" xmlns:p="http://schemas.openxmlformats.org/presentationml/2006/main">
   <p:cSld>
     <p:spTree>
@@ -23073,7 +21431,7 @@
 </p:sld>
 </file>
 
-<file path=ppt/slides/slide22.xml><?xml version="1.0" encoding="utf-8"?>
+<file path=ppt/slides/slide21.xml><?xml version="1.0" encoding="utf-8"?>
 <p:sld xmlns:a="http://schemas.openxmlformats.org/drawingml/2006/main" xmlns:r="http://schemas.openxmlformats.org/officeDocument/2006/relationships" xmlns:p="http://schemas.openxmlformats.org/presentationml/2006/main">
   <p:cSld>
     <p:spTree>
@@ -23428,7 +21786,7 @@
 </p:sld>
 </file>
 
-<file path=ppt/slides/slide23.xml><?xml version="1.0" encoding="utf-8"?>
+<file path=ppt/slides/slide22.xml><?xml version="1.0" encoding="utf-8"?>
 <p:sld xmlns:a="http://schemas.openxmlformats.org/drawingml/2006/main" xmlns:r="http://schemas.openxmlformats.org/officeDocument/2006/relationships" xmlns:p="http://schemas.openxmlformats.org/presentationml/2006/main">
   <p:cSld>
     <p:spTree>
@@ -24321,6 +22679,146 @@
       </p:par>
     </p:tnLst>
   </p:timing>
+</p:sld>
+</file>
+
+<file path=ppt/slides/slide23.xml><?xml version="1.0" encoding="utf-8"?>
+<p:sld xmlns:a="http://schemas.openxmlformats.org/drawingml/2006/main" xmlns:r="http://schemas.openxmlformats.org/officeDocument/2006/relationships" xmlns:p="http://schemas.openxmlformats.org/presentationml/2006/main">
+  <p:cSld>
+    <p:spTree>
+      <p:nvGrpSpPr>
+        <p:cNvPr id="1" name=""/>
+        <p:cNvGrpSpPr/>
+        <p:nvPr/>
+      </p:nvGrpSpPr>
+      <p:grpSpPr>
+        <a:xfrm>
+          <a:off x="0" y="0"/>
+          <a:ext cx="0" cy="0"/>
+          <a:chOff x="0" y="0"/>
+          <a:chExt cx="0" cy="0"/>
+        </a:xfrm>
+      </p:grpSpPr>
+      <p:pic>
+        <p:nvPicPr>
+          <p:cNvPr id="5" name="Picture 4">
+            <a:extLst>
+              <a:ext uri="{FF2B5EF4-FFF2-40B4-BE49-F238E27FC236}">
+                <a16:creationId xmlns:a16="http://schemas.microsoft.com/office/drawing/2014/main" id="{FE1C6FAD-F819-40BE-9402-81FBE98EF21C}"/>
+              </a:ext>
+            </a:extLst>
+          </p:cNvPr>
+          <p:cNvPicPr>
+            <a:picLocks noChangeAspect="1"/>
+          </p:cNvPicPr>
+          <p:nvPr/>
+        </p:nvPicPr>
+        <p:blipFill>
+          <a:blip r:embed="rId2">
+            <a:extLst>
+              <a:ext uri="{28A0092B-C50C-407E-A947-70E740481C1C}">
+                <a14:useLocalDpi xmlns:a14="http://schemas.microsoft.com/office/drawing/2010/main" val="0"/>
+              </a:ext>
+            </a:extLst>
+          </a:blip>
+          <a:stretch>
+            <a:fillRect/>
+          </a:stretch>
+        </p:blipFill>
+        <p:spPr>
+          <a:xfrm>
+            <a:off x="2558361" y="127820"/>
+            <a:ext cx="7075277" cy="4694655"/>
+          </a:xfrm>
+          <a:prstGeom prst="rect">
+            <a:avLst/>
+          </a:prstGeom>
+        </p:spPr>
+      </p:pic>
+      <p:sp>
+        <p:nvSpPr>
+          <p:cNvPr id="2" name="Title 1">
+            <a:extLst>
+              <a:ext uri="{FF2B5EF4-FFF2-40B4-BE49-F238E27FC236}">
+                <a16:creationId xmlns:a16="http://schemas.microsoft.com/office/drawing/2014/main" id="{A6FAFACC-3A77-4930-806F-AEC046CCD12E}"/>
+              </a:ext>
+            </a:extLst>
+          </p:cNvPr>
+          <p:cNvSpPr>
+            <a:spLocks noGrp="1"/>
+          </p:cNvSpPr>
+          <p:nvPr>
+            <p:ph type="ctrTitle"/>
+          </p:nvPr>
+        </p:nvSpPr>
+        <p:spPr>
+          <a:xfrm>
+            <a:off x="1524000" y="2814638"/>
+            <a:ext cx="9144000" cy="2387600"/>
+          </a:xfrm>
+        </p:spPr>
+        <p:txBody>
+          <a:bodyPr>
+            <a:normAutofit/>
+          </a:bodyPr>
+          <a:lstStyle/>
+          <a:p>
+            <a:r>
+              <a:rPr lang="en-US" dirty="0"/>
+              <a:t>AIM-AHEAD Introductory Courses in AI/ML Concepts</a:t>
+            </a:r>
+          </a:p>
+        </p:txBody>
+      </p:sp>
+      <p:sp>
+        <p:nvSpPr>
+          <p:cNvPr id="3" name="Subtitle 2">
+            <a:extLst>
+              <a:ext uri="{FF2B5EF4-FFF2-40B4-BE49-F238E27FC236}">
+                <a16:creationId xmlns:a16="http://schemas.microsoft.com/office/drawing/2014/main" id="{D33701D1-BCDF-4163-B365-80F2E75A5E5B}"/>
+              </a:ext>
+            </a:extLst>
+          </p:cNvPr>
+          <p:cNvSpPr>
+            <a:spLocks noGrp="1"/>
+          </p:cNvSpPr>
+          <p:nvPr>
+            <p:ph type="subTitle" idx="1"/>
+          </p:nvPr>
+        </p:nvSpPr>
+        <p:spPr>
+          <a:xfrm>
+            <a:off x="1524000" y="5202238"/>
+            <a:ext cx="9144000" cy="1655762"/>
+          </a:xfrm>
+        </p:spPr>
+        <p:txBody>
+          <a:bodyPr/>
+          <a:lstStyle/>
+          <a:p>
+            <a:r>
+              <a:rPr lang="en-US" dirty="0"/>
+              <a:t>Module 2: Unsupervised Learning</a:t>
+            </a:r>
+          </a:p>
+          <a:p>
+            <a:r>
+              <a:rPr lang="en-US" sz="1600" dirty="0"/>
+              <a:t>Adapted from the Health Informatics and Data Science Masters Degree Program, Georgetown University</a:t>
+            </a:r>
+          </a:p>
+        </p:txBody>
+      </p:sp>
+    </p:spTree>
+    <p:extLst>
+      <p:ext uri="{BB962C8B-B14F-4D97-AF65-F5344CB8AC3E}">
+        <p14:creationId xmlns:p14="http://schemas.microsoft.com/office/powerpoint/2010/main" val="2224041925"/>
+      </p:ext>
+    </p:extLst>
+  </p:cSld>
+  <p:clrMapOvr>
+    <a:masterClrMapping/>
+  </p:clrMapOvr>
 </p:sld>
 </file>
 
@@ -57078,1729 +55576,6 @@
   <p:cSld>
     <p:spTree>
       <p:nvGrpSpPr>
-        <p:cNvPr id="1" name="Shape 176"/>
-        <p:cNvGrpSpPr/>
-        <p:nvPr/>
-      </p:nvGrpSpPr>
-      <p:grpSpPr>
-        <a:xfrm>
-          <a:off x="0" y="0"/>
-          <a:ext cx="0" cy="0"/>
-          <a:chOff x="0" y="0"/>
-          <a:chExt cx="0" cy="0"/>
-        </a:xfrm>
-      </p:grpSpPr>
-      <p:sp>
-        <p:nvSpPr>
-          <p:cNvPr id="177" name="Google Shape;177;p6"/>
-          <p:cNvSpPr txBox="1"/>
-          <p:nvPr/>
-        </p:nvSpPr>
-        <p:spPr>
-          <a:xfrm>
-            <a:off x="508000" y="371025"/>
-            <a:ext cx="11074400" cy="666786"/>
-          </a:xfrm>
-          <a:prstGeom prst="rect">
-            <a:avLst/>
-          </a:prstGeom>
-          <a:noFill/>
-          <a:ln>
-            <a:noFill/>
-          </a:ln>
-        </p:spPr>
-        <p:txBody>
-          <a:bodyPr spcFirstLastPara="1" wrap="square" lIns="91425" tIns="45700" rIns="91425" bIns="45700" anchor="t" anchorCtr="0">
-            <a:spAutoFit/>
-          </a:bodyPr>
-          <a:lstStyle/>
-          <a:p>
-            <a:pPr marL="0" marR="0" lvl="0" indent="0" algn="l" rtl="0">
-              <a:spcBef>
-                <a:spcPts val="0"/>
-              </a:spcBef>
-              <a:spcAft>
-                <a:spcPts val="0"/>
-              </a:spcAft>
-              <a:buNone/>
-            </a:pPr>
-            <a:r>
-              <a:rPr lang="en-US" sz="3733">
-                <a:solidFill>
-                  <a:schemeClr val="dk1"/>
-                </a:solidFill>
-                <a:latin typeface="Calibri"/>
-                <a:ea typeface="Calibri"/>
-                <a:cs typeface="Calibri"/>
-                <a:sym typeface="Calibri"/>
-              </a:rPr>
-              <a:t>Supervised learning</a:t>
-            </a:r>
-            <a:endParaRPr/>
-          </a:p>
-        </p:txBody>
-      </p:sp>
-      <p:sp>
-        <p:nvSpPr>
-          <p:cNvPr id="178" name="Google Shape;178;p6"/>
-          <p:cNvSpPr txBox="1"/>
-          <p:nvPr/>
-        </p:nvSpPr>
-        <p:spPr>
-          <a:xfrm>
-            <a:off x="508000" y="5664200"/>
-            <a:ext cx="11074400" cy="666786"/>
-          </a:xfrm>
-          <a:prstGeom prst="rect">
-            <a:avLst/>
-          </a:prstGeom>
-          <a:noFill/>
-          <a:ln>
-            <a:noFill/>
-          </a:ln>
-        </p:spPr>
-        <p:txBody>
-          <a:bodyPr spcFirstLastPara="1" wrap="square" lIns="91425" tIns="45700" rIns="91425" bIns="45700" anchor="t" anchorCtr="0">
-            <a:spAutoFit/>
-          </a:bodyPr>
-          <a:lstStyle/>
-          <a:p>
-            <a:pPr marL="0" marR="0" lvl="0" indent="0" algn="l" rtl="0">
-              <a:spcBef>
-                <a:spcPts val="0"/>
-              </a:spcBef>
-              <a:spcAft>
-                <a:spcPts val="0"/>
-              </a:spcAft>
-              <a:buNone/>
-            </a:pPr>
-            <a:r>
-              <a:rPr lang="en-US" sz="3733">
-                <a:solidFill>
-                  <a:schemeClr val="dk1"/>
-                </a:solidFill>
-                <a:latin typeface="Calibri"/>
-                <a:ea typeface="Calibri"/>
-                <a:cs typeface="Calibri"/>
-                <a:sym typeface="Calibri"/>
-              </a:rPr>
-              <a:t>Training set: 						    </a:t>
-            </a:r>
-            <a:endParaRPr/>
-          </a:p>
-        </p:txBody>
-      </p:sp>
-      <p:cxnSp>
-        <p:nvCxnSpPr>
-          <p:cNvPr id="179" name="Google Shape;179;p6"/>
-          <p:cNvCxnSpPr/>
-          <p:nvPr/>
-        </p:nvCxnSpPr>
-        <p:spPr>
-          <a:xfrm rot="10800000">
-            <a:off x="4109192" y="1303833"/>
-            <a:ext cx="14752" cy="3697824"/>
-          </a:xfrm>
-          <a:prstGeom prst="straightConnector1">
-            <a:avLst/>
-          </a:prstGeom>
-          <a:noFill/>
-          <a:ln w="19050" cap="flat" cmpd="sng">
-            <a:solidFill>
-              <a:srgbClr val="7F7F7F"/>
-            </a:solidFill>
-            <a:prstDash val="solid"/>
-            <a:miter lim="800000"/>
-            <a:headEnd type="none" w="sm" len="sm"/>
-            <a:tailEnd type="stealth" w="med" len="med"/>
-          </a:ln>
-        </p:spPr>
-      </p:cxnSp>
-      <p:cxnSp>
-        <p:nvCxnSpPr>
-          <p:cNvPr id="180" name="Google Shape;180;p6"/>
-          <p:cNvCxnSpPr/>
-          <p:nvPr/>
-        </p:nvCxnSpPr>
-        <p:spPr>
-          <a:xfrm>
-            <a:off x="3860800" y="4747260"/>
-            <a:ext cx="4470400" cy="0"/>
-          </a:xfrm>
-          <a:prstGeom prst="straightConnector1">
-            <a:avLst/>
-          </a:prstGeom>
-          <a:noFill/>
-          <a:ln w="19050" cap="flat" cmpd="sng">
-            <a:solidFill>
-              <a:srgbClr val="7F7F7F"/>
-            </a:solidFill>
-            <a:prstDash val="solid"/>
-            <a:miter lim="800000"/>
-            <a:headEnd type="none" w="sm" len="sm"/>
-            <a:tailEnd type="stealth" w="med" len="med"/>
-          </a:ln>
-        </p:spPr>
-      </p:cxnSp>
-      <p:sp>
-        <p:nvSpPr>
-          <p:cNvPr id="181" name="Google Shape;181;p6"/>
-          <p:cNvSpPr/>
-          <p:nvPr/>
-        </p:nvSpPr>
-        <p:spPr>
-          <a:xfrm>
-            <a:off x="5101041" y="3228105"/>
-            <a:ext cx="308935" cy="308935"/>
-          </a:xfrm>
-          <a:prstGeom prst="ellipse">
-            <a:avLst/>
-          </a:prstGeom>
-          <a:noFill/>
-          <a:ln w="19050" cap="flat" cmpd="sng">
-            <a:solidFill>
-              <a:srgbClr val="8296B0"/>
-            </a:solidFill>
-            <a:prstDash val="solid"/>
-            <a:miter lim="800000"/>
-            <a:headEnd type="none" w="sm" len="sm"/>
-            <a:tailEnd type="none" w="sm" len="sm"/>
-          </a:ln>
-        </p:spPr>
-        <p:txBody>
-          <a:bodyPr spcFirstLastPara="1" wrap="square" lIns="91425" tIns="45700" rIns="91425" bIns="45700" anchor="ctr" anchorCtr="0">
-            <a:noAutofit/>
-          </a:bodyPr>
-          <a:lstStyle/>
-          <a:p>
-            <a:pPr marL="0" marR="0" lvl="0" indent="0" algn="ctr" rtl="0">
-              <a:spcBef>
-                <a:spcPts val="0"/>
-              </a:spcBef>
-              <a:spcAft>
-                <a:spcPts val="0"/>
-              </a:spcAft>
-              <a:buNone/>
-            </a:pPr>
-            <a:endParaRPr sz="2400">
-              <a:solidFill>
-                <a:schemeClr val="lt1"/>
-              </a:solidFill>
-              <a:latin typeface="Calibri"/>
-              <a:ea typeface="Calibri"/>
-              <a:cs typeface="Calibri"/>
-              <a:sym typeface="Calibri"/>
-            </a:endParaRPr>
-          </a:p>
-        </p:txBody>
-      </p:sp>
-      <p:sp>
-        <p:nvSpPr>
-          <p:cNvPr id="182" name="Google Shape;182;p6"/>
-          <p:cNvSpPr/>
-          <p:nvPr/>
-        </p:nvSpPr>
-        <p:spPr>
-          <a:xfrm rot="2734294">
-            <a:off x="6109245" y="1808542"/>
-            <a:ext cx="405308" cy="405308"/>
-          </a:xfrm>
-          <a:prstGeom prst="plus">
-            <a:avLst>
-              <a:gd name="adj" fmla="val 46579"/>
-            </a:avLst>
-          </a:prstGeom>
-          <a:solidFill>
-            <a:schemeClr val="dk1"/>
-          </a:solidFill>
-          <a:ln w="19050" cap="flat" cmpd="sng">
-            <a:solidFill>
-              <a:srgbClr val="FF0000"/>
-            </a:solidFill>
-            <a:prstDash val="solid"/>
-            <a:miter lim="800000"/>
-            <a:headEnd type="none" w="sm" len="sm"/>
-            <a:tailEnd type="none" w="sm" len="sm"/>
-          </a:ln>
-        </p:spPr>
-        <p:txBody>
-          <a:bodyPr spcFirstLastPara="1" wrap="square" lIns="91425" tIns="45700" rIns="91425" bIns="45700" anchor="ctr" anchorCtr="0">
-            <a:noAutofit/>
-          </a:bodyPr>
-          <a:lstStyle/>
-          <a:p>
-            <a:pPr marL="0" marR="0" lvl="0" indent="0" algn="ctr" rtl="0">
-              <a:spcBef>
-                <a:spcPts val="0"/>
-              </a:spcBef>
-              <a:spcAft>
-                <a:spcPts val="0"/>
-              </a:spcAft>
-              <a:buNone/>
-            </a:pPr>
-            <a:endParaRPr sz="2400">
-              <a:solidFill>
-                <a:schemeClr val="lt1"/>
-              </a:solidFill>
-              <a:latin typeface="Calibri"/>
-              <a:ea typeface="Calibri"/>
-              <a:cs typeface="Calibri"/>
-              <a:sym typeface="Calibri"/>
-            </a:endParaRPr>
-          </a:p>
-        </p:txBody>
-      </p:sp>
-      <p:sp>
-        <p:nvSpPr>
-          <p:cNvPr id="183" name="Google Shape;183;p6"/>
-          <p:cNvSpPr/>
-          <p:nvPr/>
-        </p:nvSpPr>
-        <p:spPr>
-          <a:xfrm>
-            <a:off x="4854461" y="4188931"/>
-            <a:ext cx="308935" cy="308935"/>
-          </a:xfrm>
-          <a:prstGeom prst="ellipse">
-            <a:avLst/>
-          </a:prstGeom>
-          <a:noFill/>
-          <a:ln w="19050" cap="flat" cmpd="sng">
-            <a:solidFill>
-              <a:srgbClr val="8296B0"/>
-            </a:solidFill>
-            <a:prstDash val="solid"/>
-            <a:miter lim="800000"/>
-            <a:headEnd type="none" w="sm" len="sm"/>
-            <a:tailEnd type="none" w="sm" len="sm"/>
-          </a:ln>
-        </p:spPr>
-        <p:txBody>
-          <a:bodyPr spcFirstLastPara="1" wrap="square" lIns="91425" tIns="45700" rIns="91425" bIns="45700" anchor="ctr" anchorCtr="0">
-            <a:noAutofit/>
-          </a:bodyPr>
-          <a:lstStyle/>
-          <a:p>
-            <a:pPr marL="0" marR="0" lvl="0" indent="0" algn="ctr" rtl="0">
-              <a:spcBef>
-                <a:spcPts val="0"/>
-              </a:spcBef>
-              <a:spcAft>
-                <a:spcPts val="0"/>
-              </a:spcAft>
-              <a:buNone/>
-            </a:pPr>
-            <a:endParaRPr sz="2400">
-              <a:solidFill>
-                <a:schemeClr val="lt1"/>
-              </a:solidFill>
-              <a:latin typeface="Calibri"/>
-              <a:ea typeface="Calibri"/>
-              <a:cs typeface="Calibri"/>
-              <a:sym typeface="Calibri"/>
-            </a:endParaRPr>
-          </a:p>
-        </p:txBody>
-      </p:sp>
-      <p:sp>
-        <p:nvSpPr>
-          <p:cNvPr id="184" name="Google Shape;184;p6"/>
-          <p:cNvSpPr/>
-          <p:nvPr/>
-        </p:nvSpPr>
-        <p:spPr>
-          <a:xfrm>
-            <a:off x="4497074" y="3584691"/>
-            <a:ext cx="308935" cy="308935"/>
-          </a:xfrm>
-          <a:prstGeom prst="ellipse">
-            <a:avLst/>
-          </a:prstGeom>
-          <a:noFill/>
-          <a:ln w="19050" cap="flat" cmpd="sng">
-            <a:solidFill>
-              <a:srgbClr val="8296B0"/>
-            </a:solidFill>
-            <a:prstDash val="solid"/>
-            <a:miter lim="800000"/>
-            <a:headEnd type="none" w="sm" len="sm"/>
-            <a:tailEnd type="none" w="sm" len="sm"/>
-          </a:ln>
-        </p:spPr>
-        <p:txBody>
-          <a:bodyPr spcFirstLastPara="1" wrap="square" lIns="91425" tIns="45700" rIns="91425" bIns="45700" anchor="ctr" anchorCtr="0">
-            <a:noAutofit/>
-          </a:bodyPr>
-          <a:lstStyle/>
-          <a:p>
-            <a:pPr marL="0" marR="0" lvl="0" indent="0" algn="ctr" rtl="0">
-              <a:spcBef>
-                <a:spcPts val="0"/>
-              </a:spcBef>
-              <a:spcAft>
-                <a:spcPts val="0"/>
-              </a:spcAft>
-              <a:buNone/>
-            </a:pPr>
-            <a:endParaRPr sz="2400">
-              <a:solidFill>
-                <a:schemeClr val="lt1"/>
-              </a:solidFill>
-              <a:latin typeface="Calibri"/>
-              <a:ea typeface="Calibri"/>
-              <a:cs typeface="Calibri"/>
-              <a:sym typeface="Calibri"/>
-            </a:endParaRPr>
-          </a:p>
-        </p:txBody>
-      </p:sp>
-      <p:sp>
-        <p:nvSpPr>
-          <p:cNvPr id="185" name="Google Shape;185;p6"/>
-          <p:cNvSpPr/>
-          <p:nvPr/>
-        </p:nvSpPr>
-        <p:spPr>
-          <a:xfrm>
-            <a:off x="5218538" y="3892121"/>
-            <a:ext cx="308935" cy="308935"/>
-          </a:xfrm>
-          <a:prstGeom prst="ellipse">
-            <a:avLst/>
-          </a:prstGeom>
-          <a:noFill/>
-          <a:ln w="19050" cap="flat" cmpd="sng">
-            <a:solidFill>
-              <a:srgbClr val="8296B0"/>
-            </a:solidFill>
-            <a:prstDash val="solid"/>
-            <a:miter lim="800000"/>
-            <a:headEnd type="none" w="sm" len="sm"/>
-            <a:tailEnd type="none" w="sm" len="sm"/>
-          </a:ln>
-        </p:spPr>
-        <p:txBody>
-          <a:bodyPr spcFirstLastPara="1" wrap="square" lIns="91425" tIns="45700" rIns="91425" bIns="45700" anchor="ctr" anchorCtr="0">
-            <a:noAutofit/>
-          </a:bodyPr>
-          <a:lstStyle/>
-          <a:p>
-            <a:pPr marL="0" marR="0" lvl="0" indent="0" algn="ctr" rtl="0">
-              <a:spcBef>
-                <a:spcPts val="0"/>
-              </a:spcBef>
-              <a:spcAft>
-                <a:spcPts val="0"/>
-              </a:spcAft>
-              <a:buNone/>
-            </a:pPr>
-            <a:endParaRPr sz="2400">
-              <a:solidFill>
-                <a:schemeClr val="lt1"/>
-              </a:solidFill>
-              <a:latin typeface="Calibri"/>
-              <a:ea typeface="Calibri"/>
-              <a:cs typeface="Calibri"/>
-              <a:sym typeface="Calibri"/>
-            </a:endParaRPr>
-          </a:p>
-        </p:txBody>
-      </p:sp>
-      <p:sp>
-        <p:nvSpPr>
-          <p:cNvPr id="186" name="Google Shape;186;p6"/>
-          <p:cNvSpPr/>
-          <p:nvPr/>
-        </p:nvSpPr>
-        <p:spPr>
-          <a:xfrm>
-            <a:off x="4497074" y="3034134"/>
-            <a:ext cx="308935" cy="308935"/>
-          </a:xfrm>
-          <a:prstGeom prst="ellipse">
-            <a:avLst/>
-          </a:prstGeom>
-          <a:noFill/>
-          <a:ln w="19050" cap="flat" cmpd="sng">
-            <a:solidFill>
-              <a:srgbClr val="8296B0"/>
-            </a:solidFill>
-            <a:prstDash val="solid"/>
-            <a:miter lim="800000"/>
-            <a:headEnd type="none" w="sm" len="sm"/>
-            <a:tailEnd type="none" w="sm" len="sm"/>
-          </a:ln>
-        </p:spPr>
-        <p:txBody>
-          <a:bodyPr spcFirstLastPara="1" wrap="square" lIns="91425" tIns="45700" rIns="91425" bIns="45700" anchor="ctr" anchorCtr="0">
-            <a:noAutofit/>
-          </a:bodyPr>
-          <a:lstStyle/>
-          <a:p>
-            <a:pPr marL="0" marR="0" lvl="0" indent="0" algn="ctr" rtl="0">
-              <a:spcBef>
-                <a:spcPts val="0"/>
-              </a:spcBef>
-              <a:spcAft>
-                <a:spcPts val="0"/>
-              </a:spcAft>
-              <a:buNone/>
-            </a:pPr>
-            <a:endParaRPr sz="2400">
-              <a:solidFill>
-                <a:schemeClr val="lt1"/>
-              </a:solidFill>
-              <a:latin typeface="Calibri"/>
-              <a:ea typeface="Calibri"/>
-              <a:cs typeface="Calibri"/>
-              <a:sym typeface="Calibri"/>
-            </a:endParaRPr>
-          </a:p>
-        </p:txBody>
-      </p:sp>
-      <p:sp>
-        <p:nvSpPr>
-          <p:cNvPr id="187" name="Google Shape;187;p6"/>
-          <p:cNvSpPr/>
-          <p:nvPr/>
-        </p:nvSpPr>
-        <p:spPr>
-          <a:xfrm rot="2734294">
-            <a:off x="6179929" y="2330163"/>
-            <a:ext cx="405308" cy="405308"/>
-          </a:xfrm>
-          <a:prstGeom prst="plus">
-            <a:avLst>
-              <a:gd name="adj" fmla="val 46579"/>
-            </a:avLst>
-          </a:prstGeom>
-          <a:solidFill>
-            <a:schemeClr val="dk1"/>
-          </a:solidFill>
-          <a:ln w="19050" cap="flat" cmpd="sng">
-            <a:solidFill>
-              <a:srgbClr val="FF0000"/>
-            </a:solidFill>
-            <a:prstDash val="solid"/>
-            <a:miter lim="800000"/>
-            <a:headEnd type="none" w="sm" len="sm"/>
-            <a:tailEnd type="none" w="sm" len="sm"/>
-          </a:ln>
-        </p:spPr>
-        <p:txBody>
-          <a:bodyPr spcFirstLastPara="1" wrap="square" lIns="91425" tIns="45700" rIns="91425" bIns="45700" anchor="ctr" anchorCtr="0">
-            <a:noAutofit/>
-          </a:bodyPr>
-          <a:lstStyle/>
-          <a:p>
-            <a:pPr marL="0" marR="0" lvl="0" indent="0" algn="ctr" rtl="0">
-              <a:spcBef>
-                <a:spcPts val="0"/>
-              </a:spcBef>
-              <a:spcAft>
-                <a:spcPts val="0"/>
-              </a:spcAft>
-              <a:buNone/>
-            </a:pPr>
-            <a:endParaRPr sz="2400">
-              <a:solidFill>
-                <a:schemeClr val="lt1"/>
-              </a:solidFill>
-              <a:latin typeface="Calibri"/>
-              <a:ea typeface="Calibri"/>
-              <a:cs typeface="Calibri"/>
-              <a:sym typeface="Calibri"/>
-            </a:endParaRPr>
-          </a:p>
-        </p:txBody>
-      </p:sp>
-      <p:sp>
-        <p:nvSpPr>
-          <p:cNvPr id="188" name="Google Shape;188;p6"/>
-          <p:cNvSpPr/>
-          <p:nvPr/>
-        </p:nvSpPr>
-        <p:spPr>
-          <a:xfrm rot="2734294">
-            <a:off x="6754323" y="2394406"/>
-            <a:ext cx="405308" cy="405308"/>
-          </a:xfrm>
-          <a:prstGeom prst="plus">
-            <a:avLst>
-              <a:gd name="adj" fmla="val 46579"/>
-            </a:avLst>
-          </a:prstGeom>
-          <a:solidFill>
-            <a:schemeClr val="dk1"/>
-          </a:solidFill>
-          <a:ln w="19050" cap="flat" cmpd="sng">
-            <a:solidFill>
-              <a:srgbClr val="FF0000"/>
-            </a:solidFill>
-            <a:prstDash val="solid"/>
-            <a:miter lim="800000"/>
-            <a:headEnd type="none" w="sm" len="sm"/>
-            <a:tailEnd type="none" w="sm" len="sm"/>
-          </a:ln>
-        </p:spPr>
-        <p:txBody>
-          <a:bodyPr spcFirstLastPara="1" wrap="square" lIns="91425" tIns="45700" rIns="91425" bIns="45700" anchor="ctr" anchorCtr="0">
-            <a:noAutofit/>
-          </a:bodyPr>
-          <a:lstStyle/>
-          <a:p>
-            <a:pPr marL="0" marR="0" lvl="0" indent="0" algn="ctr" rtl="0">
-              <a:spcBef>
-                <a:spcPts val="0"/>
-              </a:spcBef>
-              <a:spcAft>
-                <a:spcPts val="0"/>
-              </a:spcAft>
-              <a:buNone/>
-            </a:pPr>
-            <a:endParaRPr sz="2400">
-              <a:solidFill>
-                <a:schemeClr val="lt1"/>
-              </a:solidFill>
-              <a:latin typeface="Calibri"/>
-              <a:ea typeface="Calibri"/>
-              <a:cs typeface="Calibri"/>
-              <a:sym typeface="Calibri"/>
-            </a:endParaRPr>
-          </a:p>
-        </p:txBody>
-      </p:sp>
-      <p:sp>
-        <p:nvSpPr>
-          <p:cNvPr id="189" name="Google Shape;189;p6"/>
-          <p:cNvSpPr/>
-          <p:nvPr/>
-        </p:nvSpPr>
-        <p:spPr>
-          <a:xfrm rot="2734294">
-            <a:off x="7137947" y="1942181"/>
-            <a:ext cx="405308" cy="405308"/>
-          </a:xfrm>
-          <a:prstGeom prst="plus">
-            <a:avLst>
-              <a:gd name="adj" fmla="val 46579"/>
-            </a:avLst>
-          </a:prstGeom>
-          <a:solidFill>
-            <a:schemeClr val="dk1"/>
-          </a:solidFill>
-          <a:ln w="19050" cap="flat" cmpd="sng">
-            <a:solidFill>
-              <a:srgbClr val="FF0000"/>
-            </a:solidFill>
-            <a:prstDash val="solid"/>
-            <a:miter lim="800000"/>
-            <a:headEnd type="none" w="sm" len="sm"/>
-            <a:tailEnd type="none" w="sm" len="sm"/>
-          </a:ln>
-        </p:spPr>
-        <p:txBody>
-          <a:bodyPr spcFirstLastPara="1" wrap="square" lIns="91425" tIns="45700" rIns="91425" bIns="45700" anchor="ctr" anchorCtr="0">
-            <a:noAutofit/>
-          </a:bodyPr>
-          <a:lstStyle/>
-          <a:p>
-            <a:pPr marL="0" marR="0" lvl="0" indent="0" algn="ctr" rtl="0">
-              <a:spcBef>
-                <a:spcPts val="0"/>
-              </a:spcBef>
-              <a:spcAft>
-                <a:spcPts val="0"/>
-              </a:spcAft>
-              <a:buNone/>
-            </a:pPr>
-            <a:endParaRPr sz="2400">
-              <a:solidFill>
-                <a:schemeClr val="lt1"/>
-              </a:solidFill>
-              <a:latin typeface="Calibri"/>
-              <a:ea typeface="Calibri"/>
-              <a:cs typeface="Calibri"/>
-              <a:sym typeface="Calibri"/>
-            </a:endParaRPr>
-          </a:p>
-        </p:txBody>
-      </p:sp>
-      <p:sp>
-        <p:nvSpPr>
-          <p:cNvPr id="190" name="Google Shape;190;p6"/>
-          <p:cNvSpPr/>
-          <p:nvPr/>
-        </p:nvSpPr>
-        <p:spPr>
-          <a:xfrm rot="2734294">
-            <a:off x="6494318" y="1583473"/>
-            <a:ext cx="405308" cy="405308"/>
-          </a:xfrm>
-          <a:prstGeom prst="plus">
-            <a:avLst>
-              <a:gd name="adj" fmla="val 46579"/>
-            </a:avLst>
-          </a:prstGeom>
-          <a:solidFill>
-            <a:schemeClr val="dk1"/>
-          </a:solidFill>
-          <a:ln w="19050" cap="flat" cmpd="sng">
-            <a:solidFill>
-              <a:srgbClr val="FF0000"/>
-            </a:solidFill>
-            <a:prstDash val="solid"/>
-            <a:miter lim="800000"/>
-            <a:headEnd type="none" w="sm" len="sm"/>
-            <a:tailEnd type="none" w="sm" len="sm"/>
-          </a:ln>
-        </p:spPr>
-        <p:txBody>
-          <a:bodyPr spcFirstLastPara="1" wrap="square" lIns="91425" tIns="45700" rIns="91425" bIns="45700" anchor="ctr" anchorCtr="0">
-            <a:noAutofit/>
-          </a:bodyPr>
-          <a:lstStyle/>
-          <a:p>
-            <a:pPr marL="0" marR="0" lvl="0" indent="0" algn="ctr" rtl="0">
-              <a:spcBef>
-                <a:spcPts val="0"/>
-              </a:spcBef>
-              <a:spcAft>
-                <a:spcPts val="0"/>
-              </a:spcAft>
-              <a:buNone/>
-            </a:pPr>
-            <a:endParaRPr sz="2400">
-              <a:solidFill>
-                <a:schemeClr val="lt1"/>
-              </a:solidFill>
-              <a:latin typeface="Calibri"/>
-              <a:ea typeface="Calibri"/>
-              <a:cs typeface="Calibri"/>
-              <a:sym typeface="Calibri"/>
-            </a:endParaRPr>
-          </a:p>
-        </p:txBody>
-      </p:sp>
-      <p:pic>
-        <p:nvPicPr>
-          <p:cNvPr id="191" name="Google Shape;191;p6"/>
-          <p:cNvPicPr preferRelativeResize="0"/>
-          <p:nvPr/>
-        </p:nvPicPr>
-        <p:blipFill rotWithShape="1">
-          <a:blip r:embed="rId3">
-            <a:alphaModFix/>
-          </a:blip>
-          <a:srcRect/>
-          <a:stretch/>
-        </p:blipFill>
-        <p:spPr>
-          <a:xfrm>
-            <a:off x="3599614" y="1897215"/>
-            <a:ext cx="297180" cy="200660"/>
-          </a:xfrm>
-          <a:prstGeom prst="rect">
-            <a:avLst/>
-          </a:prstGeom>
-          <a:noFill/>
-          <a:ln>
-            <a:noFill/>
-          </a:ln>
-        </p:spPr>
-      </p:pic>
-      <p:pic>
-        <p:nvPicPr>
-          <p:cNvPr id="192" name="Google Shape;192;p6"/>
-          <p:cNvPicPr preferRelativeResize="0"/>
-          <p:nvPr/>
-        </p:nvPicPr>
-        <p:blipFill rotWithShape="1">
-          <a:blip r:embed="rId4">
-            <a:alphaModFix/>
-          </a:blip>
-          <a:srcRect/>
-          <a:stretch/>
-        </p:blipFill>
-        <p:spPr>
-          <a:xfrm>
-            <a:off x="7511635" y="5001658"/>
-            <a:ext cx="304800" cy="200660"/>
-          </a:xfrm>
-          <a:prstGeom prst="rect">
-            <a:avLst/>
-          </a:prstGeom>
-          <a:noFill/>
-          <a:ln>
-            <a:noFill/>
-          </a:ln>
-        </p:spPr>
-      </p:pic>
-      <p:pic>
-        <p:nvPicPr>
-          <p:cNvPr id="193" name="Google Shape;193;p6"/>
-          <p:cNvPicPr preferRelativeResize="0"/>
-          <p:nvPr/>
-        </p:nvPicPr>
-        <p:blipFill rotWithShape="1">
-          <a:blip r:embed="rId5">
-            <a:alphaModFix/>
-          </a:blip>
-          <a:srcRect/>
-          <a:stretch/>
-        </p:blipFill>
-        <p:spPr>
-          <a:xfrm>
-            <a:off x="3086101" y="5818703"/>
-            <a:ext cx="7581900" cy="388620"/>
-          </a:xfrm>
-          <a:prstGeom prst="rect">
-            <a:avLst/>
-          </a:prstGeom>
-          <a:noFill/>
-          <a:ln>
-            <a:noFill/>
-          </a:ln>
-        </p:spPr>
-      </p:pic>
-      <p:cxnSp>
-        <p:nvCxnSpPr>
-          <p:cNvPr id="194" name="Google Shape;194;p6"/>
-          <p:cNvCxnSpPr/>
-          <p:nvPr/>
-        </p:nvCxnSpPr>
-        <p:spPr>
-          <a:xfrm>
-            <a:off x="3860800" y="4747260"/>
-            <a:ext cx="4470400" cy="0"/>
-          </a:xfrm>
-          <a:prstGeom prst="straightConnector1">
-            <a:avLst/>
-          </a:prstGeom>
-          <a:noFill/>
-          <a:ln w="19050" cap="flat" cmpd="sng">
-            <a:solidFill>
-              <a:srgbClr val="7F7F7F"/>
-            </a:solidFill>
-            <a:prstDash val="solid"/>
-            <a:miter lim="800000"/>
-            <a:headEnd type="none" w="sm" len="sm"/>
-            <a:tailEnd type="stealth" w="med" len="med"/>
-          </a:ln>
-        </p:spPr>
-      </p:cxnSp>
-      <p:pic>
-        <p:nvPicPr>
-          <p:cNvPr id="195" name="Google Shape;195;p6"/>
-          <p:cNvPicPr preferRelativeResize="0"/>
-          <p:nvPr/>
-        </p:nvPicPr>
-        <p:blipFill rotWithShape="1">
-          <a:blip r:embed="rId3">
-            <a:alphaModFix/>
-          </a:blip>
-          <a:srcRect/>
-          <a:stretch/>
-        </p:blipFill>
-        <p:spPr>
-          <a:xfrm>
-            <a:off x="3599614" y="1897215"/>
-            <a:ext cx="297180" cy="200660"/>
-          </a:xfrm>
-          <a:prstGeom prst="rect">
-            <a:avLst/>
-          </a:prstGeom>
-          <a:noFill/>
-          <a:ln>
-            <a:noFill/>
-          </a:ln>
-        </p:spPr>
-      </p:pic>
-      <p:sp>
-        <p:nvSpPr>
-          <p:cNvPr id="196" name="Google Shape;196;p6"/>
-          <p:cNvSpPr txBox="1"/>
-          <p:nvPr/>
-        </p:nvSpPr>
-        <p:spPr>
-          <a:xfrm>
-            <a:off x="1106905" y="6330986"/>
-            <a:ext cx="1045479" cy="369332"/>
-          </a:xfrm>
-          <a:prstGeom prst="rect">
-            <a:avLst/>
-          </a:prstGeom>
-          <a:noFill/>
-          <a:ln>
-            <a:noFill/>
-          </a:ln>
-        </p:spPr>
-        <p:txBody>
-          <a:bodyPr spcFirstLastPara="1" wrap="square" lIns="91425" tIns="45700" rIns="91425" bIns="45700" anchor="t" anchorCtr="0">
-            <a:spAutoFit/>
-          </a:bodyPr>
-          <a:lstStyle/>
-          <a:p>
-            <a:pPr marL="0" marR="0" lvl="0" indent="0" algn="l" rtl="0">
-              <a:spcBef>
-                <a:spcPts val="0"/>
-              </a:spcBef>
-              <a:spcAft>
-                <a:spcPts val="0"/>
-              </a:spcAft>
-              <a:buNone/>
-            </a:pPr>
-            <a:r>
-              <a:rPr lang="en-US" sz="1800" b="1">
-                <a:solidFill>
-                  <a:schemeClr val="dk1"/>
-                </a:solidFill>
-                <a:latin typeface="Calibri"/>
-                <a:ea typeface="Calibri"/>
-                <a:cs typeface="Calibri"/>
-                <a:sym typeface="Calibri"/>
-              </a:rPr>
-              <a:t>y</a:t>
-            </a:r>
-            <a:r>
-              <a:rPr lang="en-US" sz="1800" b="1" baseline="30000">
-                <a:solidFill>
-                  <a:schemeClr val="dk1"/>
-                </a:solidFill>
-                <a:latin typeface="Calibri"/>
-                <a:ea typeface="Calibri"/>
-                <a:cs typeface="Calibri"/>
-                <a:sym typeface="Calibri"/>
-              </a:rPr>
-              <a:t>i</a:t>
-            </a:r>
-            <a:r>
-              <a:rPr lang="en-US" sz="1800" b="1">
-                <a:solidFill>
-                  <a:schemeClr val="dk1"/>
-                </a:solidFill>
-                <a:latin typeface="Calibri"/>
-                <a:ea typeface="Calibri"/>
-                <a:cs typeface="Calibri"/>
-                <a:sym typeface="Calibri"/>
-              </a:rPr>
-              <a:t>: Labels</a:t>
-            </a:r>
-            <a:endParaRPr/>
-          </a:p>
-        </p:txBody>
-      </p:sp>
-    </p:spTree>
-  </p:cSld>
-  <p:clrMapOvr>
-    <a:masterClrMapping/>
-  </p:clrMapOvr>
-</p:sld>
-</file>
-
-<file path=ppt/slides/slide6.xml><?xml version="1.0" encoding="utf-8"?>
-<p:sld xmlns:a="http://schemas.openxmlformats.org/drawingml/2006/main" xmlns:r="http://schemas.openxmlformats.org/officeDocument/2006/relationships" xmlns:p="http://schemas.openxmlformats.org/presentationml/2006/main">
-  <p:cSld>
-    <p:spTree>
-      <p:nvGrpSpPr>
-        <p:cNvPr id="1" name="Shape 200"/>
-        <p:cNvGrpSpPr/>
-        <p:nvPr/>
-      </p:nvGrpSpPr>
-      <p:grpSpPr>
-        <a:xfrm>
-          <a:off x="0" y="0"/>
-          <a:ext cx="0" cy="0"/>
-          <a:chOff x="0" y="0"/>
-          <a:chExt cx="0" cy="0"/>
-        </a:xfrm>
-      </p:grpSpPr>
-      <p:sp>
-        <p:nvSpPr>
-          <p:cNvPr id="201" name="Google Shape;201;p7"/>
-          <p:cNvSpPr txBox="1"/>
-          <p:nvPr/>
-        </p:nvSpPr>
-        <p:spPr>
-          <a:xfrm>
-            <a:off x="508000" y="371025"/>
-            <a:ext cx="11074400" cy="666786"/>
-          </a:xfrm>
-          <a:prstGeom prst="rect">
-            <a:avLst/>
-          </a:prstGeom>
-          <a:noFill/>
-          <a:ln>
-            <a:noFill/>
-          </a:ln>
-        </p:spPr>
-        <p:txBody>
-          <a:bodyPr spcFirstLastPara="1" wrap="square" lIns="91425" tIns="45700" rIns="91425" bIns="45700" anchor="t" anchorCtr="0">
-            <a:spAutoFit/>
-          </a:bodyPr>
-          <a:lstStyle/>
-          <a:p>
-            <a:pPr marL="0" marR="0" lvl="0" indent="0" algn="l" rtl="0">
-              <a:spcBef>
-                <a:spcPts val="0"/>
-              </a:spcBef>
-              <a:spcAft>
-                <a:spcPts val="0"/>
-              </a:spcAft>
-              <a:buNone/>
-            </a:pPr>
-            <a:r>
-              <a:rPr lang="en-US" sz="3733">
-                <a:solidFill>
-                  <a:schemeClr val="dk1"/>
-                </a:solidFill>
-                <a:latin typeface="Calibri"/>
-                <a:ea typeface="Calibri"/>
-                <a:cs typeface="Calibri"/>
-                <a:sym typeface="Calibri"/>
-              </a:rPr>
-              <a:t>Unsupervised learning: Clustering</a:t>
-            </a:r>
-            <a:endParaRPr/>
-          </a:p>
-        </p:txBody>
-      </p:sp>
-      <p:sp>
-        <p:nvSpPr>
-          <p:cNvPr id="202" name="Google Shape;202;p7"/>
-          <p:cNvSpPr txBox="1"/>
-          <p:nvPr/>
-        </p:nvSpPr>
-        <p:spPr>
-          <a:xfrm>
-            <a:off x="508000" y="5664200"/>
-            <a:ext cx="11074400" cy="666786"/>
-          </a:xfrm>
-          <a:prstGeom prst="rect">
-            <a:avLst/>
-          </a:prstGeom>
-          <a:noFill/>
-          <a:ln>
-            <a:noFill/>
-          </a:ln>
-        </p:spPr>
-        <p:txBody>
-          <a:bodyPr spcFirstLastPara="1" wrap="square" lIns="91425" tIns="45700" rIns="91425" bIns="45700" anchor="t" anchorCtr="0">
-            <a:spAutoFit/>
-          </a:bodyPr>
-          <a:lstStyle/>
-          <a:p>
-            <a:pPr marL="0" marR="0" lvl="0" indent="0" algn="l" rtl="0">
-              <a:spcBef>
-                <a:spcPts val="0"/>
-              </a:spcBef>
-              <a:spcAft>
-                <a:spcPts val="0"/>
-              </a:spcAft>
-              <a:buNone/>
-            </a:pPr>
-            <a:r>
-              <a:rPr lang="en-US" sz="3733">
-                <a:solidFill>
-                  <a:schemeClr val="dk1"/>
-                </a:solidFill>
-                <a:latin typeface="Calibri"/>
-                <a:ea typeface="Calibri"/>
-                <a:cs typeface="Calibri"/>
-                <a:sym typeface="Calibri"/>
-              </a:rPr>
-              <a:t>Training set: 		</a:t>
-            </a:r>
-            <a:endParaRPr/>
-          </a:p>
-        </p:txBody>
-      </p:sp>
-      <p:cxnSp>
-        <p:nvCxnSpPr>
-          <p:cNvPr id="203" name="Google Shape;203;p7"/>
-          <p:cNvCxnSpPr/>
-          <p:nvPr/>
-        </p:nvCxnSpPr>
-        <p:spPr>
-          <a:xfrm rot="10800000">
-            <a:off x="4109192" y="1303833"/>
-            <a:ext cx="14752" cy="3697824"/>
-          </a:xfrm>
-          <a:prstGeom prst="straightConnector1">
-            <a:avLst/>
-          </a:prstGeom>
-          <a:noFill/>
-          <a:ln w="19050" cap="flat" cmpd="sng">
-            <a:solidFill>
-              <a:srgbClr val="7F7F7F"/>
-            </a:solidFill>
-            <a:prstDash val="solid"/>
-            <a:miter lim="800000"/>
-            <a:headEnd type="none" w="sm" len="sm"/>
-            <a:tailEnd type="stealth" w="med" len="med"/>
-          </a:ln>
-        </p:spPr>
-      </p:cxnSp>
-      <p:cxnSp>
-        <p:nvCxnSpPr>
-          <p:cNvPr id="204" name="Google Shape;204;p7"/>
-          <p:cNvCxnSpPr/>
-          <p:nvPr/>
-        </p:nvCxnSpPr>
-        <p:spPr>
-          <a:xfrm>
-            <a:off x="3860800" y="4747260"/>
-            <a:ext cx="4470400" cy="0"/>
-          </a:xfrm>
-          <a:prstGeom prst="straightConnector1">
-            <a:avLst/>
-          </a:prstGeom>
-          <a:noFill/>
-          <a:ln w="19050" cap="flat" cmpd="sng">
-            <a:solidFill>
-              <a:srgbClr val="7F7F7F"/>
-            </a:solidFill>
-            <a:prstDash val="solid"/>
-            <a:miter lim="800000"/>
-            <a:headEnd type="none" w="sm" len="sm"/>
-            <a:tailEnd type="stealth" w="med" len="med"/>
-          </a:ln>
-        </p:spPr>
-      </p:cxnSp>
-      <p:pic>
-        <p:nvPicPr>
-          <p:cNvPr id="205" name="Google Shape;205;p7"/>
-          <p:cNvPicPr preferRelativeResize="0"/>
-          <p:nvPr/>
-        </p:nvPicPr>
-        <p:blipFill rotWithShape="1">
-          <a:blip r:embed="rId3">
-            <a:alphaModFix/>
-          </a:blip>
-          <a:srcRect/>
-          <a:stretch/>
-        </p:blipFill>
-        <p:spPr>
-          <a:xfrm>
-            <a:off x="3599614" y="1897215"/>
-            <a:ext cx="297180" cy="200660"/>
-          </a:xfrm>
-          <a:prstGeom prst="rect">
-            <a:avLst/>
-          </a:prstGeom>
-          <a:noFill/>
-          <a:ln>
-            <a:noFill/>
-          </a:ln>
-        </p:spPr>
-      </p:pic>
-      <p:pic>
-        <p:nvPicPr>
-          <p:cNvPr id="206" name="Google Shape;206;p7"/>
-          <p:cNvPicPr preferRelativeResize="0"/>
-          <p:nvPr/>
-        </p:nvPicPr>
-        <p:blipFill rotWithShape="1">
-          <a:blip r:embed="rId4">
-            <a:alphaModFix/>
-          </a:blip>
-          <a:srcRect/>
-          <a:stretch/>
-        </p:blipFill>
-        <p:spPr>
-          <a:xfrm>
-            <a:off x="7511635" y="5001658"/>
-            <a:ext cx="304800" cy="200660"/>
-          </a:xfrm>
-          <a:prstGeom prst="rect">
-            <a:avLst/>
-          </a:prstGeom>
-          <a:noFill/>
-          <a:ln>
-            <a:noFill/>
-          </a:ln>
-        </p:spPr>
-      </p:pic>
-      <p:pic>
-        <p:nvPicPr>
-          <p:cNvPr id="207" name="Google Shape;207;p7"/>
-          <p:cNvPicPr preferRelativeResize="0"/>
-          <p:nvPr/>
-        </p:nvPicPr>
-        <p:blipFill rotWithShape="1">
-          <a:blip r:embed="rId5">
-            <a:alphaModFix/>
-          </a:blip>
-          <a:srcRect/>
-          <a:stretch/>
-        </p:blipFill>
-        <p:spPr>
-          <a:xfrm>
-            <a:off x="3383519" y="5818703"/>
-            <a:ext cx="3667760" cy="388620"/>
-          </a:xfrm>
-          <a:prstGeom prst="rect">
-            <a:avLst/>
-          </a:prstGeom>
-          <a:noFill/>
-          <a:ln>
-            <a:noFill/>
-          </a:ln>
-        </p:spPr>
-      </p:pic>
-      <p:sp>
-        <p:nvSpPr>
-          <p:cNvPr id="208" name="Google Shape;208;p7"/>
-          <p:cNvSpPr/>
-          <p:nvPr/>
-        </p:nvSpPr>
-        <p:spPr>
-          <a:xfrm>
-            <a:off x="4611785" y="3158123"/>
-            <a:ext cx="60959" cy="60959"/>
-          </a:xfrm>
-          <a:prstGeom prst="ellipse">
-            <a:avLst/>
-          </a:prstGeom>
-          <a:solidFill>
-            <a:schemeClr val="dk1"/>
-          </a:solidFill>
-          <a:ln w="12700" cap="flat" cmpd="sng">
-            <a:solidFill>
-              <a:schemeClr val="dk1"/>
-            </a:solidFill>
-            <a:prstDash val="solid"/>
-            <a:miter lim="800000"/>
-            <a:headEnd type="none" w="sm" len="sm"/>
-            <a:tailEnd type="none" w="sm" len="sm"/>
-          </a:ln>
-        </p:spPr>
-        <p:txBody>
-          <a:bodyPr spcFirstLastPara="1" wrap="square" lIns="91425" tIns="45700" rIns="91425" bIns="45700" anchor="ctr" anchorCtr="0">
-            <a:noAutofit/>
-          </a:bodyPr>
-          <a:lstStyle/>
-          <a:p>
-            <a:pPr marL="0" marR="0" lvl="0" indent="0" algn="ctr" rtl="0">
-              <a:spcBef>
-                <a:spcPts val="0"/>
-              </a:spcBef>
-              <a:spcAft>
-                <a:spcPts val="0"/>
-              </a:spcAft>
-              <a:buNone/>
-            </a:pPr>
-            <a:endParaRPr sz="2400">
-              <a:solidFill>
-                <a:schemeClr val="lt1"/>
-              </a:solidFill>
-              <a:latin typeface="Calibri"/>
-              <a:ea typeface="Calibri"/>
-              <a:cs typeface="Calibri"/>
-              <a:sym typeface="Calibri"/>
-            </a:endParaRPr>
-          </a:p>
-        </p:txBody>
-      </p:sp>
-      <p:sp>
-        <p:nvSpPr>
-          <p:cNvPr id="209" name="Google Shape;209;p7"/>
-          <p:cNvSpPr/>
-          <p:nvPr/>
-        </p:nvSpPr>
-        <p:spPr>
-          <a:xfrm>
-            <a:off x="5219593" y="3357441"/>
-            <a:ext cx="60959" cy="60959"/>
-          </a:xfrm>
-          <a:prstGeom prst="ellipse">
-            <a:avLst/>
-          </a:prstGeom>
-          <a:solidFill>
-            <a:schemeClr val="dk1"/>
-          </a:solidFill>
-          <a:ln w="12700" cap="flat" cmpd="sng">
-            <a:solidFill>
-              <a:schemeClr val="dk1"/>
-            </a:solidFill>
-            <a:prstDash val="solid"/>
-            <a:miter lim="800000"/>
-            <a:headEnd type="none" w="sm" len="sm"/>
-            <a:tailEnd type="none" w="sm" len="sm"/>
-          </a:ln>
-        </p:spPr>
-        <p:txBody>
-          <a:bodyPr spcFirstLastPara="1" wrap="square" lIns="91425" tIns="45700" rIns="91425" bIns="45700" anchor="ctr" anchorCtr="0">
-            <a:noAutofit/>
-          </a:bodyPr>
-          <a:lstStyle/>
-          <a:p>
-            <a:pPr marL="0" marR="0" lvl="0" indent="0" algn="ctr" rtl="0">
-              <a:spcBef>
-                <a:spcPts val="0"/>
-              </a:spcBef>
-              <a:spcAft>
-                <a:spcPts val="0"/>
-              </a:spcAft>
-              <a:buNone/>
-            </a:pPr>
-            <a:endParaRPr sz="2400">
-              <a:solidFill>
-                <a:schemeClr val="lt1"/>
-              </a:solidFill>
-              <a:latin typeface="Calibri"/>
-              <a:ea typeface="Calibri"/>
-              <a:cs typeface="Calibri"/>
-              <a:sym typeface="Calibri"/>
-            </a:endParaRPr>
-          </a:p>
-        </p:txBody>
-      </p:sp>
-      <p:sp>
-        <p:nvSpPr>
-          <p:cNvPr id="210" name="Google Shape;210;p7"/>
-          <p:cNvSpPr/>
-          <p:nvPr/>
-        </p:nvSpPr>
-        <p:spPr>
-          <a:xfrm>
-            <a:off x="5337062" y="4000169"/>
-            <a:ext cx="60959" cy="60959"/>
-          </a:xfrm>
-          <a:prstGeom prst="ellipse">
-            <a:avLst/>
-          </a:prstGeom>
-          <a:solidFill>
-            <a:schemeClr val="dk1"/>
-          </a:solidFill>
-          <a:ln w="12700" cap="flat" cmpd="sng">
-            <a:solidFill>
-              <a:schemeClr val="dk1"/>
-            </a:solidFill>
-            <a:prstDash val="solid"/>
-            <a:miter lim="800000"/>
-            <a:headEnd type="none" w="sm" len="sm"/>
-            <a:tailEnd type="none" w="sm" len="sm"/>
-          </a:ln>
-        </p:spPr>
-        <p:txBody>
-          <a:bodyPr spcFirstLastPara="1" wrap="square" lIns="91425" tIns="45700" rIns="91425" bIns="45700" anchor="ctr" anchorCtr="0">
-            <a:noAutofit/>
-          </a:bodyPr>
-          <a:lstStyle/>
-          <a:p>
-            <a:pPr marL="0" marR="0" lvl="0" indent="0" algn="ctr" rtl="0">
-              <a:spcBef>
-                <a:spcPts val="0"/>
-              </a:spcBef>
-              <a:spcAft>
-                <a:spcPts val="0"/>
-              </a:spcAft>
-              <a:buNone/>
-            </a:pPr>
-            <a:endParaRPr sz="2400">
-              <a:solidFill>
-                <a:schemeClr val="lt1"/>
-              </a:solidFill>
-              <a:latin typeface="Calibri"/>
-              <a:ea typeface="Calibri"/>
-              <a:cs typeface="Calibri"/>
-              <a:sym typeface="Calibri"/>
-            </a:endParaRPr>
-          </a:p>
-        </p:txBody>
-      </p:sp>
-      <p:sp>
-        <p:nvSpPr>
-          <p:cNvPr id="211" name="Google Shape;211;p7"/>
-          <p:cNvSpPr/>
-          <p:nvPr/>
-        </p:nvSpPr>
-        <p:spPr>
-          <a:xfrm>
-            <a:off x="4620594" y="3712598"/>
-            <a:ext cx="60959" cy="60959"/>
-          </a:xfrm>
-          <a:prstGeom prst="ellipse">
-            <a:avLst/>
-          </a:prstGeom>
-          <a:solidFill>
-            <a:schemeClr val="dk1"/>
-          </a:solidFill>
-          <a:ln w="12700" cap="flat" cmpd="sng">
-            <a:solidFill>
-              <a:schemeClr val="dk1"/>
-            </a:solidFill>
-            <a:prstDash val="solid"/>
-            <a:miter lim="800000"/>
-            <a:headEnd type="none" w="sm" len="sm"/>
-            <a:tailEnd type="none" w="sm" len="sm"/>
-          </a:ln>
-        </p:spPr>
-        <p:txBody>
-          <a:bodyPr spcFirstLastPara="1" wrap="square" lIns="91425" tIns="45700" rIns="91425" bIns="45700" anchor="ctr" anchorCtr="0">
-            <a:noAutofit/>
-          </a:bodyPr>
-          <a:lstStyle/>
-          <a:p>
-            <a:pPr marL="0" marR="0" lvl="0" indent="0" algn="ctr" rtl="0">
-              <a:spcBef>
-                <a:spcPts val="0"/>
-              </a:spcBef>
-              <a:spcAft>
-                <a:spcPts val="0"/>
-              </a:spcAft>
-              <a:buNone/>
-            </a:pPr>
-            <a:endParaRPr sz="2400">
-              <a:solidFill>
-                <a:schemeClr val="lt1"/>
-              </a:solidFill>
-              <a:latin typeface="Calibri"/>
-              <a:ea typeface="Calibri"/>
-              <a:cs typeface="Calibri"/>
-              <a:sym typeface="Calibri"/>
-            </a:endParaRPr>
-          </a:p>
-        </p:txBody>
-      </p:sp>
-      <p:sp>
-        <p:nvSpPr>
-          <p:cNvPr id="212" name="Google Shape;212;p7"/>
-          <p:cNvSpPr/>
-          <p:nvPr/>
-        </p:nvSpPr>
-        <p:spPr>
-          <a:xfrm>
-            <a:off x="4978401" y="4312921"/>
-            <a:ext cx="60959" cy="60959"/>
-          </a:xfrm>
-          <a:prstGeom prst="ellipse">
-            <a:avLst/>
-          </a:prstGeom>
-          <a:solidFill>
-            <a:schemeClr val="dk1"/>
-          </a:solidFill>
-          <a:ln w="12700" cap="flat" cmpd="sng">
-            <a:solidFill>
-              <a:schemeClr val="dk1"/>
-            </a:solidFill>
-            <a:prstDash val="solid"/>
-            <a:miter lim="800000"/>
-            <a:headEnd type="none" w="sm" len="sm"/>
-            <a:tailEnd type="none" w="sm" len="sm"/>
-          </a:ln>
-        </p:spPr>
-        <p:txBody>
-          <a:bodyPr spcFirstLastPara="1" wrap="square" lIns="91425" tIns="45700" rIns="91425" bIns="45700" anchor="ctr" anchorCtr="0">
-            <a:noAutofit/>
-          </a:bodyPr>
-          <a:lstStyle/>
-          <a:p>
-            <a:pPr marL="0" marR="0" lvl="0" indent="0" algn="ctr" rtl="0">
-              <a:spcBef>
-                <a:spcPts val="0"/>
-              </a:spcBef>
-              <a:spcAft>
-                <a:spcPts val="0"/>
-              </a:spcAft>
-              <a:buNone/>
-            </a:pPr>
-            <a:endParaRPr sz="2400">
-              <a:solidFill>
-                <a:schemeClr val="lt1"/>
-              </a:solidFill>
-              <a:latin typeface="Calibri"/>
-              <a:ea typeface="Calibri"/>
-              <a:cs typeface="Calibri"/>
-              <a:sym typeface="Calibri"/>
-            </a:endParaRPr>
-          </a:p>
-        </p:txBody>
-      </p:sp>
-      <p:sp>
-        <p:nvSpPr>
-          <p:cNvPr id="213" name="Google Shape;213;p7"/>
-          <p:cNvSpPr/>
-          <p:nvPr/>
-        </p:nvSpPr>
-        <p:spPr>
-          <a:xfrm>
-            <a:off x="6351914" y="2508565"/>
-            <a:ext cx="60959" cy="60959"/>
-          </a:xfrm>
-          <a:prstGeom prst="ellipse">
-            <a:avLst/>
-          </a:prstGeom>
-          <a:solidFill>
-            <a:schemeClr val="dk1"/>
-          </a:solidFill>
-          <a:ln w="12700" cap="flat" cmpd="sng">
-            <a:solidFill>
-              <a:schemeClr val="dk1"/>
-            </a:solidFill>
-            <a:prstDash val="solid"/>
-            <a:miter lim="800000"/>
-            <a:headEnd type="none" w="sm" len="sm"/>
-            <a:tailEnd type="none" w="sm" len="sm"/>
-          </a:ln>
-        </p:spPr>
-        <p:txBody>
-          <a:bodyPr spcFirstLastPara="1" wrap="square" lIns="91425" tIns="45700" rIns="91425" bIns="45700" anchor="ctr" anchorCtr="0">
-            <a:noAutofit/>
-          </a:bodyPr>
-          <a:lstStyle/>
-          <a:p>
-            <a:pPr marL="0" marR="0" lvl="0" indent="0" algn="ctr" rtl="0">
-              <a:spcBef>
-                <a:spcPts val="0"/>
-              </a:spcBef>
-              <a:spcAft>
-                <a:spcPts val="0"/>
-              </a:spcAft>
-              <a:buNone/>
-            </a:pPr>
-            <a:endParaRPr sz="2400">
-              <a:solidFill>
-                <a:schemeClr val="lt1"/>
-              </a:solidFill>
-              <a:latin typeface="Calibri"/>
-              <a:ea typeface="Calibri"/>
-              <a:cs typeface="Calibri"/>
-              <a:sym typeface="Calibri"/>
-            </a:endParaRPr>
-          </a:p>
-        </p:txBody>
-      </p:sp>
-      <p:sp>
-        <p:nvSpPr>
-          <p:cNvPr id="214" name="Google Shape;214;p7"/>
-          <p:cNvSpPr/>
-          <p:nvPr/>
-        </p:nvSpPr>
-        <p:spPr>
-          <a:xfrm>
-            <a:off x="6919561" y="2571661"/>
-            <a:ext cx="60959" cy="60959"/>
-          </a:xfrm>
-          <a:prstGeom prst="ellipse">
-            <a:avLst/>
-          </a:prstGeom>
-          <a:solidFill>
-            <a:schemeClr val="dk1"/>
-          </a:solidFill>
-          <a:ln w="12700" cap="flat" cmpd="sng">
-            <a:solidFill>
-              <a:schemeClr val="dk1"/>
-            </a:solidFill>
-            <a:prstDash val="solid"/>
-            <a:miter lim="800000"/>
-            <a:headEnd type="none" w="sm" len="sm"/>
-            <a:tailEnd type="none" w="sm" len="sm"/>
-          </a:ln>
-        </p:spPr>
-        <p:txBody>
-          <a:bodyPr spcFirstLastPara="1" wrap="square" lIns="91425" tIns="45700" rIns="91425" bIns="45700" anchor="ctr" anchorCtr="0">
-            <a:noAutofit/>
-          </a:bodyPr>
-          <a:lstStyle/>
-          <a:p>
-            <a:pPr marL="0" marR="0" lvl="0" indent="0" algn="ctr" rtl="0">
-              <a:spcBef>
-                <a:spcPts val="0"/>
-              </a:spcBef>
-              <a:spcAft>
-                <a:spcPts val="0"/>
-              </a:spcAft>
-              <a:buNone/>
-            </a:pPr>
-            <a:endParaRPr sz="2400">
-              <a:solidFill>
-                <a:schemeClr val="lt1"/>
-              </a:solidFill>
-              <a:latin typeface="Calibri"/>
-              <a:ea typeface="Calibri"/>
-              <a:cs typeface="Calibri"/>
-              <a:sym typeface="Calibri"/>
-            </a:endParaRPr>
-          </a:p>
-        </p:txBody>
-      </p:sp>
-      <p:sp>
-        <p:nvSpPr>
-          <p:cNvPr id="215" name="Google Shape;215;p7"/>
-          <p:cNvSpPr/>
-          <p:nvPr/>
-        </p:nvSpPr>
-        <p:spPr>
-          <a:xfrm>
-            <a:off x="6669798" y="1767185"/>
-            <a:ext cx="60959" cy="60959"/>
-          </a:xfrm>
-          <a:prstGeom prst="ellipse">
-            <a:avLst/>
-          </a:prstGeom>
-          <a:solidFill>
-            <a:schemeClr val="dk1"/>
-          </a:solidFill>
-          <a:ln w="12700" cap="flat" cmpd="sng">
-            <a:solidFill>
-              <a:schemeClr val="dk1"/>
-            </a:solidFill>
-            <a:prstDash val="solid"/>
-            <a:miter lim="800000"/>
-            <a:headEnd type="none" w="sm" len="sm"/>
-            <a:tailEnd type="none" w="sm" len="sm"/>
-          </a:ln>
-        </p:spPr>
-        <p:txBody>
-          <a:bodyPr spcFirstLastPara="1" wrap="square" lIns="91425" tIns="45700" rIns="91425" bIns="45700" anchor="ctr" anchorCtr="0">
-            <a:noAutofit/>
-          </a:bodyPr>
-          <a:lstStyle/>
-          <a:p>
-            <a:pPr marL="0" marR="0" lvl="0" indent="0" algn="ctr" rtl="0">
-              <a:spcBef>
-                <a:spcPts val="0"/>
-              </a:spcBef>
-              <a:spcAft>
-                <a:spcPts val="0"/>
-              </a:spcAft>
-              <a:buNone/>
-            </a:pPr>
-            <a:endParaRPr sz="2400">
-              <a:solidFill>
-                <a:schemeClr val="lt1"/>
-              </a:solidFill>
-              <a:latin typeface="Calibri"/>
-              <a:ea typeface="Calibri"/>
-              <a:cs typeface="Calibri"/>
-              <a:sym typeface="Calibri"/>
-            </a:endParaRPr>
-          </a:p>
-        </p:txBody>
-      </p:sp>
-      <p:sp>
-        <p:nvSpPr>
-          <p:cNvPr id="216" name="Google Shape;216;p7"/>
-          <p:cNvSpPr/>
-          <p:nvPr/>
-        </p:nvSpPr>
-        <p:spPr>
-          <a:xfrm>
-            <a:off x="7315201" y="2096577"/>
-            <a:ext cx="60959" cy="60959"/>
-          </a:xfrm>
-          <a:prstGeom prst="ellipse">
-            <a:avLst/>
-          </a:prstGeom>
-          <a:solidFill>
-            <a:schemeClr val="dk1"/>
-          </a:solidFill>
-          <a:ln w="12700" cap="flat" cmpd="sng">
-            <a:solidFill>
-              <a:schemeClr val="dk1"/>
-            </a:solidFill>
-            <a:prstDash val="solid"/>
-            <a:miter lim="800000"/>
-            <a:headEnd type="none" w="sm" len="sm"/>
-            <a:tailEnd type="none" w="sm" len="sm"/>
-          </a:ln>
-        </p:spPr>
-        <p:txBody>
-          <a:bodyPr spcFirstLastPara="1" wrap="square" lIns="91425" tIns="45700" rIns="91425" bIns="45700" anchor="ctr" anchorCtr="0">
-            <a:noAutofit/>
-          </a:bodyPr>
-          <a:lstStyle/>
-          <a:p>
-            <a:pPr marL="0" marR="0" lvl="0" indent="0" algn="ctr" rtl="0">
-              <a:spcBef>
-                <a:spcPts val="0"/>
-              </a:spcBef>
-              <a:spcAft>
-                <a:spcPts val="0"/>
-              </a:spcAft>
-              <a:buNone/>
-            </a:pPr>
-            <a:endParaRPr sz="2400">
-              <a:solidFill>
-                <a:schemeClr val="lt1"/>
-              </a:solidFill>
-              <a:latin typeface="Calibri"/>
-              <a:ea typeface="Calibri"/>
-              <a:cs typeface="Calibri"/>
-              <a:sym typeface="Calibri"/>
-            </a:endParaRPr>
-          </a:p>
-        </p:txBody>
-      </p:sp>
-      <p:sp>
-        <p:nvSpPr>
-          <p:cNvPr id="217" name="Google Shape;217;p7"/>
-          <p:cNvSpPr/>
-          <p:nvPr/>
-        </p:nvSpPr>
-        <p:spPr>
-          <a:xfrm>
-            <a:off x="6285373" y="1967065"/>
-            <a:ext cx="60959" cy="60959"/>
-          </a:xfrm>
-          <a:prstGeom prst="ellipse">
-            <a:avLst/>
-          </a:prstGeom>
-          <a:solidFill>
-            <a:schemeClr val="dk1"/>
-          </a:solidFill>
-          <a:ln w="12700" cap="flat" cmpd="sng">
-            <a:solidFill>
-              <a:schemeClr val="dk1"/>
-            </a:solidFill>
-            <a:prstDash val="solid"/>
-            <a:miter lim="800000"/>
-            <a:headEnd type="none" w="sm" len="sm"/>
-            <a:tailEnd type="none" w="sm" len="sm"/>
-          </a:ln>
-        </p:spPr>
-        <p:txBody>
-          <a:bodyPr spcFirstLastPara="1" wrap="square" lIns="91425" tIns="45700" rIns="91425" bIns="45700" anchor="ctr" anchorCtr="0">
-            <a:noAutofit/>
-          </a:bodyPr>
-          <a:lstStyle/>
-          <a:p>
-            <a:pPr marL="0" marR="0" lvl="0" indent="0" algn="ctr" rtl="0">
-              <a:spcBef>
-                <a:spcPts val="0"/>
-              </a:spcBef>
-              <a:spcAft>
-                <a:spcPts val="0"/>
-              </a:spcAft>
-              <a:buNone/>
-            </a:pPr>
-            <a:endParaRPr sz="2400">
-              <a:solidFill>
-                <a:schemeClr val="lt1"/>
-              </a:solidFill>
-              <a:latin typeface="Calibri"/>
-              <a:ea typeface="Calibri"/>
-              <a:cs typeface="Calibri"/>
-              <a:sym typeface="Calibri"/>
-            </a:endParaRPr>
-          </a:p>
-        </p:txBody>
-      </p:sp>
-    </p:spTree>
-  </p:cSld>
-  <p:clrMapOvr>
-    <a:masterClrMapping/>
-  </p:clrMapOvr>
-</p:sld>
-</file>
-
-<file path=ppt/slides/slide7.xml><?xml version="1.0" encoding="utf-8"?>
-<p:sld xmlns:a="http://schemas.openxmlformats.org/drawingml/2006/main" xmlns:r="http://schemas.openxmlformats.org/officeDocument/2006/relationships" xmlns:p="http://schemas.openxmlformats.org/presentationml/2006/main">
-  <p:cSld>
-    <p:spTree>
-      <p:nvGrpSpPr>
         <p:cNvPr id="1" name="Shape 221"/>
         <p:cNvGrpSpPr/>
         <p:nvPr/>
@@ -59615,7 +56390,7 @@
         <p:spPr>
           <a:xfrm>
             <a:off x="8581903" y="5528781"/>
-            <a:ext cx="3510705" cy="646331"/>
+            <a:ext cx="3510705" cy="369291"/>
           </a:xfrm>
           <a:prstGeom prst="rect">
             <a:avLst/>
@@ -59641,31 +56416,7 @@
               <a:buNone/>
             </a:pPr>
             <a:r>
-              <a:rPr lang="en-US" sz="1800">
-                <a:solidFill>
-                  <a:schemeClr val="dk1"/>
-                </a:solidFill>
-                <a:latin typeface="Calibri"/>
-                <a:ea typeface="Calibri"/>
-                <a:cs typeface="Calibri"/>
-                <a:sym typeface="Calibri"/>
-              </a:rPr>
-              <a:t>Question: Name some applications </a:t>
-            </a:r>
-            <a:endParaRPr/>
-          </a:p>
-          <a:p>
-            <a:pPr marL="0" marR="0" lvl="0" indent="0" algn="l" rtl="0">
-              <a:spcBef>
-                <a:spcPts val="0"/>
-              </a:spcBef>
-              <a:spcAft>
-                <a:spcPts val="0"/>
-              </a:spcAft>
-              <a:buNone/>
-            </a:pPr>
-            <a:r>
-              <a:rPr lang="en-US" sz="1800">
+              <a:rPr lang="en-US" sz="1800" dirty="0">
                 <a:solidFill>
                   <a:schemeClr val="dk1"/>
                 </a:solidFill>
@@ -59676,7 +56427,7 @@
               </a:rPr>
               <a:t>Where clustering can be applied?</a:t>
             </a:r>
-            <a:endParaRPr/>
+            <a:endParaRPr dirty="0"/>
           </a:p>
         </p:txBody>
       </p:sp>
@@ -59763,7 +56514,7 @@
 </p:sld>
 </file>
 
-<file path=ppt/slides/slide8.xml><?xml version="1.0" encoding="utf-8"?>
+<file path=ppt/slides/slide6.xml><?xml version="1.0" encoding="utf-8"?>
 <p:sld xmlns:a="http://schemas.openxmlformats.org/drawingml/2006/main" xmlns:r="http://schemas.openxmlformats.org/officeDocument/2006/relationships" xmlns:p="http://schemas.openxmlformats.org/presentationml/2006/main">
   <p:cSld>
     <p:spTree>
@@ -61526,7 +58277,147 @@
 </p:sld>
 </file>
 
-<file path=ppt/slides/slide9.xml><?xml version="1.0" encoding="utf-8"?>
+<file path=ppt/slides/slide7.xml><?xml version="1.0" encoding="utf-8"?>
+<p:sld xmlns:a="http://schemas.openxmlformats.org/drawingml/2006/main" xmlns:r="http://schemas.openxmlformats.org/officeDocument/2006/relationships" xmlns:p="http://schemas.openxmlformats.org/presentationml/2006/main">
+  <p:cSld>
+    <p:spTree>
+      <p:nvGrpSpPr>
+        <p:cNvPr id="1" name=""/>
+        <p:cNvGrpSpPr/>
+        <p:nvPr/>
+      </p:nvGrpSpPr>
+      <p:grpSpPr>
+        <a:xfrm>
+          <a:off x="0" y="0"/>
+          <a:ext cx="0" cy="0"/>
+          <a:chOff x="0" y="0"/>
+          <a:chExt cx="0" cy="0"/>
+        </a:xfrm>
+      </p:grpSpPr>
+      <p:pic>
+        <p:nvPicPr>
+          <p:cNvPr id="5" name="Picture 4">
+            <a:extLst>
+              <a:ext uri="{FF2B5EF4-FFF2-40B4-BE49-F238E27FC236}">
+                <a16:creationId xmlns:a16="http://schemas.microsoft.com/office/drawing/2014/main" id="{FE1C6FAD-F819-40BE-9402-81FBE98EF21C}"/>
+              </a:ext>
+            </a:extLst>
+          </p:cNvPr>
+          <p:cNvPicPr>
+            <a:picLocks noChangeAspect="1"/>
+          </p:cNvPicPr>
+          <p:nvPr/>
+        </p:nvPicPr>
+        <p:blipFill>
+          <a:blip r:embed="rId2">
+            <a:extLst>
+              <a:ext uri="{28A0092B-C50C-407E-A947-70E740481C1C}">
+                <a14:useLocalDpi xmlns:a14="http://schemas.microsoft.com/office/drawing/2010/main" val="0"/>
+              </a:ext>
+            </a:extLst>
+          </a:blip>
+          <a:stretch>
+            <a:fillRect/>
+          </a:stretch>
+        </p:blipFill>
+        <p:spPr>
+          <a:xfrm>
+            <a:off x="2558361" y="127820"/>
+            <a:ext cx="7075277" cy="4694655"/>
+          </a:xfrm>
+          <a:prstGeom prst="rect">
+            <a:avLst/>
+          </a:prstGeom>
+        </p:spPr>
+      </p:pic>
+      <p:sp>
+        <p:nvSpPr>
+          <p:cNvPr id="2" name="Title 1">
+            <a:extLst>
+              <a:ext uri="{FF2B5EF4-FFF2-40B4-BE49-F238E27FC236}">
+                <a16:creationId xmlns:a16="http://schemas.microsoft.com/office/drawing/2014/main" id="{A6FAFACC-3A77-4930-806F-AEC046CCD12E}"/>
+              </a:ext>
+            </a:extLst>
+          </p:cNvPr>
+          <p:cNvSpPr>
+            <a:spLocks noGrp="1"/>
+          </p:cNvSpPr>
+          <p:nvPr>
+            <p:ph type="ctrTitle"/>
+          </p:nvPr>
+        </p:nvSpPr>
+        <p:spPr>
+          <a:xfrm>
+            <a:off x="1524000" y="2814638"/>
+            <a:ext cx="9144000" cy="2387600"/>
+          </a:xfrm>
+        </p:spPr>
+        <p:txBody>
+          <a:bodyPr>
+            <a:normAutofit/>
+          </a:bodyPr>
+          <a:lstStyle/>
+          <a:p>
+            <a:r>
+              <a:rPr lang="en-US" dirty="0"/>
+              <a:t>AIM-AHEAD Introductory Courses in AI/ML Concepts</a:t>
+            </a:r>
+          </a:p>
+        </p:txBody>
+      </p:sp>
+      <p:sp>
+        <p:nvSpPr>
+          <p:cNvPr id="3" name="Subtitle 2">
+            <a:extLst>
+              <a:ext uri="{FF2B5EF4-FFF2-40B4-BE49-F238E27FC236}">
+                <a16:creationId xmlns:a16="http://schemas.microsoft.com/office/drawing/2014/main" id="{D33701D1-BCDF-4163-B365-80F2E75A5E5B}"/>
+              </a:ext>
+            </a:extLst>
+          </p:cNvPr>
+          <p:cNvSpPr>
+            <a:spLocks noGrp="1"/>
+          </p:cNvSpPr>
+          <p:nvPr>
+            <p:ph type="subTitle" idx="1"/>
+          </p:nvPr>
+        </p:nvSpPr>
+        <p:spPr>
+          <a:xfrm>
+            <a:off x="1524000" y="5202238"/>
+            <a:ext cx="9144000" cy="1655762"/>
+          </a:xfrm>
+        </p:spPr>
+        <p:txBody>
+          <a:bodyPr/>
+          <a:lstStyle/>
+          <a:p>
+            <a:r>
+              <a:rPr lang="en-US" dirty="0"/>
+              <a:t>Module 2: Unsupervised Learning</a:t>
+            </a:r>
+          </a:p>
+          <a:p>
+            <a:r>
+              <a:rPr lang="en-US" sz="1600" dirty="0"/>
+              <a:t>Adapted from the Health Informatics and Data Science Masters Degree Program, Georgetown University</a:t>
+            </a:r>
+          </a:p>
+        </p:txBody>
+      </p:sp>
+    </p:spTree>
+    <p:extLst>
+      <p:ext uri="{BB962C8B-B14F-4D97-AF65-F5344CB8AC3E}">
+        <p14:creationId xmlns:p14="http://schemas.microsoft.com/office/powerpoint/2010/main" val="2492414716"/>
+      </p:ext>
+    </p:extLst>
+  </p:cSld>
+  <p:clrMapOvr>
+    <a:masterClrMapping/>
+  </p:clrMapOvr>
+</p:sld>
+</file>
+
+<file path=ppt/slides/slide8.xml><?xml version="1.0" encoding="utf-8"?>
 <p:sld xmlns:a="http://schemas.openxmlformats.org/drawingml/2006/main" xmlns:r="http://schemas.openxmlformats.org/officeDocument/2006/relationships" xmlns:p="http://schemas.openxmlformats.org/presentationml/2006/main">
   <p:cSld>
     <p:spTree>
@@ -61645,6 +58536,280 @@
             <a:r>
               <a:rPr lang="en-US"/>
               <a:t>Finding structures in feature space</a:t>
+            </a:r>
+            <a:endParaRPr/>
+          </a:p>
+        </p:txBody>
+      </p:sp>
+    </p:spTree>
+  </p:cSld>
+  <p:clrMapOvr>
+    <a:masterClrMapping/>
+  </p:clrMapOvr>
+</p:sld>
+</file>
+
+<file path=ppt/slides/slide9.xml><?xml version="1.0" encoding="utf-8"?>
+<p:sld xmlns:a="http://schemas.openxmlformats.org/drawingml/2006/main" xmlns:r="http://schemas.openxmlformats.org/officeDocument/2006/relationships" xmlns:p="http://schemas.openxmlformats.org/presentationml/2006/main">
+  <p:cSld>
+    <p:spTree>
+      <p:nvGrpSpPr>
+        <p:cNvPr id="1" name="Shape 315"/>
+        <p:cNvGrpSpPr/>
+        <p:nvPr/>
+      </p:nvGrpSpPr>
+      <p:grpSpPr>
+        <a:xfrm>
+          <a:off x="0" y="0"/>
+          <a:ext cx="0" cy="0"/>
+          <a:chOff x="0" y="0"/>
+          <a:chExt cx="0" cy="0"/>
+        </a:xfrm>
+      </p:grpSpPr>
+      <p:sp>
+        <p:nvSpPr>
+          <p:cNvPr id="316" name="Google Shape;316;p11"/>
+          <p:cNvSpPr txBox="1">
+            <a:spLocks noGrp="1"/>
+          </p:cNvSpPr>
+          <p:nvPr>
+            <p:ph type="title"/>
+          </p:nvPr>
+        </p:nvSpPr>
+        <p:spPr>
+          <a:xfrm>
+            <a:off x="838200" y="365125"/>
+            <a:ext cx="10515600" cy="1325563"/>
+          </a:xfrm>
+          <a:prstGeom prst="rect">
+            <a:avLst/>
+          </a:prstGeom>
+          <a:noFill/>
+          <a:ln>
+            <a:noFill/>
+          </a:ln>
+        </p:spPr>
+        <p:txBody>
+          <a:bodyPr spcFirstLastPara="1" wrap="square" lIns="91425" tIns="45700" rIns="91425" bIns="45700" anchor="ctr" anchorCtr="0">
+            <a:normAutofit/>
+          </a:bodyPr>
+          <a:lstStyle/>
+          <a:p>
+            <a:pPr marL="0" lvl="0" indent="0" algn="l" rtl="0">
+              <a:lnSpc>
+                <a:spcPct val="90000"/>
+              </a:lnSpc>
+              <a:spcBef>
+                <a:spcPts val="0"/>
+              </a:spcBef>
+              <a:spcAft>
+                <a:spcPts val="0"/>
+              </a:spcAft>
+              <a:buClr>
+                <a:schemeClr val="dk1"/>
+              </a:buClr>
+              <a:buSzPts val="4400"/>
+              <a:buFont typeface="Calibri"/>
+              <a:buNone/>
+            </a:pPr>
+            <a:r>
+              <a:rPr lang="en-US"/>
+              <a:t>K-means</a:t>
+            </a:r>
+            <a:endParaRPr/>
+          </a:p>
+        </p:txBody>
+      </p:sp>
+      <p:sp>
+        <p:nvSpPr>
+          <p:cNvPr id="317" name="Google Shape;317;p11"/>
+          <p:cNvSpPr txBox="1">
+            <a:spLocks noGrp="1"/>
+          </p:cNvSpPr>
+          <p:nvPr>
+            <p:ph type="body" idx="1"/>
+          </p:nvPr>
+        </p:nvSpPr>
+        <p:spPr>
+          <a:xfrm>
+            <a:off x="838200" y="1825625"/>
+            <a:ext cx="10515600" cy="4351338"/>
+          </a:xfrm>
+          <a:prstGeom prst="rect">
+            <a:avLst/>
+          </a:prstGeom>
+          <a:noFill/>
+          <a:ln>
+            <a:noFill/>
+          </a:ln>
+        </p:spPr>
+        <p:txBody>
+          <a:bodyPr spcFirstLastPara="1" wrap="square" lIns="91425" tIns="45700" rIns="91425" bIns="45700" anchor="t" anchorCtr="0">
+            <a:normAutofit/>
+          </a:bodyPr>
+          <a:lstStyle/>
+          <a:p>
+            <a:pPr marL="228600" lvl="0" indent="-228600" algn="l" rtl="0">
+              <a:lnSpc>
+                <a:spcPct val="90000"/>
+              </a:lnSpc>
+              <a:spcBef>
+                <a:spcPts val="0"/>
+              </a:spcBef>
+              <a:spcAft>
+                <a:spcPts val="0"/>
+              </a:spcAft>
+              <a:buClr>
+                <a:schemeClr val="dk1"/>
+              </a:buClr>
+              <a:buSzPts val="2800"/>
+              <a:buChar char="•"/>
+            </a:pPr>
+            <a:r>
+              <a:rPr lang="en-US"/>
+              <a:t>K-means is clustering algorithms</a:t>
+            </a:r>
+            <a:endParaRPr/>
+          </a:p>
+          <a:p>
+            <a:pPr marL="685800" lvl="1" indent="-228600" algn="l" rtl="0">
+              <a:lnSpc>
+                <a:spcPct val="90000"/>
+              </a:lnSpc>
+              <a:spcBef>
+                <a:spcPts val="500"/>
+              </a:spcBef>
+              <a:spcAft>
+                <a:spcPts val="0"/>
+              </a:spcAft>
+              <a:buClr>
+                <a:schemeClr val="dk1"/>
+              </a:buClr>
+              <a:buSzPts val="2400"/>
+              <a:buChar char="•"/>
+            </a:pPr>
+            <a:r>
+              <a:rPr lang="en-US"/>
+              <a:t>Group data points into groups/clusters</a:t>
+            </a:r>
+            <a:endParaRPr/>
+          </a:p>
+          <a:p>
+            <a:pPr marL="685800" lvl="1" indent="-76200" algn="l" rtl="0">
+              <a:lnSpc>
+                <a:spcPct val="90000"/>
+              </a:lnSpc>
+              <a:spcBef>
+                <a:spcPts val="500"/>
+              </a:spcBef>
+              <a:spcAft>
+                <a:spcPts val="0"/>
+              </a:spcAft>
+              <a:buClr>
+                <a:schemeClr val="dk1"/>
+              </a:buClr>
+              <a:buSzPts val="2400"/>
+              <a:buNone/>
+            </a:pPr>
+            <a:endParaRPr/>
+          </a:p>
+          <a:p>
+            <a:pPr marL="685800" lvl="1" indent="-228600" algn="l" rtl="0">
+              <a:lnSpc>
+                <a:spcPct val="90000"/>
+              </a:lnSpc>
+              <a:spcBef>
+                <a:spcPts val="500"/>
+              </a:spcBef>
+              <a:spcAft>
+                <a:spcPts val="0"/>
+              </a:spcAft>
+              <a:buClr>
+                <a:schemeClr val="dk1"/>
+              </a:buClr>
+              <a:buSzPts val="2400"/>
+              <a:buChar char="•"/>
+            </a:pPr>
+            <a:r>
+              <a:rPr lang="en-US"/>
+              <a:t>Iterative algorithm:</a:t>
+            </a:r>
+            <a:endParaRPr/>
+          </a:p>
+          <a:p>
+            <a:pPr marL="1143000" lvl="2" indent="-228600" algn="l" rtl="0">
+              <a:lnSpc>
+                <a:spcPct val="90000"/>
+              </a:lnSpc>
+              <a:spcBef>
+                <a:spcPts val="500"/>
+              </a:spcBef>
+              <a:spcAft>
+                <a:spcPts val="0"/>
+              </a:spcAft>
+              <a:buClr>
+                <a:srgbClr val="0070C0"/>
+              </a:buClr>
+              <a:buSzPts val="2400"/>
+              <a:buChar char="•"/>
+            </a:pPr>
+            <a:r>
+              <a:rPr lang="en-US" sz="2400">
+                <a:solidFill>
+                  <a:srgbClr val="0070C0"/>
+                </a:solidFill>
+              </a:rPr>
+              <a:t>Select/update cluster centers (Centroid)</a:t>
+            </a:r>
+            <a:endParaRPr/>
+          </a:p>
+          <a:p>
+            <a:pPr marL="1143000" lvl="2" indent="-76200" algn="l" rtl="0">
+              <a:lnSpc>
+                <a:spcPct val="90000"/>
+              </a:lnSpc>
+              <a:spcBef>
+                <a:spcPts val="500"/>
+              </a:spcBef>
+              <a:spcAft>
+                <a:spcPts val="0"/>
+              </a:spcAft>
+              <a:buClr>
+                <a:schemeClr val="dk1"/>
+              </a:buClr>
+              <a:buSzPts val="2400"/>
+              <a:buNone/>
+            </a:pPr>
+            <a:endParaRPr sz="2400">
+              <a:solidFill>
+                <a:srgbClr val="0070C0"/>
+              </a:solidFill>
+            </a:endParaRPr>
+          </a:p>
+          <a:p>
+            <a:pPr marL="1143000" lvl="2" indent="-228600" algn="l" rtl="0">
+              <a:lnSpc>
+                <a:spcPct val="90000"/>
+              </a:lnSpc>
+              <a:spcBef>
+                <a:spcPts val="500"/>
+              </a:spcBef>
+              <a:spcAft>
+                <a:spcPts val="0"/>
+              </a:spcAft>
+              <a:buClr>
+                <a:srgbClr val="0070C0"/>
+              </a:buClr>
+              <a:buSzPts val="2400"/>
+              <a:buChar char="•"/>
+            </a:pPr>
+            <a:r>
+              <a:rPr lang="en-US" sz="2400">
+                <a:solidFill>
+                  <a:srgbClr val="0070C0"/>
+                </a:solidFill>
+              </a:rPr>
+              <a:t>Assign data points to cluster</a:t>
             </a:r>
             <a:endParaRPr/>
           </a:p>
